--- a/documentation/Aplikasi Warung Makan.pptx
+++ b/documentation/Aplikasi Warung Makan.pptx
@@ -5,7 +5,7 @@
     <p:sldMasterId id="2147483648" r:id="rId4"/>
   </p:sldMasterIdLst>
   <p:notesMasterIdLst>
-    <p:notesMasterId r:id="rId23"/>
+    <p:notesMasterId r:id="rId24"/>
   </p:notesMasterIdLst>
   <p:sldIdLst>
     <p:sldId id="256" r:id="rId5"/>
@@ -15,17 +15,18 @@
     <p:sldId id="276" r:id="rId9"/>
     <p:sldId id="277" r:id="rId10"/>
     <p:sldId id="279" r:id="rId11"/>
-    <p:sldId id="259" r:id="rId12"/>
-    <p:sldId id="280" r:id="rId13"/>
-    <p:sldId id="260" r:id="rId14"/>
-    <p:sldId id="273" r:id="rId15"/>
-    <p:sldId id="271" r:id="rId16"/>
-    <p:sldId id="269" r:id="rId17"/>
-    <p:sldId id="264" r:id="rId18"/>
-    <p:sldId id="265" r:id="rId19"/>
-    <p:sldId id="266" r:id="rId20"/>
-    <p:sldId id="267" r:id="rId21"/>
-    <p:sldId id="275" r:id="rId22"/>
+    <p:sldId id="281" r:id="rId12"/>
+    <p:sldId id="259" r:id="rId13"/>
+    <p:sldId id="280" r:id="rId14"/>
+    <p:sldId id="275" r:id="rId15"/>
+    <p:sldId id="260" r:id="rId16"/>
+    <p:sldId id="273" r:id="rId17"/>
+    <p:sldId id="271" r:id="rId18"/>
+    <p:sldId id="269" r:id="rId19"/>
+    <p:sldId id="264" r:id="rId20"/>
+    <p:sldId id="265" r:id="rId21"/>
+    <p:sldId id="266" r:id="rId22"/>
+    <p:sldId id="267" r:id="rId23"/>
   </p:sldIdLst>
   <p:sldSz cx="12192000" cy="6858000"/>
   <p:notesSz cx="6858000" cy="9144000"/>
@@ -1957,61 +1958,6 @@
         </a:p>
       </dgm:t>
     </dgm:pt>
-    <dgm:pt modelId="{DF1ABFB3-B399-406F-91BD-DCDF9A38526B}">
-      <dgm:prSet phldrT="[Text]" phldr="0"/>
-      <dgm:spPr/>
-      <dgm:t>
-        <a:bodyPr/>
-        <a:lstStyle/>
-        <a:p>
-          <a:r>
-            <a:rPr lang="en-US" b="0" dirty="0">
-              <a:solidFill>
-                <a:schemeClr val="bg1"/>
-              </a:solidFill>
-              <a:latin typeface="Tenorite" pitchFamily="2" charset="0"/>
-            </a:rPr>
-            <a:t>Unit Testing</a:t>
-          </a:r>
-          <a:endParaRPr lang="en-US" b="1" dirty="0">
-            <a:solidFill>
-              <a:schemeClr val="bg1"/>
-            </a:solidFill>
-            <a:latin typeface="Tenorite" pitchFamily="2" charset="0"/>
-          </a:endParaRPr>
-        </a:p>
-      </dgm:t>
-    </dgm:pt>
-    <dgm:pt modelId="{78CB0E27-958C-4066-A189-8B36505E8204}" type="parTrans" cxnId="{15319551-A9EA-462E-845B-E5251E84291F}">
-      <dgm:prSet/>
-      <dgm:spPr/>
-      <dgm:t>
-        <a:bodyPr/>
-        <a:lstStyle/>
-        <a:p>
-          <a:endParaRPr lang="en-US">
-            <a:solidFill>
-              <a:schemeClr val="bg1"/>
-            </a:solidFill>
-          </a:endParaRPr>
-        </a:p>
-      </dgm:t>
-    </dgm:pt>
-    <dgm:pt modelId="{70E4A1D3-514E-4327-991D-5CC9C6B41885}" type="sibTrans" cxnId="{15319551-A9EA-462E-845B-E5251E84291F}">
-      <dgm:prSet/>
-      <dgm:spPr/>
-      <dgm:t>
-        <a:bodyPr/>
-        <a:lstStyle/>
-        <a:p>
-          <a:endParaRPr lang="en-US">
-            <a:solidFill>
-              <a:schemeClr val="bg1"/>
-            </a:solidFill>
-          </a:endParaRPr>
-        </a:p>
-      </dgm:t>
-    </dgm:pt>
     <dgm:pt modelId="{58FF46FB-368D-4E9C-A650-0513B8879DA8}">
       <dgm:prSet phldr="0"/>
       <dgm:spPr/>
@@ -2356,58 +2302,6 @@
       </dgm:t>
     </dgm:pt>
     <dgm:pt modelId="{8D1CC686-B05C-4470-A959-236CC9C8BB70}" type="sibTrans" cxnId="{2617C475-F537-46A6-ADE1-4EB764853601}">
-      <dgm:prSet/>
-      <dgm:spPr/>
-      <dgm:t>
-        <a:bodyPr/>
-        <a:lstStyle/>
-        <a:p>
-          <a:endParaRPr lang="en-US">
-            <a:solidFill>
-              <a:schemeClr val="bg1"/>
-            </a:solidFill>
-          </a:endParaRPr>
-        </a:p>
-      </dgm:t>
-    </dgm:pt>
-    <dgm:pt modelId="{8B9AF88A-E1F7-4D3A-905F-87228D6A8655}">
-      <dgm:prSet phldr="0"/>
-      <dgm:spPr/>
-      <dgm:t>
-        <a:bodyPr/>
-        <a:lstStyle/>
-        <a:p>
-          <a:pPr>
-            <a:defRPr b="1"/>
-          </a:pPr>
-          <a:r>
-            <a:rPr lang="en-US" b="1" dirty="0">
-              <a:solidFill>
-                <a:schemeClr val="bg1"/>
-              </a:solidFill>
-              <a:latin typeface="Tenorite" pitchFamily="2" charset="0"/>
-            </a:rPr>
-            <a:t>Testing</a:t>
-          </a:r>
-        </a:p>
-      </dgm:t>
-    </dgm:pt>
-    <dgm:pt modelId="{933A8FED-7B84-4ED0-B6AA-2EE26A89B8EA}" type="parTrans" cxnId="{E1474FF3-8E3C-4B30-985C-CE88BA0FE324}">
-      <dgm:prSet/>
-      <dgm:spPr/>
-      <dgm:t>
-        <a:bodyPr/>
-        <a:lstStyle/>
-        <a:p>
-          <a:endParaRPr lang="en-US">
-            <a:solidFill>
-              <a:schemeClr val="bg1"/>
-            </a:solidFill>
-          </a:endParaRPr>
-        </a:p>
-      </dgm:t>
-    </dgm:pt>
-    <dgm:pt modelId="{F11DD6EC-352C-4A0E-84AA-FEBE2F06BCF9}" type="sibTrans" cxnId="{E1474FF3-8E3C-4B30-985C-CE88BA0FE324}">
       <dgm:prSet/>
       <dgm:spPr/>
       <dgm:t>
@@ -2781,7 +2675,7 @@
       <dgm:spPr/>
     </dgm:pt>
     <dgm:pt modelId="{E8AACCBB-6709-4071-B389-3BB226B3A586}" type="pres">
-      <dgm:prSet presAssocID="{05A24E01-5535-46B9-A9A1-A9A07E639A88}" presName="divider" presStyleLbl="fgAcc1" presStyleIdx="0" presStyleCnt="7"/>
+      <dgm:prSet presAssocID="{05A24E01-5535-46B9-A9A1-A9A07E639A88}" presName="divider" presStyleLbl="fgAcc1" presStyleIdx="0" presStyleCnt="6"/>
       <dgm:spPr>
         <a:solidFill>
           <a:schemeClr val="lt1">
@@ -2824,7 +2718,7 @@
       <dgm:spPr/>
     </dgm:pt>
     <dgm:pt modelId="{B6C94ECD-6415-4250-B4AD-F67BF5BECFB8}" type="pres">
-      <dgm:prSet presAssocID="{58FF46FB-368D-4E9C-A650-0513B8879DA8}" presName="ConnectorPoint" presStyleLbl="lnNode1" presStyleIdx="0" presStyleCnt="6"/>
+      <dgm:prSet presAssocID="{58FF46FB-368D-4E9C-A650-0513B8879DA8}" presName="ConnectorPoint" presStyleLbl="lnNode1" presStyleIdx="0" presStyleCnt="5"/>
       <dgm:spPr>
         <a:solidFill>
           <a:schemeClr val="accent2">
@@ -2848,7 +2742,7 @@
       <dgm:spPr/>
     </dgm:pt>
     <dgm:pt modelId="{0ED6E8D6-BD44-4400-BC14-1BC75CB979A3}" type="pres">
-      <dgm:prSet presAssocID="{58FF46FB-368D-4E9C-A650-0513B8879DA8}" presName="DropPin" presStyleLbl="alignNode1" presStyleIdx="0" presStyleCnt="6"/>
+      <dgm:prSet presAssocID="{58FF46FB-368D-4E9C-A650-0513B8879DA8}" presName="DropPin" presStyleLbl="alignNode1" presStyleIdx="0" presStyleCnt="5"/>
       <dgm:spPr>
         <a:solidFill>
           <a:schemeClr val="accent2"/>
@@ -2856,7 +2750,7 @@
       </dgm:spPr>
     </dgm:pt>
     <dgm:pt modelId="{5B7FC7CF-F58D-48D5-8BCC-38D6EE87890B}" type="pres">
-      <dgm:prSet presAssocID="{58FF46FB-368D-4E9C-A650-0513B8879DA8}" presName="Ellipse" presStyleLbl="fgAcc1" presStyleIdx="1" presStyleCnt="7"/>
+      <dgm:prSet presAssocID="{58FF46FB-368D-4E9C-A650-0513B8879DA8}" presName="Ellipse" presStyleLbl="fgAcc1" presStyleIdx="1" presStyleCnt="6"/>
       <dgm:spPr>
         <a:solidFill>
           <a:schemeClr val="accent1">
@@ -2872,7 +2766,7 @@
       </dgm:spPr>
     </dgm:pt>
     <dgm:pt modelId="{D2143A46-815A-49BF-9455-C0385022444F}" type="pres">
-      <dgm:prSet presAssocID="{58FF46FB-368D-4E9C-A650-0513B8879DA8}" presName="L2TextContainer" presStyleLbl="revTx" presStyleIdx="0" presStyleCnt="12">
+      <dgm:prSet presAssocID="{58FF46FB-368D-4E9C-A650-0513B8879DA8}" presName="L2TextContainer" presStyleLbl="revTx" presStyleIdx="0" presStyleCnt="10">
         <dgm:presLayoutVars>
           <dgm:bulletEnabled val="1"/>
         </dgm:presLayoutVars>
@@ -2880,7 +2774,7 @@
       <dgm:spPr/>
     </dgm:pt>
     <dgm:pt modelId="{8E3FB235-DF38-476B-9A0E-B1E583D50944}" type="pres">
-      <dgm:prSet presAssocID="{58FF46FB-368D-4E9C-A650-0513B8879DA8}" presName="L1TextContainer" presStyleLbl="revTx" presStyleIdx="1" presStyleCnt="12" custScaleX="85387">
+      <dgm:prSet presAssocID="{58FF46FB-368D-4E9C-A650-0513B8879DA8}" presName="L1TextContainer" presStyleLbl="revTx" presStyleIdx="1" presStyleCnt="10" custScaleX="85387">
         <dgm:presLayoutVars>
           <dgm:chMax val="1"/>
           <dgm:chPref val="1"/>
@@ -2890,7 +2784,7 @@
       <dgm:spPr/>
     </dgm:pt>
     <dgm:pt modelId="{9AA05CE5-209F-4AD9-BE2C-2A69F76DA8F4}" type="pres">
-      <dgm:prSet presAssocID="{58FF46FB-368D-4E9C-A650-0513B8879DA8}" presName="ConnectLine" presStyleLbl="sibTrans1D1" presStyleIdx="0" presStyleCnt="6"/>
+      <dgm:prSet presAssocID="{58FF46FB-368D-4E9C-A650-0513B8879DA8}" presName="ConnectLine" presStyleLbl="sibTrans1D1" presStyleIdx="0" presStyleCnt="5"/>
       <dgm:spPr>
         <a:noFill/>
         <a:ln w="12700" cap="flat" cmpd="sng" algn="ctr">
@@ -2916,7 +2810,7 @@
       <dgm:spPr/>
     </dgm:pt>
     <dgm:pt modelId="{714429FF-AAA3-4358-8C5F-1A7F29AA2B7B}" type="pres">
-      <dgm:prSet presAssocID="{D05E1923-5021-40F7-B4EF-E582E23A699D}" presName="ConnectorPoint" presStyleLbl="lnNode1" presStyleIdx="1" presStyleCnt="6"/>
+      <dgm:prSet presAssocID="{D05E1923-5021-40F7-B4EF-E582E23A699D}" presName="ConnectorPoint" presStyleLbl="lnNode1" presStyleIdx="1" presStyleCnt="5"/>
       <dgm:spPr>
         <a:solidFill>
           <a:schemeClr val="accent2"/>
@@ -2934,7 +2828,7 @@
       <dgm:spPr/>
     </dgm:pt>
     <dgm:pt modelId="{358CAA11-0A87-4861-8B4E-913B1EAD1334}" type="pres">
-      <dgm:prSet presAssocID="{D05E1923-5021-40F7-B4EF-E582E23A699D}" presName="DropPin" presStyleLbl="alignNode1" presStyleIdx="1" presStyleCnt="6"/>
+      <dgm:prSet presAssocID="{D05E1923-5021-40F7-B4EF-E582E23A699D}" presName="DropPin" presStyleLbl="alignNode1" presStyleIdx="1" presStyleCnt="5"/>
       <dgm:spPr>
         <a:solidFill>
           <a:schemeClr val="accent2"/>
@@ -2942,7 +2836,7 @@
       </dgm:spPr>
     </dgm:pt>
     <dgm:pt modelId="{B1A1A837-F261-404B-A808-B2F4154CE8A2}" type="pres">
-      <dgm:prSet presAssocID="{D05E1923-5021-40F7-B4EF-E582E23A699D}" presName="Ellipse" presStyleLbl="fgAcc1" presStyleIdx="2" presStyleCnt="7"/>
+      <dgm:prSet presAssocID="{D05E1923-5021-40F7-B4EF-E582E23A699D}" presName="Ellipse" presStyleLbl="fgAcc1" presStyleIdx="2" presStyleCnt="6"/>
       <dgm:spPr>
         <a:solidFill>
           <a:schemeClr val="accent1">
@@ -2958,7 +2852,7 @@
       </dgm:spPr>
     </dgm:pt>
     <dgm:pt modelId="{B5F3F650-2E42-488A-AD4F-C4BD47D19A84}" type="pres">
-      <dgm:prSet presAssocID="{D05E1923-5021-40F7-B4EF-E582E23A699D}" presName="L2TextContainer" presStyleLbl="revTx" presStyleIdx="2" presStyleCnt="12" custScaleX="85387">
+      <dgm:prSet presAssocID="{D05E1923-5021-40F7-B4EF-E582E23A699D}" presName="L2TextContainer" presStyleLbl="revTx" presStyleIdx="2" presStyleCnt="10" custScaleX="85387">
         <dgm:presLayoutVars>
           <dgm:bulletEnabled val="1"/>
         </dgm:presLayoutVars>
@@ -2966,7 +2860,7 @@
       <dgm:spPr/>
     </dgm:pt>
     <dgm:pt modelId="{223C5207-4FA2-4A6C-8F43-20BD55767C99}" type="pres">
-      <dgm:prSet presAssocID="{D05E1923-5021-40F7-B4EF-E582E23A699D}" presName="L1TextContainer" presStyleLbl="revTx" presStyleIdx="3" presStyleCnt="12" custScaleX="85387">
+      <dgm:prSet presAssocID="{D05E1923-5021-40F7-B4EF-E582E23A699D}" presName="L1TextContainer" presStyleLbl="revTx" presStyleIdx="3" presStyleCnt="10" custScaleX="85387">
         <dgm:presLayoutVars>
           <dgm:chMax val="1"/>
           <dgm:chPref val="1"/>
@@ -2976,7 +2870,7 @@
       <dgm:spPr/>
     </dgm:pt>
     <dgm:pt modelId="{4FE5EB5D-4CEF-4D0D-9394-0534E61844BE}" type="pres">
-      <dgm:prSet presAssocID="{D05E1923-5021-40F7-B4EF-E582E23A699D}" presName="ConnectLine" presStyleLbl="sibTrans1D1" presStyleIdx="1" presStyleCnt="6"/>
+      <dgm:prSet presAssocID="{D05E1923-5021-40F7-B4EF-E582E23A699D}" presName="ConnectLine" presStyleLbl="sibTrans1D1" presStyleIdx="1" presStyleCnt="5"/>
       <dgm:spPr>
         <a:noFill/>
         <a:ln w="12700" cap="flat" cmpd="sng" algn="ctr">
@@ -3002,7 +2896,7 @@
       <dgm:spPr/>
     </dgm:pt>
     <dgm:pt modelId="{152AD014-AFD0-4700-A468-4D562874339A}" type="pres">
-      <dgm:prSet presAssocID="{FA8F44BD-C8C7-462C-9756-1EC498E86842}" presName="ConnectorPoint" presStyleLbl="lnNode1" presStyleIdx="2" presStyleCnt="6"/>
+      <dgm:prSet presAssocID="{FA8F44BD-C8C7-462C-9756-1EC498E86842}" presName="ConnectorPoint" presStyleLbl="lnNode1" presStyleIdx="2" presStyleCnt="5"/>
       <dgm:spPr>
         <a:solidFill>
           <a:schemeClr val="accent2"/>
@@ -3020,7 +2914,7 @@
       <dgm:spPr/>
     </dgm:pt>
     <dgm:pt modelId="{72C82E90-F103-439C-8371-CFFB0927B9DE}" type="pres">
-      <dgm:prSet presAssocID="{FA8F44BD-C8C7-462C-9756-1EC498E86842}" presName="DropPin" presStyleLbl="alignNode1" presStyleIdx="2" presStyleCnt="6"/>
+      <dgm:prSet presAssocID="{FA8F44BD-C8C7-462C-9756-1EC498E86842}" presName="DropPin" presStyleLbl="alignNode1" presStyleIdx="2" presStyleCnt="5"/>
       <dgm:spPr>
         <a:solidFill>
           <a:schemeClr val="accent2"/>
@@ -3028,7 +2922,7 @@
       </dgm:spPr>
     </dgm:pt>
     <dgm:pt modelId="{5D519322-C1DD-47AE-92C0-13575134BC76}" type="pres">
-      <dgm:prSet presAssocID="{FA8F44BD-C8C7-462C-9756-1EC498E86842}" presName="Ellipse" presStyleLbl="fgAcc1" presStyleIdx="3" presStyleCnt="7"/>
+      <dgm:prSet presAssocID="{FA8F44BD-C8C7-462C-9756-1EC498E86842}" presName="Ellipse" presStyleLbl="fgAcc1" presStyleIdx="3" presStyleCnt="6"/>
       <dgm:spPr>
         <a:solidFill>
           <a:schemeClr val="accent1">
@@ -3044,7 +2938,7 @@
       </dgm:spPr>
     </dgm:pt>
     <dgm:pt modelId="{96DDA0FE-83E2-423C-9F13-58A61EB68487}" type="pres">
-      <dgm:prSet presAssocID="{FA8F44BD-C8C7-462C-9756-1EC498E86842}" presName="L2TextContainer" presStyleLbl="revTx" presStyleIdx="4" presStyleCnt="12">
+      <dgm:prSet presAssocID="{FA8F44BD-C8C7-462C-9756-1EC498E86842}" presName="L2TextContainer" presStyleLbl="revTx" presStyleIdx="4" presStyleCnt="10">
         <dgm:presLayoutVars>
           <dgm:bulletEnabled val="1"/>
         </dgm:presLayoutVars>
@@ -3052,7 +2946,7 @@
       <dgm:spPr/>
     </dgm:pt>
     <dgm:pt modelId="{2D6C7916-1130-46A8-833B-A6278CBD2192}" type="pres">
-      <dgm:prSet presAssocID="{FA8F44BD-C8C7-462C-9756-1EC498E86842}" presName="L1TextContainer" presStyleLbl="revTx" presStyleIdx="5" presStyleCnt="12" custScaleX="85387" custLinFactNeighborX="0">
+      <dgm:prSet presAssocID="{FA8F44BD-C8C7-462C-9756-1EC498E86842}" presName="L1TextContainer" presStyleLbl="revTx" presStyleIdx="5" presStyleCnt="10" custScaleX="85387" custLinFactNeighborX="0">
         <dgm:presLayoutVars>
           <dgm:chMax val="1"/>
           <dgm:chPref val="1"/>
@@ -3062,7 +2956,7 @@
       <dgm:spPr/>
     </dgm:pt>
     <dgm:pt modelId="{4D953791-5C2F-4A75-A8F4-6ED7EAB5E015}" type="pres">
-      <dgm:prSet presAssocID="{FA8F44BD-C8C7-462C-9756-1EC498E86842}" presName="ConnectLine" presStyleLbl="sibTrans1D1" presStyleIdx="2" presStyleCnt="6"/>
+      <dgm:prSet presAssocID="{FA8F44BD-C8C7-462C-9756-1EC498E86842}" presName="ConnectLine" presStyleLbl="sibTrans1D1" presStyleIdx="2" presStyleCnt="5"/>
       <dgm:spPr>
         <a:noFill/>
         <a:ln w="12700" cap="flat" cmpd="sng" algn="ctr">
@@ -3088,7 +2982,7 @@
       <dgm:spPr/>
     </dgm:pt>
     <dgm:pt modelId="{14282312-87CB-41BB-A02D-C594BBEF33C7}" type="pres">
-      <dgm:prSet presAssocID="{8BAB5E6F-A65E-41DB-A296-0818B0E49F7C}" presName="ConnectorPoint" presStyleLbl="lnNode1" presStyleIdx="3" presStyleCnt="6"/>
+      <dgm:prSet presAssocID="{8BAB5E6F-A65E-41DB-A296-0818B0E49F7C}" presName="ConnectorPoint" presStyleLbl="lnNode1" presStyleIdx="3" presStyleCnt="5"/>
       <dgm:spPr>
         <a:solidFill>
           <a:schemeClr val="accent2"/>
@@ -3106,7 +3000,7 @@
       <dgm:spPr/>
     </dgm:pt>
     <dgm:pt modelId="{17331DD9-74CF-4A3A-86BA-F4B9DBEAB944}" type="pres">
-      <dgm:prSet presAssocID="{8BAB5E6F-A65E-41DB-A296-0818B0E49F7C}" presName="DropPin" presStyleLbl="alignNode1" presStyleIdx="3" presStyleCnt="6"/>
+      <dgm:prSet presAssocID="{8BAB5E6F-A65E-41DB-A296-0818B0E49F7C}" presName="DropPin" presStyleLbl="alignNode1" presStyleIdx="3" presStyleCnt="5"/>
       <dgm:spPr>
         <a:solidFill>
           <a:schemeClr val="accent2"/>
@@ -3114,7 +3008,7 @@
       </dgm:spPr>
     </dgm:pt>
     <dgm:pt modelId="{515AAB83-BD07-4B9E-9A3B-858C0B126F9C}" type="pres">
-      <dgm:prSet presAssocID="{8BAB5E6F-A65E-41DB-A296-0818B0E49F7C}" presName="Ellipse" presStyleLbl="fgAcc1" presStyleIdx="4" presStyleCnt="7"/>
+      <dgm:prSet presAssocID="{8BAB5E6F-A65E-41DB-A296-0818B0E49F7C}" presName="Ellipse" presStyleLbl="fgAcc1" presStyleIdx="4" presStyleCnt="6"/>
       <dgm:spPr>
         <a:solidFill>
           <a:schemeClr val="accent1">
@@ -3130,7 +3024,7 @@
       </dgm:spPr>
     </dgm:pt>
     <dgm:pt modelId="{08CB2D5A-F46A-4E0E-9575-15F31D04AAC6}" type="pres">
-      <dgm:prSet presAssocID="{8BAB5E6F-A65E-41DB-A296-0818B0E49F7C}" presName="L2TextContainer" presStyleLbl="revTx" presStyleIdx="6" presStyleCnt="12">
+      <dgm:prSet presAssocID="{8BAB5E6F-A65E-41DB-A296-0818B0E49F7C}" presName="L2TextContainer" presStyleLbl="revTx" presStyleIdx="6" presStyleCnt="10">
         <dgm:presLayoutVars>
           <dgm:bulletEnabled val="1"/>
         </dgm:presLayoutVars>
@@ -3138,7 +3032,7 @@
       <dgm:spPr/>
     </dgm:pt>
     <dgm:pt modelId="{7C1E6B4A-59F7-4018-A403-E1CCAEE78BA1}" type="pres">
-      <dgm:prSet presAssocID="{8BAB5E6F-A65E-41DB-A296-0818B0E49F7C}" presName="L1TextContainer" presStyleLbl="revTx" presStyleIdx="7" presStyleCnt="12" custScaleX="85387">
+      <dgm:prSet presAssocID="{8BAB5E6F-A65E-41DB-A296-0818B0E49F7C}" presName="L1TextContainer" presStyleLbl="revTx" presStyleIdx="7" presStyleCnt="10" custScaleX="85387">
         <dgm:presLayoutVars>
           <dgm:chMax val="1"/>
           <dgm:chPref val="1"/>
@@ -3148,7 +3042,7 @@
       <dgm:spPr/>
     </dgm:pt>
     <dgm:pt modelId="{A03C5372-D306-43AC-B406-6F8183849431}" type="pres">
-      <dgm:prSet presAssocID="{8BAB5E6F-A65E-41DB-A296-0818B0E49F7C}" presName="ConnectLine" presStyleLbl="sibTrans1D1" presStyleIdx="3" presStyleCnt="6"/>
+      <dgm:prSet presAssocID="{8BAB5E6F-A65E-41DB-A296-0818B0E49F7C}" presName="ConnectLine" presStyleLbl="sibTrans1D1" presStyleIdx="3" presStyleCnt="5"/>
       <dgm:spPr>
         <a:noFill/>
         <a:ln w="12700" cap="flat" cmpd="sng" algn="ctr">
@@ -3169,98 +3063,12 @@
       <dgm:prSet presAssocID="{B407F4C3-8FC9-4E91-A0EC-6B33713CC9A5}" presName="spaceBetweenRectangles" presStyleCnt="0"/>
       <dgm:spPr/>
     </dgm:pt>
-    <dgm:pt modelId="{05956D37-804F-419D-9E8C-30D41D06DC3E}" type="pres">
-      <dgm:prSet presAssocID="{8B9AF88A-E1F7-4D3A-905F-87228D6A8655}" presName="composite" presStyleCnt="0"/>
-      <dgm:spPr/>
-    </dgm:pt>
-    <dgm:pt modelId="{58B7B786-A0AD-4662-8D54-C5C572D2C32C}" type="pres">
-      <dgm:prSet presAssocID="{8B9AF88A-E1F7-4D3A-905F-87228D6A8655}" presName="ConnectorPoint" presStyleLbl="lnNode1" presStyleIdx="4" presStyleCnt="6"/>
-      <dgm:spPr>
-        <a:solidFill>
-          <a:schemeClr val="accent2"/>
-        </a:solidFill>
-        <a:ln w="6350" cap="flat" cmpd="sng" algn="ctr">
-          <a:noFill/>
-          <a:prstDash val="solid"/>
-          <a:miter lim="800000"/>
-        </a:ln>
-        <a:effectLst/>
-      </dgm:spPr>
-    </dgm:pt>
-    <dgm:pt modelId="{E4704426-333D-4092-A035-BBC55DB8579D}" type="pres">
-      <dgm:prSet presAssocID="{8B9AF88A-E1F7-4D3A-905F-87228D6A8655}" presName="DropPinPlaceHolder" presStyleCnt="0"/>
-      <dgm:spPr/>
-    </dgm:pt>
-    <dgm:pt modelId="{A55439AF-6893-479D-8B57-31FBC13C553F}" type="pres">
-      <dgm:prSet presAssocID="{8B9AF88A-E1F7-4D3A-905F-87228D6A8655}" presName="DropPin" presStyleLbl="alignNode1" presStyleIdx="4" presStyleCnt="6"/>
-      <dgm:spPr>
-        <a:solidFill>
-          <a:schemeClr val="accent2"/>
-        </a:solidFill>
-      </dgm:spPr>
-    </dgm:pt>
-    <dgm:pt modelId="{A22B1C16-7FF0-4DBE-B32E-E43FEB1E2EAC}" type="pres">
-      <dgm:prSet presAssocID="{8B9AF88A-E1F7-4D3A-905F-87228D6A8655}" presName="Ellipse" presStyleLbl="fgAcc1" presStyleIdx="5" presStyleCnt="7"/>
-      <dgm:spPr>
-        <a:solidFill>
-          <a:schemeClr val="accent1">
-            <a:alpha val="90000"/>
-          </a:schemeClr>
-        </a:solidFill>
-        <a:ln w="12700" cap="flat" cmpd="sng" algn="ctr">
-          <a:noFill/>
-          <a:prstDash val="solid"/>
-          <a:miter lim="800000"/>
-        </a:ln>
-        <a:effectLst/>
-      </dgm:spPr>
-    </dgm:pt>
-    <dgm:pt modelId="{1B55AA6D-649D-4145-93EB-08B866A4D4E5}" type="pres">
-      <dgm:prSet presAssocID="{8B9AF88A-E1F7-4D3A-905F-87228D6A8655}" presName="L2TextContainer" presStyleLbl="revTx" presStyleIdx="8" presStyleCnt="12">
-        <dgm:presLayoutVars>
-          <dgm:bulletEnabled val="1"/>
-        </dgm:presLayoutVars>
-      </dgm:prSet>
-      <dgm:spPr/>
-    </dgm:pt>
-    <dgm:pt modelId="{3FA5D5AE-9CAE-4D19-9765-BCEE62095312}" type="pres">
-      <dgm:prSet presAssocID="{8B9AF88A-E1F7-4D3A-905F-87228D6A8655}" presName="L1TextContainer" presStyleLbl="revTx" presStyleIdx="9" presStyleCnt="12" custScaleX="85387">
-        <dgm:presLayoutVars>
-          <dgm:chMax val="1"/>
-          <dgm:chPref val="1"/>
-          <dgm:bulletEnabled val="1"/>
-        </dgm:presLayoutVars>
-      </dgm:prSet>
-      <dgm:spPr/>
-    </dgm:pt>
-    <dgm:pt modelId="{FE6CA7EB-68EC-4E76-9051-08C4CF370101}" type="pres">
-      <dgm:prSet presAssocID="{8B9AF88A-E1F7-4D3A-905F-87228D6A8655}" presName="ConnectLine" presStyleLbl="sibTrans1D1" presStyleIdx="4" presStyleCnt="6"/>
-      <dgm:spPr>
-        <a:noFill/>
-        <a:ln w="12700" cap="flat" cmpd="sng" algn="ctr">
-          <a:solidFill>
-            <a:schemeClr val="accent2"/>
-          </a:solidFill>
-          <a:prstDash val="dash"/>
-          <a:miter lim="800000"/>
-        </a:ln>
-        <a:effectLst/>
-      </dgm:spPr>
-    </dgm:pt>
-    <dgm:pt modelId="{070CED43-982E-487C-9CC2-CFAEABD4D2D8}" type="pres">
-      <dgm:prSet presAssocID="{8B9AF88A-E1F7-4D3A-905F-87228D6A8655}" presName="EmptyPlaceHolder" presStyleCnt="0"/>
-      <dgm:spPr/>
-    </dgm:pt>
-    <dgm:pt modelId="{5213844B-AC34-4429-9CC0-B0B64A3CDE69}" type="pres">
-      <dgm:prSet presAssocID="{F11DD6EC-352C-4A0E-84AA-FEBE2F06BCF9}" presName="spaceBetweenRectangles" presStyleCnt="0"/>
-      <dgm:spPr/>
-    </dgm:pt>
     <dgm:pt modelId="{95D300E9-2C5E-42DD-8FC3-C20CFAA53509}" type="pres">
       <dgm:prSet presAssocID="{1C8D1927-9EA7-44AF-A155-99A163568CCE}" presName="composite" presStyleCnt="0"/>
       <dgm:spPr/>
     </dgm:pt>
     <dgm:pt modelId="{0CE99213-D739-4233-A2CB-B22C6D6ABFF4}" type="pres">
-      <dgm:prSet presAssocID="{1C8D1927-9EA7-44AF-A155-99A163568CCE}" presName="ConnectorPoint" presStyleLbl="lnNode1" presStyleIdx="5" presStyleCnt="6"/>
+      <dgm:prSet presAssocID="{1C8D1927-9EA7-44AF-A155-99A163568CCE}" presName="ConnectorPoint" presStyleLbl="lnNode1" presStyleIdx="4" presStyleCnt="5"/>
       <dgm:spPr>
         <a:solidFill>
           <a:schemeClr val="accent2">
@@ -3291,11 +3099,11 @@
       <dgm:spPr/>
     </dgm:pt>
     <dgm:pt modelId="{E10C1113-BAE0-4A35-9144-8A012C43B156}" type="pres">
-      <dgm:prSet presAssocID="{1C8D1927-9EA7-44AF-A155-99A163568CCE}" presName="DropPin" presStyleLbl="alignNode1" presStyleIdx="5" presStyleCnt="6"/>
+      <dgm:prSet presAssocID="{1C8D1927-9EA7-44AF-A155-99A163568CCE}" presName="DropPin" presStyleLbl="alignNode1" presStyleIdx="4" presStyleCnt="5"/>
       <dgm:spPr/>
     </dgm:pt>
     <dgm:pt modelId="{BD531C8B-254E-48F4-8B2A-AD493771D1DD}" type="pres">
-      <dgm:prSet presAssocID="{1C8D1927-9EA7-44AF-A155-99A163568CCE}" presName="Ellipse" presStyleLbl="fgAcc1" presStyleIdx="6" presStyleCnt="7"/>
+      <dgm:prSet presAssocID="{1C8D1927-9EA7-44AF-A155-99A163568CCE}" presName="Ellipse" presStyleLbl="fgAcc1" presStyleIdx="5" presStyleCnt="6"/>
       <dgm:spPr>
         <a:solidFill>
           <a:schemeClr val="lt1">
@@ -3315,7 +3123,7 @@
       </dgm:spPr>
     </dgm:pt>
     <dgm:pt modelId="{CA44E4B4-D656-4B96-96FA-6EFE52BCBF1A}" type="pres">
-      <dgm:prSet presAssocID="{1C8D1927-9EA7-44AF-A155-99A163568CCE}" presName="L2TextContainer" presStyleLbl="revTx" presStyleIdx="10" presStyleCnt="12">
+      <dgm:prSet presAssocID="{1C8D1927-9EA7-44AF-A155-99A163568CCE}" presName="L2TextContainer" presStyleLbl="revTx" presStyleIdx="8" presStyleCnt="10">
         <dgm:presLayoutVars>
           <dgm:bulletEnabled val="1"/>
         </dgm:presLayoutVars>
@@ -3323,7 +3131,7 @@
       <dgm:spPr/>
     </dgm:pt>
     <dgm:pt modelId="{F93FB316-7EDE-44E1-B905-40AA7A633BE3}" type="pres">
-      <dgm:prSet presAssocID="{1C8D1927-9EA7-44AF-A155-99A163568CCE}" presName="L1TextContainer" presStyleLbl="revTx" presStyleIdx="11" presStyleCnt="12">
+      <dgm:prSet presAssocID="{1C8D1927-9EA7-44AF-A155-99A163568CCE}" presName="L1TextContainer" presStyleLbl="revTx" presStyleIdx="9" presStyleCnt="10">
         <dgm:presLayoutVars>
           <dgm:chMax val="1"/>
           <dgm:chPref val="1"/>
@@ -3333,7 +3141,7 @@
       <dgm:spPr/>
     </dgm:pt>
     <dgm:pt modelId="{9249FDA3-300C-443C-9086-9F92BD9F2EC0}" type="pres">
-      <dgm:prSet presAssocID="{1C8D1927-9EA7-44AF-A155-99A163568CCE}" presName="ConnectLine" presStyleLbl="sibTrans1D1" presStyleIdx="5" presStyleCnt="6"/>
+      <dgm:prSet presAssocID="{1C8D1927-9EA7-44AF-A155-99A163568CCE}" presName="ConnectLine" presStyleLbl="sibTrans1D1" presStyleIdx="4" presStyleCnt="5"/>
       <dgm:spPr>
         <a:noFill/>
         <a:ln w="12700" cap="flat" cmpd="sng" algn="ctr">
@@ -3359,9 +3167,7 @@
   </dgm:ptLst>
   <dgm:cxnLst>
     <dgm:cxn modelId="{B3C32A03-3AFA-4B91-A365-3A707E090F58}" type="presOf" srcId="{58FAAA5C-7352-43AA-ACE1-68AAE5A5F7DA}" destId="{96DDA0FE-83E2-423C-9F13-58A61EB68487}" srcOrd="0" destOrd="2" presId="urn:microsoft.com/office/officeart/2017/3/layout/DropPinTimeline"/>
-    <dgm:cxn modelId="{1E92940A-250B-4494-B40F-3DA807C7CB42}" type="presOf" srcId="{DF1ABFB3-B399-406F-91BD-DCDF9A38526B}" destId="{1B55AA6D-649D-4145-93EB-08B866A4D4E5}" srcOrd="0" destOrd="0" presId="urn:microsoft.com/office/officeart/2017/3/layout/DropPinTimeline"/>
     <dgm:cxn modelId="{C3A1C60D-63BB-4E34-AD47-96AABDB6084E}" type="presOf" srcId="{D05E1923-5021-40F7-B4EF-E582E23A699D}" destId="{223C5207-4FA2-4A6C-8F43-20BD55767C99}" srcOrd="0" destOrd="0" presId="urn:microsoft.com/office/officeart/2017/3/layout/DropPinTimeline"/>
-    <dgm:cxn modelId="{5F3B0F1C-AD09-448C-A081-46D11DC987C6}" type="presOf" srcId="{8B9AF88A-E1F7-4D3A-905F-87228D6A8655}" destId="{3FA5D5AE-9CAE-4D19-9765-BCEE62095312}" srcOrd="0" destOrd="0" presId="urn:microsoft.com/office/officeart/2017/3/layout/DropPinTimeline"/>
     <dgm:cxn modelId="{E0E45028-839A-4135-AA56-517D3BAA0708}" type="presOf" srcId="{8BAB5E6F-A65E-41DB-A296-0818B0E49F7C}" destId="{7C1E6B4A-59F7-4018-A403-E1CCAEE78BA1}" srcOrd="0" destOrd="0" presId="urn:microsoft.com/office/officeart/2017/3/layout/DropPinTimeline"/>
     <dgm:cxn modelId="{EFC8102C-59D5-49E3-BCDE-3F6CA4DF9E87}" srcId="{D05E1923-5021-40F7-B4EF-E582E23A699D}" destId="{F85216D6-B7CA-418E-86A6-E4E303B349D7}" srcOrd="1" destOrd="0" parTransId="{01314C4D-FFF6-4D86-ACE6-E03835DF93AC}" sibTransId="{52FAD7AB-D23E-4C40-9F6A-463E289CFE50}"/>
     <dgm:cxn modelId="{1B32EF2C-9DB5-4504-A9DA-B4956CC00208}" srcId="{FA8F44BD-C8C7-462C-9756-1EC498E86842}" destId="{EFEB4D61-3A9C-4140-977F-3C3F5C9EE9D1}" srcOrd="0" destOrd="0" parTransId="{57D352E4-0431-4F68-B8F1-61BFA34799AA}" sibTransId="{0ECC32B6-1E7C-4AA4-9DBF-D69B7C5E64A9}"/>
@@ -3375,9 +3181,8 @@
     <dgm:cxn modelId="{1690634A-EBA7-4881-9E5F-0C82421D4CDF}" type="presOf" srcId="{FA8F44BD-C8C7-462C-9756-1EC498E86842}" destId="{2D6C7916-1130-46A8-833B-A6278CBD2192}" srcOrd="0" destOrd="0" presId="urn:microsoft.com/office/officeart/2017/3/layout/DropPinTimeline"/>
     <dgm:cxn modelId="{B659504B-18E4-4D89-A17C-34ABB280AE52}" srcId="{58FF46FB-368D-4E9C-A650-0513B8879DA8}" destId="{9A875394-CA1E-4432-AEEB-9054FCFF5E0E}" srcOrd="0" destOrd="0" parTransId="{FCC92BDD-6EA3-421D-9DA8-7D3A12D003B6}" sibTransId="{0314452B-82A0-42F4-9551-DF00CFFC3580}"/>
     <dgm:cxn modelId="{66B49C6C-FAFD-47B4-BF22-05A295C23D4E}" srcId="{05A24E01-5535-46B9-A9A1-A9A07E639A88}" destId="{8BAB5E6F-A65E-41DB-A296-0818B0E49F7C}" srcOrd="3" destOrd="0" parTransId="{886842C6-3EFC-4BE7-B417-415595758830}" sibTransId="{B407F4C3-8FC9-4E91-A0EC-6B33713CC9A5}"/>
-    <dgm:cxn modelId="{15319551-A9EA-462E-845B-E5251E84291F}" srcId="{8B9AF88A-E1F7-4D3A-905F-87228D6A8655}" destId="{DF1ABFB3-B399-406F-91BD-DCDF9A38526B}" srcOrd="0" destOrd="0" parTransId="{78CB0E27-958C-4066-A189-8B36505E8204}" sibTransId="{70E4A1D3-514E-4327-991D-5CC9C6B41885}"/>
     <dgm:cxn modelId="{4876CF51-F110-4E25-8FD4-08D25B4B0AB8}" srcId="{D05E1923-5021-40F7-B4EF-E582E23A699D}" destId="{579089A8-5362-4BA4-9163-D19228C1808F}" srcOrd="0" destOrd="0" parTransId="{FB2DEB6E-B29F-4E51-960A-23ECC62EBF38}" sibTransId="{1C5328B1-AC18-4CF7-A034-BB0592F4A2A1}"/>
-    <dgm:cxn modelId="{3D6F7754-E948-43BE-BA5B-BC65FBEF1959}" srcId="{05A24E01-5535-46B9-A9A1-A9A07E639A88}" destId="{1C8D1927-9EA7-44AF-A155-99A163568CCE}" srcOrd="5" destOrd="0" parTransId="{3BC28F12-9857-4CFB-B47F-ACF589A88AA2}" sibTransId="{6AD9EA4D-4FC5-4C02-931B-947E2BC0917F}"/>
+    <dgm:cxn modelId="{3D6F7754-E948-43BE-BA5B-BC65FBEF1959}" srcId="{05A24E01-5535-46B9-A9A1-A9A07E639A88}" destId="{1C8D1927-9EA7-44AF-A155-99A163568CCE}" srcOrd="4" destOrd="0" parTransId="{3BC28F12-9857-4CFB-B47F-ACF589A88AA2}" sibTransId="{6AD9EA4D-4FC5-4C02-931B-947E2BC0917F}"/>
     <dgm:cxn modelId="{2617C475-F537-46A6-ADE1-4EB764853601}" srcId="{8BAB5E6F-A65E-41DB-A296-0818B0E49F7C}" destId="{332BC85C-1CF3-4F8F-ACB7-5B6D53744AE1}" srcOrd="0" destOrd="0" parTransId="{99F218FD-90FE-450E-A368-B3E3677E74E8}" sibTransId="{8D1CC686-B05C-4470-A959-236CC9C8BB70}"/>
     <dgm:cxn modelId="{57ED5E7D-899A-49D4-91A2-9DCD14D52143}" type="presOf" srcId="{1AE11DF5-3669-49AD-AD85-A4C98D1405F3}" destId="{08CB2D5A-F46A-4E0E-9575-15F31D04AAC6}" srcOrd="0" destOrd="1" presId="urn:microsoft.com/office/officeart/2017/3/layout/DropPinTimeline"/>
     <dgm:cxn modelId="{B9F0B583-D02F-4EF4-83A8-DFD7B32B9433}" type="presOf" srcId="{9A875394-CA1E-4432-AEEB-9054FCFF5E0E}" destId="{D2143A46-815A-49BF-9455-C0385022444F}" srcOrd="0" destOrd="0" presId="urn:microsoft.com/office/officeart/2017/3/layout/DropPinTimeline"/>
@@ -3390,7 +3195,6 @@
     <dgm:cxn modelId="{C6A73EDB-89B0-4756-9ECD-83E9B8AB77E5}" type="presOf" srcId="{EFEB4D61-3A9C-4140-977F-3C3F5C9EE9D1}" destId="{96DDA0FE-83E2-423C-9F13-58A61EB68487}" srcOrd="0" destOrd="0" presId="urn:microsoft.com/office/officeart/2017/3/layout/DropPinTimeline"/>
     <dgm:cxn modelId="{8566ECDE-EB86-4AD6-9779-5237CA3BFD5F}" srcId="{FA8F44BD-C8C7-462C-9756-1EC498E86842}" destId="{1F788505-2FE9-4E28-ABB0-1F370918E96E}" srcOrd="1" destOrd="0" parTransId="{B50A2865-79CC-4F83-A735-A93A9CF59AFF}" sibTransId="{77013806-F72C-40D0-9558-436F58513CC1}"/>
     <dgm:cxn modelId="{FE7849EA-5B37-43C8-B217-CD4E30A8E545}" type="presOf" srcId="{05A24E01-5535-46B9-A9A1-A9A07E639A88}" destId="{6E9F3C9B-13CA-43A8-8836-0B2B41D07DEF}" srcOrd="0" destOrd="0" presId="urn:microsoft.com/office/officeart/2017/3/layout/DropPinTimeline"/>
-    <dgm:cxn modelId="{E1474FF3-8E3C-4B30-985C-CE88BA0FE324}" srcId="{05A24E01-5535-46B9-A9A1-A9A07E639A88}" destId="{8B9AF88A-E1F7-4D3A-905F-87228D6A8655}" srcOrd="4" destOrd="0" parTransId="{933A8FED-7B84-4ED0-B6AA-2EE26A89B8EA}" sibTransId="{F11DD6EC-352C-4A0E-84AA-FEBE2F06BCF9}"/>
     <dgm:cxn modelId="{DC6269F4-0C31-4613-A809-E8E029CAD0D1}" type="presOf" srcId="{579089A8-5362-4BA4-9163-D19228C1808F}" destId="{B5F3F650-2E42-488A-AD4F-C4BD47D19A84}" srcOrd="0" destOrd="0" presId="urn:microsoft.com/office/officeart/2017/3/layout/DropPinTimeline"/>
     <dgm:cxn modelId="{215BBDF9-FCDE-4F92-8D93-22633B5CB471}" type="presOf" srcId="{F85216D6-B7CA-418E-86A6-E4E303B349D7}" destId="{B5F3F650-2E42-488A-AD4F-C4BD47D19A84}" srcOrd="0" destOrd="1" presId="urn:microsoft.com/office/officeart/2017/3/layout/DropPinTimeline"/>
     <dgm:cxn modelId="{2FED2A5E-98EB-4859-AB3F-062F22EEC890}" type="presParOf" srcId="{6E9F3C9B-13CA-43A8-8836-0B2B41D07DEF}" destId="{E8AACCBB-6709-4071-B389-3BB226B3A586}" srcOrd="0" destOrd="0" presId="urn:microsoft.com/office/officeart/2017/3/layout/DropPinTimeline"/>
@@ -3435,17 +3239,7 @@
     <dgm:cxn modelId="{FFF1ACE9-B2B3-4E83-877B-F9633E8EE135}" type="presParOf" srcId="{A62622B1-7EF4-49B6-9AC7-B54F0E2A0C74}" destId="{A03C5372-D306-43AC-B406-6F8183849431}" srcOrd="4" destOrd="0" presId="urn:microsoft.com/office/officeart/2017/3/layout/DropPinTimeline"/>
     <dgm:cxn modelId="{D8A09163-94A5-46BD-9FA2-C3372A01AA32}" type="presParOf" srcId="{A62622B1-7EF4-49B6-9AC7-B54F0E2A0C74}" destId="{90926F0B-05E0-48AF-9C69-5C494731F877}" srcOrd="5" destOrd="0" presId="urn:microsoft.com/office/officeart/2017/3/layout/DropPinTimeline"/>
     <dgm:cxn modelId="{80084466-50AF-445A-BE2A-0C51919B9169}" type="presParOf" srcId="{E6F74CED-5217-4282-85F1-1C12DC84731C}" destId="{9EA695E3-93D5-405B-8AF6-0B8537A964FD}" srcOrd="7" destOrd="0" presId="urn:microsoft.com/office/officeart/2017/3/layout/DropPinTimeline"/>
-    <dgm:cxn modelId="{007CF318-F68B-4FFC-ADA6-3D9D6A3AA152}" type="presParOf" srcId="{E6F74CED-5217-4282-85F1-1C12DC84731C}" destId="{05956D37-804F-419D-9E8C-30D41D06DC3E}" srcOrd="8" destOrd="0" presId="urn:microsoft.com/office/officeart/2017/3/layout/DropPinTimeline"/>
-    <dgm:cxn modelId="{FAB9E562-4579-4BDB-8C1D-AABEAFCB2610}" type="presParOf" srcId="{05956D37-804F-419D-9E8C-30D41D06DC3E}" destId="{58B7B786-A0AD-4662-8D54-C5C572D2C32C}" srcOrd="0" destOrd="0" presId="urn:microsoft.com/office/officeart/2017/3/layout/DropPinTimeline"/>
-    <dgm:cxn modelId="{8283382D-2F6E-4717-B025-1A8C73B65ADB}" type="presParOf" srcId="{05956D37-804F-419D-9E8C-30D41D06DC3E}" destId="{E4704426-333D-4092-A035-BBC55DB8579D}" srcOrd="1" destOrd="0" presId="urn:microsoft.com/office/officeart/2017/3/layout/DropPinTimeline"/>
-    <dgm:cxn modelId="{85723DC0-955B-4B2A-AF28-CF8BFFC2E264}" type="presParOf" srcId="{E4704426-333D-4092-A035-BBC55DB8579D}" destId="{A55439AF-6893-479D-8B57-31FBC13C553F}" srcOrd="0" destOrd="0" presId="urn:microsoft.com/office/officeart/2017/3/layout/DropPinTimeline"/>
-    <dgm:cxn modelId="{91888A85-75D0-4D33-9F39-A49766251D61}" type="presParOf" srcId="{E4704426-333D-4092-A035-BBC55DB8579D}" destId="{A22B1C16-7FF0-4DBE-B32E-E43FEB1E2EAC}" srcOrd="1" destOrd="0" presId="urn:microsoft.com/office/officeart/2017/3/layout/DropPinTimeline"/>
-    <dgm:cxn modelId="{CD06CDC2-25F5-44FB-B0B1-C39F32E155BE}" type="presParOf" srcId="{05956D37-804F-419D-9E8C-30D41D06DC3E}" destId="{1B55AA6D-649D-4145-93EB-08B866A4D4E5}" srcOrd="2" destOrd="0" presId="urn:microsoft.com/office/officeart/2017/3/layout/DropPinTimeline"/>
-    <dgm:cxn modelId="{0B21D911-BF72-41CD-BB03-4F9717477846}" type="presParOf" srcId="{05956D37-804F-419D-9E8C-30D41D06DC3E}" destId="{3FA5D5AE-9CAE-4D19-9765-BCEE62095312}" srcOrd="3" destOrd="0" presId="urn:microsoft.com/office/officeart/2017/3/layout/DropPinTimeline"/>
-    <dgm:cxn modelId="{80BFAECA-ADC5-41A5-BA11-A4CC8D9557A9}" type="presParOf" srcId="{05956D37-804F-419D-9E8C-30D41D06DC3E}" destId="{FE6CA7EB-68EC-4E76-9051-08C4CF370101}" srcOrd="4" destOrd="0" presId="urn:microsoft.com/office/officeart/2017/3/layout/DropPinTimeline"/>
-    <dgm:cxn modelId="{98E4E629-85DB-45DC-A90A-9FAAB58EFF55}" type="presParOf" srcId="{05956D37-804F-419D-9E8C-30D41D06DC3E}" destId="{070CED43-982E-487C-9CC2-CFAEABD4D2D8}" srcOrd="5" destOrd="0" presId="urn:microsoft.com/office/officeart/2017/3/layout/DropPinTimeline"/>
-    <dgm:cxn modelId="{BBF2D77F-332A-4FEC-96AE-073F85E0AE47}" type="presParOf" srcId="{E6F74CED-5217-4282-85F1-1C12DC84731C}" destId="{5213844B-AC34-4429-9CC0-B0B64A3CDE69}" srcOrd="9" destOrd="0" presId="urn:microsoft.com/office/officeart/2017/3/layout/DropPinTimeline"/>
-    <dgm:cxn modelId="{5FB257A9-8A33-4C4A-A798-D8F2374718EC}" type="presParOf" srcId="{E6F74CED-5217-4282-85F1-1C12DC84731C}" destId="{95D300E9-2C5E-42DD-8FC3-C20CFAA53509}" srcOrd="10" destOrd="0" presId="urn:microsoft.com/office/officeart/2017/3/layout/DropPinTimeline"/>
+    <dgm:cxn modelId="{5FB257A9-8A33-4C4A-A798-D8F2374718EC}" type="presParOf" srcId="{E6F74CED-5217-4282-85F1-1C12DC84731C}" destId="{95D300E9-2C5E-42DD-8FC3-C20CFAA53509}" srcOrd="8" destOrd="0" presId="urn:microsoft.com/office/officeart/2017/3/layout/DropPinTimeline"/>
     <dgm:cxn modelId="{FD8B41F5-CE67-4B07-87A1-92153E1D0DC8}" type="presParOf" srcId="{95D300E9-2C5E-42DD-8FC3-C20CFAA53509}" destId="{0CE99213-D739-4233-A2CB-B22C6D6ABFF4}" srcOrd="0" destOrd="0" presId="urn:microsoft.com/office/officeart/2017/3/layout/DropPinTimeline"/>
     <dgm:cxn modelId="{4F06672C-79F6-4746-B0D9-89B60295A633}" type="presParOf" srcId="{95D300E9-2C5E-42DD-8FC3-C20CFAA53509}" destId="{337B6B4F-3D38-4F49-AA06-320B656890C0}" srcOrd="1" destOrd="0" presId="urn:microsoft.com/office/officeart/2017/3/layout/DropPinTimeline"/>
     <dgm:cxn modelId="{D9B3EE5D-1F01-4D87-B245-172794B593F2}" type="presParOf" srcId="{337B6B4F-3D38-4F49-AA06-320B656890C0}" destId="{E10C1113-BAE0-4A35-9144-8A012C43B156}" srcOrd="0" destOrd="0" presId="urn:microsoft.com/office/officeart/2017/3/layout/DropPinTimeline"/>
@@ -4440,7 +4234,7 @@
       </dsp:nvSpPr>
       <dsp:spPr>
         <a:xfrm rot="8100000">
-          <a:off x="71765" y="502751"/>
+          <a:off x="69819" y="502751"/>
           <a:ext cx="320851" cy="320851"/>
         </a:xfrm>
         <a:prstGeom prst="teardrop">
@@ -4488,7 +4282,7 @@
       </dsp:nvSpPr>
       <dsp:spPr>
         <a:xfrm>
-          <a:off x="107409" y="538395"/>
+          <a:off x="105463" y="538395"/>
           <a:ext cx="249564" cy="249564"/>
         </a:xfrm>
         <a:prstGeom prst="ellipse">
@@ -4526,8 +4320,8 @@
       </dsp:nvSpPr>
       <dsp:spPr>
         <a:xfrm>
-          <a:off x="629337" y="890053"/>
-          <a:ext cx="1989847" cy="1291450"/>
+          <a:off x="655770" y="890053"/>
+          <a:ext cx="2321488" cy="1291450"/>
         </a:xfrm>
         <a:prstGeom prst="rect">
           <a:avLst/>
@@ -4551,12 +4345,12 @@
         <a:fontRef idx="minor"/>
       </dsp:style>
       <dsp:txBody>
-        <a:bodyPr spcFirstLastPara="0" vert="horz" wrap="square" lIns="0" tIns="76200" rIns="76200" bIns="114300" numCol="1" spcCol="1270" anchor="t" anchorCtr="0">
+        <a:bodyPr spcFirstLastPara="0" vert="horz" wrap="square" lIns="0" tIns="82550" rIns="82550" bIns="123825" numCol="1" spcCol="1270" anchor="t" anchorCtr="0">
           <a:noAutofit/>
         </a:bodyPr>
         <a:lstStyle/>
         <a:p>
-          <a:pPr marL="0" lvl="0" indent="0" algn="l" defTabSz="533400">
+          <a:pPr marL="0" lvl="0" indent="0" algn="l" defTabSz="577850">
             <a:lnSpc>
               <a:spcPct val="90000"/>
             </a:lnSpc>
@@ -4569,7 +4363,7 @@
             <a:buNone/>
           </a:pPr>
           <a:r>
-            <a:rPr lang="en-US" sz="1200" b="0" kern="1200" dirty="0">
+            <a:rPr lang="en-US" sz="1300" b="0" kern="1200" dirty="0">
               <a:solidFill>
                 <a:schemeClr val="bg1"/>
               </a:solidFill>
@@ -4579,7 +4373,7 @@
           </a:r>
         </a:p>
         <a:p>
-          <a:pPr marL="0" lvl="0" indent="0" algn="l" defTabSz="533400">
+          <a:pPr marL="0" lvl="0" indent="0" algn="l" defTabSz="577850">
             <a:lnSpc>
               <a:spcPct val="90000"/>
             </a:lnSpc>
@@ -4592,7 +4386,7 @@
             <a:buNone/>
           </a:pPr>
           <a:r>
-            <a:rPr lang="en-US" sz="1200" b="0" kern="1200" dirty="0">
+            <a:rPr lang="en-US" sz="1300" b="0" kern="1200" dirty="0">
               <a:solidFill>
                 <a:schemeClr val="bg1"/>
               </a:solidFill>
@@ -4603,8 +4397,8 @@
         </a:p>
       </dsp:txBody>
       <dsp:txXfrm>
-        <a:off x="629337" y="890053"/>
-        <a:ext cx="1989847" cy="1291450"/>
+        <a:off x="655770" y="890053"/>
+        <a:ext cx="2321488" cy="1291450"/>
       </dsp:txXfrm>
     </dsp:sp>
     <dsp:sp modelId="{8E3FB235-DF38-476B-9A0E-B1E583D50944}">
@@ -4614,8 +4408,8 @@
       </dsp:nvSpPr>
       <dsp:spPr>
         <a:xfrm>
-          <a:off x="629337" y="436300"/>
-          <a:ext cx="1989847" cy="453752"/>
+          <a:off x="655770" y="436300"/>
+          <a:ext cx="2321488" cy="453752"/>
         </a:xfrm>
         <a:prstGeom prst="rect">
           <a:avLst/>
@@ -4639,12 +4433,12 @@
         <a:fontRef idx="minor"/>
       </dsp:style>
       <dsp:txBody>
-        <a:bodyPr spcFirstLastPara="0" vert="horz" wrap="square" lIns="0" tIns="0" rIns="101600" bIns="0" numCol="1" spcCol="1270" anchor="ctr" anchorCtr="0">
+        <a:bodyPr spcFirstLastPara="0" vert="horz" wrap="square" lIns="0" tIns="0" rIns="107950" bIns="0" numCol="1" spcCol="1270" anchor="ctr" anchorCtr="0">
           <a:noAutofit/>
         </a:bodyPr>
         <a:lstStyle/>
         <a:p>
-          <a:pPr marL="0" lvl="0" indent="0" algn="l" defTabSz="711200">
+          <a:pPr marL="0" lvl="0" indent="0" algn="l" defTabSz="755650">
             <a:lnSpc>
               <a:spcPct val="90000"/>
             </a:lnSpc>
@@ -4658,7 +4452,7 @@
             <a:defRPr b="1"/>
           </a:pPr>
           <a:r>
-            <a:rPr lang="en-US" sz="1600" b="1" kern="1200" dirty="0">
+            <a:rPr lang="en-US" sz="1700" b="1" kern="1200" dirty="0">
               <a:solidFill>
                 <a:schemeClr val="bg1"/>
               </a:solidFill>
@@ -4669,8 +4463,8 @@
         </a:p>
       </dsp:txBody>
       <dsp:txXfrm>
-        <a:off x="629337" y="436300"/>
-        <a:ext cx="1989847" cy="453752"/>
+        <a:off x="655770" y="436300"/>
+        <a:ext cx="2321488" cy="453752"/>
       </dsp:txXfrm>
     </dsp:sp>
     <dsp:sp modelId="{9AA05CE5-209F-4AD9-BE2C-2A69F76DA8F4}">
@@ -4680,7 +4474,7 @@
       </dsp:nvSpPr>
       <dsp:spPr>
         <a:xfrm>
-          <a:off x="232191" y="890053"/>
+          <a:off x="230245" y="890053"/>
           <a:ext cx="0" cy="1291450"/>
         </a:xfrm>
         <a:prstGeom prst="line">
@@ -4716,7 +4510,7 @@
       </dsp:nvSpPr>
       <dsp:spPr>
         <a:xfrm>
-          <a:off x="191354" y="2140666"/>
+          <a:off x="189408" y="2140666"/>
           <a:ext cx="81675" cy="81675"/>
         </a:xfrm>
         <a:prstGeom prst="ellipse">
@@ -4760,7 +4554,7 @@
       </dsp:nvSpPr>
       <dsp:spPr>
         <a:xfrm rot="18900000">
-          <a:off x="1475613" y="3539404"/>
+          <a:off x="1707641" y="3539404"/>
           <a:ext cx="320851" cy="320851"/>
         </a:xfrm>
         <a:prstGeom prst="teardrop">
@@ -4778,7 +4572,7 @@
               <a:hueOff val="0"/>
               <a:satOff val="0"/>
               <a:lumOff val="0"/>
-              <a:alphaOff val="-8000"/>
+              <a:alphaOff val="-10000"/>
             </a:schemeClr>
           </a:solidFill>
           <a:prstDash val="solid"/>
@@ -4808,7 +4602,7 @@
       </dsp:nvSpPr>
       <dsp:spPr>
         <a:xfrm>
-          <a:off x="1511257" y="3575048"/>
+          <a:off x="1743285" y="3575048"/>
           <a:ext cx="249564" cy="249564"/>
         </a:xfrm>
         <a:prstGeom prst="ellipse">
@@ -4846,8 +4640,8 @@
       </dsp:nvSpPr>
       <dsp:spPr>
         <a:xfrm>
-          <a:off x="2032477" y="2181504"/>
-          <a:ext cx="1981572" cy="1291450"/>
+          <a:off x="2292766" y="2181504"/>
+          <a:ext cx="2311834" cy="1291450"/>
         </a:xfrm>
         <a:prstGeom prst="rect">
           <a:avLst/>
@@ -4871,12 +4665,12 @@
         <a:fontRef idx="minor"/>
       </dsp:style>
       <dsp:txBody>
-        <a:bodyPr spcFirstLastPara="0" vert="horz" wrap="square" lIns="0" tIns="114300" rIns="0" bIns="76200" numCol="1" spcCol="1270" anchor="b" anchorCtr="0">
+        <a:bodyPr spcFirstLastPara="0" vert="horz" wrap="square" lIns="0" tIns="123825" rIns="0" bIns="82550" numCol="1" spcCol="1270" anchor="b" anchorCtr="0">
           <a:noAutofit/>
         </a:bodyPr>
         <a:lstStyle/>
         <a:p>
-          <a:pPr marL="0" lvl="0" indent="0" algn="l" defTabSz="533400">
+          <a:pPr marL="0" lvl="0" indent="0" algn="l" defTabSz="577850">
             <a:lnSpc>
               <a:spcPct val="90000"/>
             </a:lnSpc>
@@ -4889,7 +4683,7 @@
             <a:buNone/>
           </a:pPr>
           <a:r>
-            <a:rPr lang="en-US" sz="1200" b="0" kern="1200" dirty="0">
+            <a:rPr lang="en-US" sz="1300" b="0" kern="1200" dirty="0">
               <a:solidFill>
                 <a:schemeClr val="bg1"/>
               </a:solidFill>
@@ -4899,7 +4693,7 @@
           </a:r>
         </a:p>
         <a:p>
-          <a:pPr marL="0" lvl="0" indent="0" algn="l" defTabSz="533400">
+          <a:pPr marL="0" lvl="0" indent="0" algn="l" defTabSz="577850">
             <a:lnSpc>
               <a:spcPct val="90000"/>
             </a:lnSpc>
@@ -4912,7 +4706,7 @@
             <a:buNone/>
           </a:pPr>
           <a:r>
-            <a:rPr lang="en-US" sz="1200" b="1" kern="1200" dirty="0">
+            <a:rPr lang="en-US" sz="1300" b="1" kern="1200" dirty="0">
               <a:solidFill>
                 <a:schemeClr val="bg1"/>
               </a:solidFill>
@@ -4923,8 +4717,8 @@
         </a:p>
       </dsp:txBody>
       <dsp:txXfrm>
-        <a:off x="2032477" y="2181504"/>
-        <a:ext cx="1981572" cy="1291450"/>
+        <a:off x="2292766" y="2181504"/>
+        <a:ext cx="2311834" cy="1291450"/>
       </dsp:txXfrm>
     </dsp:sp>
     <dsp:sp modelId="{223C5207-4FA2-4A6C-8F43-20BD55767C99}">
@@ -4934,8 +4728,8 @@
       </dsp:nvSpPr>
       <dsp:spPr>
         <a:xfrm>
-          <a:off x="2032477" y="3472954"/>
-          <a:ext cx="1981572" cy="453752"/>
+          <a:off x="2292766" y="3472954"/>
+          <a:ext cx="2311834" cy="453752"/>
         </a:xfrm>
         <a:prstGeom prst="rect">
           <a:avLst/>
@@ -4959,12 +4753,12 @@
         <a:fontRef idx="minor"/>
       </dsp:style>
       <dsp:txBody>
-        <a:bodyPr spcFirstLastPara="0" vert="horz" wrap="square" lIns="0" tIns="0" rIns="101600" bIns="0" numCol="1" spcCol="1270" anchor="ctr" anchorCtr="0">
+        <a:bodyPr spcFirstLastPara="0" vert="horz" wrap="square" lIns="0" tIns="0" rIns="107950" bIns="0" numCol="1" spcCol="1270" anchor="ctr" anchorCtr="0">
           <a:noAutofit/>
         </a:bodyPr>
         <a:lstStyle/>
         <a:p>
-          <a:pPr marL="0" lvl="0" indent="0" algn="l" defTabSz="711200">
+          <a:pPr marL="0" lvl="0" indent="0" algn="l" defTabSz="755650">
             <a:lnSpc>
               <a:spcPct val="90000"/>
             </a:lnSpc>
@@ -4978,7 +4772,7 @@
             <a:defRPr b="1"/>
           </a:pPr>
           <a:r>
-            <a:rPr lang="en-US" sz="1600" b="1" kern="1200" dirty="0">
+            <a:rPr lang="en-US" sz="1700" b="1" kern="1200" dirty="0">
               <a:solidFill>
                 <a:schemeClr val="bg1"/>
               </a:solidFill>
@@ -4989,8 +4783,8 @@
         </a:p>
       </dsp:txBody>
       <dsp:txXfrm>
-        <a:off x="2032477" y="3472954"/>
-        <a:ext cx="1981572" cy="453752"/>
+        <a:off x="2292766" y="3472954"/>
+        <a:ext cx="2311834" cy="453752"/>
       </dsp:txXfrm>
     </dsp:sp>
     <dsp:sp modelId="{4FE5EB5D-4CEF-4D0D-9394-0534E61844BE}">
@@ -5000,7 +4794,7 @@
       </dsp:nvSpPr>
       <dsp:spPr>
         <a:xfrm>
-          <a:off x="1636039" y="2181504"/>
+          <a:off x="1868067" y="2181504"/>
           <a:ext cx="0" cy="1291450"/>
         </a:xfrm>
         <a:prstGeom prst="line">
@@ -5036,7 +4830,7 @@
       </dsp:nvSpPr>
       <dsp:spPr>
         <a:xfrm>
-          <a:off x="1594257" y="2140666"/>
+          <a:off x="1826286" y="2140666"/>
           <a:ext cx="81675" cy="81675"/>
         </a:xfrm>
         <a:prstGeom prst="ellipse">
@@ -5074,7 +4868,7 @@
       </dsp:nvSpPr>
       <dsp:spPr>
         <a:xfrm rot="8100000">
-          <a:off x="2867784" y="502751"/>
+          <a:off x="3331841" y="502751"/>
           <a:ext cx="320851" cy="320851"/>
         </a:xfrm>
         <a:prstGeom prst="teardrop">
@@ -5092,7 +4886,7 @@
               <a:hueOff val="0"/>
               <a:satOff val="0"/>
               <a:lumOff val="0"/>
-              <a:alphaOff val="-16000"/>
+              <a:alphaOff val="-20000"/>
             </a:schemeClr>
           </a:solidFill>
           <a:prstDash val="solid"/>
@@ -5122,7 +4916,7 @@
       </dsp:nvSpPr>
       <dsp:spPr>
         <a:xfrm>
-          <a:off x="2903428" y="538395"/>
+          <a:off x="3367485" y="538395"/>
           <a:ext cx="249564" cy="249564"/>
         </a:xfrm>
         <a:prstGeom prst="ellipse">
@@ -5160,8 +4954,8 @@
       </dsp:nvSpPr>
       <dsp:spPr>
         <a:xfrm>
-          <a:off x="3424648" y="890053"/>
-          <a:ext cx="1981572" cy="1291450"/>
+          <a:off x="3916965" y="890053"/>
+          <a:ext cx="2311834" cy="1291450"/>
         </a:xfrm>
         <a:prstGeom prst="rect">
           <a:avLst/>
@@ -5185,12 +4979,12 @@
         <a:fontRef idx="minor"/>
       </dsp:style>
       <dsp:txBody>
-        <a:bodyPr spcFirstLastPara="0" vert="horz" wrap="square" lIns="0" tIns="76200" rIns="76200" bIns="114300" numCol="1" spcCol="1270" anchor="t" anchorCtr="0">
+        <a:bodyPr spcFirstLastPara="0" vert="horz" wrap="square" lIns="0" tIns="82550" rIns="82550" bIns="123825" numCol="1" spcCol="1270" anchor="t" anchorCtr="0">
           <a:noAutofit/>
         </a:bodyPr>
         <a:lstStyle/>
         <a:p>
-          <a:pPr marL="0" lvl="0" indent="0" algn="l" defTabSz="533400">
+          <a:pPr marL="0" lvl="0" indent="0" algn="l" defTabSz="577850">
             <a:lnSpc>
               <a:spcPct val="90000"/>
             </a:lnSpc>
@@ -5203,7 +4997,7 @@
             <a:buNone/>
           </a:pPr>
           <a:r>
-            <a:rPr lang="en-US" sz="1200" b="0" kern="1200" dirty="0">
+            <a:rPr lang="en-US" sz="1300" b="0" kern="1200" dirty="0">
               <a:solidFill>
                 <a:schemeClr val="bg1"/>
               </a:solidFill>
@@ -5213,7 +5007,7 @@
           </a:r>
         </a:p>
         <a:p>
-          <a:pPr marL="0" lvl="0" indent="0" algn="l" defTabSz="533400">
+          <a:pPr marL="0" lvl="0" indent="0" algn="l" defTabSz="577850">
             <a:lnSpc>
               <a:spcPct val="90000"/>
             </a:lnSpc>
@@ -5226,7 +5020,7 @@
             <a:buNone/>
           </a:pPr>
           <a:r>
-            <a:rPr lang="en-US" sz="1200" b="0" kern="1200" dirty="0" err="1">
+            <a:rPr lang="en-US" sz="1300" b="0" kern="1200" dirty="0" err="1">
               <a:solidFill>
                 <a:schemeClr val="bg1"/>
               </a:solidFill>
@@ -5234,7 +5028,7 @@
             </a:rPr>
             <a:t>UseCase</a:t>
           </a:r>
-          <a:endParaRPr lang="en-US" sz="1200" b="0" kern="1200" dirty="0">
+          <a:endParaRPr lang="en-US" sz="1300" b="0" kern="1200" dirty="0">
             <a:solidFill>
               <a:schemeClr val="bg1"/>
             </a:solidFill>
@@ -5242,7 +5036,7 @@
           </a:endParaRPr>
         </a:p>
         <a:p>
-          <a:pPr marL="0" lvl="0" indent="0" algn="l" defTabSz="533400">
+          <a:pPr marL="0" lvl="0" indent="0" algn="l" defTabSz="577850">
             <a:lnSpc>
               <a:spcPct val="90000"/>
             </a:lnSpc>
@@ -5255,7 +5049,7 @@
             <a:buNone/>
           </a:pPr>
           <a:r>
-            <a:rPr lang="en-US" sz="1200" b="0" kern="1200" dirty="0">
+            <a:rPr lang="en-US" sz="1300" b="0" kern="1200" dirty="0">
               <a:solidFill>
                 <a:schemeClr val="bg1"/>
               </a:solidFill>
@@ -5266,8 +5060,8 @@
         </a:p>
       </dsp:txBody>
       <dsp:txXfrm>
-        <a:off x="3424648" y="890053"/>
-        <a:ext cx="1981572" cy="1291450"/>
+        <a:off x="3916965" y="890053"/>
+        <a:ext cx="2311834" cy="1291450"/>
       </dsp:txXfrm>
     </dsp:sp>
     <dsp:sp modelId="{2D6C7916-1130-46A8-833B-A6278CBD2192}">
@@ -5277,8 +5071,8 @@
       </dsp:nvSpPr>
       <dsp:spPr>
         <a:xfrm>
-          <a:off x="3424648" y="436300"/>
-          <a:ext cx="1981572" cy="453752"/>
+          <a:off x="3916965" y="436300"/>
+          <a:ext cx="2311834" cy="453752"/>
         </a:xfrm>
         <a:prstGeom prst="rect">
           <a:avLst/>
@@ -5302,12 +5096,12 @@
         <a:fontRef idx="minor"/>
       </dsp:style>
       <dsp:txBody>
-        <a:bodyPr spcFirstLastPara="0" vert="horz" wrap="square" lIns="0" tIns="0" rIns="101600" bIns="0" numCol="1" spcCol="1270" anchor="ctr" anchorCtr="0">
+        <a:bodyPr spcFirstLastPara="0" vert="horz" wrap="square" lIns="0" tIns="0" rIns="107950" bIns="0" numCol="1" spcCol="1270" anchor="ctr" anchorCtr="0">
           <a:noAutofit/>
         </a:bodyPr>
         <a:lstStyle/>
         <a:p>
-          <a:pPr marL="0" lvl="0" indent="0" algn="l" defTabSz="711200">
+          <a:pPr marL="0" lvl="0" indent="0" algn="l" defTabSz="755650">
             <a:lnSpc>
               <a:spcPct val="90000"/>
             </a:lnSpc>
@@ -5321,7 +5115,7 @@
             <a:defRPr b="1"/>
           </a:pPr>
           <a:r>
-            <a:rPr lang="en-US" sz="1600" b="0" kern="1200" dirty="0">
+            <a:rPr lang="en-US" sz="1700" b="0" kern="1200" dirty="0">
               <a:solidFill>
                 <a:schemeClr val="bg1"/>
               </a:solidFill>
@@ -5329,7 +5123,7 @@
             </a:rPr>
             <a:t>Developing</a:t>
           </a:r>
-          <a:endParaRPr lang="en-US" sz="1600" b="1" kern="1200" dirty="0">
+          <a:endParaRPr lang="en-US" sz="1700" b="1" kern="1200" dirty="0">
             <a:solidFill>
               <a:schemeClr val="bg1"/>
             </a:solidFill>
@@ -5338,8 +5132,8 @@
         </a:p>
       </dsp:txBody>
       <dsp:txXfrm>
-        <a:off x="3424648" y="436300"/>
-        <a:ext cx="1981572" cy="453752"/>
+        <a:off x="3916965" y="436300"/>
+        <a:ext cx="2311834" cy="453752"/>
       </dsp:txXfrm>
     </dsp:sp>
     <dsp:sp modelId="{4D953791-5C2F-4A75-A8F4-6ED7EAB5E015}">
@@ -5349,7 +5143,7 @@
       </dsp:nvSpPr>
       <dsp:spPr>
         <a:xfrm>
-          <a:off x="3028210" y="890053"/>
+          <a:off x="3492267" y="890053"/>
           <a:ext cx="0" cy="1291450"/>
         </a:xfrm>
         <a:prstGeom prst="line">
@@ -5385,7 +5179,7 @@
       </dsp:nvSpPr>
       <dsp:spPr>
         <a:xfrm>
-          <a:off x="2986429" y="2140666"/>
+          <a:off x="3450486" y="2140666"/>
           <a:ext cx="81675" cy="81675"/>
         </a:xfrm>
         <a:prstGeom prst="ellipse">
@@ -5423,7 +5217,7 @@
       </dsp:nvSpPr>
       <dsp:spPr>
         <a:xfrm rot="18900000">
-          <a:off x="4259955" y="3539404"/>
+          <a:off x="4956041" y="3539404"/>
           <a:ext cx="320851" cy="320851"/>
         </a:xfrm>
         <a:prstGeom prst="teardrop">
@@ -5441,7 +5235,7 @@
               <a:hueOff val="0"/>
               <a:satOff val="0"/>
               <a:lumOff val="0"/>
-              <a:alphaOff val="-24000"/>
+              <a:alphaOff val="-30000"/>
             </a:schemeClr>
           </a:solidFill>
           <a:prstDash val="solid"/>
@@ -5471,7 +5265,7 @@
       </dsp:nvSpPr>
       <dsp:spPr>
         <a:xfrm>
-          <a:off x="4295599" y="3575048"/>
+          <a:off x="4991685" y="3575048"/>
           <a:ext cx="249564" cy="249564"/>
         </a:xfrm>
         <a:prstGeom prst="ellipse">
@@ -5509,8 +5303,8 @@
       </dsp:nvSpPr>
       <dsp:spPr>
         <a:xfrm>
-          <a:off x="4816819" y="2181504"/>
-          <a:ext cx="1981572" cy="1291450"/>
+          <a:off x="5541165" y="2181504"/>
+          <a:ext cx="2311834" cy="1291450"/>
         </a:xfrm>
         <a:prstGeom prst="rect">
           <a:avLst/>
@@ -5534,12 +5328,12 @@
         <a:fontRef idx="minor"/>
       </dsp:style>
       <dsp:txBody>
-        <a:bodyPr spcFirstLastPara="0" vert="horz" wrap="square" lIns="0" tIns="114300" rIns="0" bIns="76200" numCol="1" spcCol="1270" anchor="b" anchorCtr="0">
+        <a:bodyPr spcFirstLastPara="0" vert="horz" wrap="square" lIns="0" tIns="123825" rIns="0" bIns="82550" numCol="1" spcCol="1270" anchor="b" anchorCtr="0">
           <a:noAutofit/>
         </a:bodyPr>
         <a:lstStyle/>
         <a:p>
-          <a:pPr marL="0" lvl="0" indent="0" algn="l" defTabSz="533400">
+          <a:pPr marL="0" lvl="0" indent="0" algn="l" defTabSz="577850">
             <a:lnSpc>
               <a:spcPct val="90000"/>
             </a:lnSpc>
@@ -5552,7 +5346,7 @@
             <a:buNone/>
           </a:pPr>
           <a:r>
-            <a:rPr lang="en-US" sz="1200" b="0" kern="1200" dirty="0">
+            <a:rPr lang="en-US" sz="1300" b="0" kern="1200" dirty="0">
               <a:solidFill>
                 <a:schemeClr val="bg1"/>
               </a:solidFill>
@@ -5562,7 +5356,7 @@
           </a:r>
         </a:p>
         <a:p>
-          <a:pPr marL="0" lvl="0" indent="0" algn="l" defTabSz="533400">
+          <a:pPr marL="0" lvl="0" indent="0" algn="l" defTabSz="577850">
             <a:lnSpc>
               <a:spcPct val="90000"/>
             </a:lnSpc>
@@ -5575,7 +5369,7 @@
             <a:buNone/>
           </a:pPr>
           <a:r>
-            <a:rPr lang="en-US" sz="1200" b="0" kern="1200" dirty="0">
+            <a:rPr lang="en-US" sz="1300" b="0" kern="1200" dirty="0">
               <a:solidFill>
                 <a:schemeClr val="bg1"/>
               </a:solidFill>
@@ -5586,8 +5380,8 @@
         </a:p>
       </dsp:txBody>
       <dsp:txXfrm>
-        <a:off x="4816819" y="2181504"/>
-        <a:ext cx="1981572" cy="1291450"/>
+        <a:off x="5541165" y="2181504"/>
+        <a:ext cx="2311834" cy="1291450"/>
       </dsp:txXfrm>
     </dsp:sp>
     <dsp:sp modelId="{7C1E6B4A-59F7-4018-A403-E1CCAEE78BA1}">
@@ -5597,8 +5391,8 @@
       </dsp:nvSpPr>
       <dsp:spPr>
         <a:xfrm>
-          <a:off x="4816819" y="3472954"/>
-          <a:ext cx="1981572" cy="453752"/>
+          <a:off x="5541165" y="3472954"/>
+          <a:ext cx="2311834" cy="453752"/>
         </a:xfrm>
         <a:prstGeom prst="rect">
           <a:avLst/>
@@ -5622,12 +5416,12 @@
         <a:fontRef idx="minor"/>
       </dsp:style>
       <dsp:txBody>
-        <a:bodyPr spcFirstLastPara="0" vert="horz" wrap="square" lIns="0" tIns="0" rIns="101600" bIns="0" numCol="1" spcCol="1270" anchor="ctr" anchorCtr="0">
+        <a:bodyPr spcFirstLastPara="0" vert="horz" wrap="square" lIns="0" tIns="0" rIns="107950" bIns="0" numCol="1" spcCol="1270" anchor="ctr" anchorCtr="0">
           <a:noAutofit/>
         </a:bodyPr>
         <a:lstStyle/>
         <a:p>
-          <a:pPr marL="0" lvl="0" indent="0" algn="l" defTabSz="711200">
+          <a:pPr marL="0" lvl="0" indent="0" algn="l" defTabSz="755650">
             <a:lnSpc>
               <a:spcPct val="90000"/>
             </a:lnSpc>
@@ -5641,7 +5435,7 @@
             <a:defRPr b="1"/>
           </a:pPr>
           <a:r>
-            <a:rPr lang="en-US" sz="1600" b="1" kern="1200" dirty="0">
+            <a:rPr lang="en-US" sz="1700" b="1" kern="1200" dirty="0">
               <a:solidFill>
                 <a:schemeClr val="bg1"/>
               </a:solidFill>
@@ -5652,8 +5446,8 @@
         </a:p>
       </dsp:txBody>
       <dsp:txXfrm>
-        <a:off x="4816819" y="3472954"/>
-        <a:ext cx="1981572" cy="453752"/>
+        <a:off x="5541165" y="3472954"/>
+        <a:ext cx="2311834" cy="453752"/>
       </dsp:txXfrm>
     </dsp:sp>
     <dsp:sp modelId="{A03C5372-D306-43AC-B406-6F8183849431}">
@@ -5663,7 +5457,7 @@
       </dsp:nvSpPr>
       <dsp:spPr>
         <a:xfrm>
-          <a:off x="4420381" y="2181504"/>
+          <a:off x="5116467" y="2181504"/>
           <a:ext cx="0" cy="1291450"/>
         </a:xfrm>
         <a:prstGeom prst="line">
@@ -5699,304 +5493,7 @@
       </dsp:nvSpPr>
       <dsp:spPr>
         <a:xfrm>
-          <a:off x="4378600" y="2140666"/>
-          <a:ext cx="81675" cy="81675"/>
-        </a:xfrm>
-        <a:prstGeom prst="ellipse">
-          <a:avLst/>
-        </a:prstGeom>
-        <a:solidFill>
-          <a:schemeClr val="accent2"/>
-        </a:solidFill>
-        <a:ln w="6350" cap="flat" cmpd="sng" algn="ctr">
-          <a:noFill/>
-          <a:prstDash val="solid"/>
-          <a:miter lim="800000"/>
-        </a:ln>
-        <a:effectLst/>
-      </dsp:spPr>
-      <dsp:style>
-        <a:lnRef idx="2">
-          <a:scrgbClr r="0" g="0" b="0"/>
-        </a:lnRef>
-        <a:fillRef idx="1">
-          <a:scrgbClr r="0" g="0" b="0"/>
-        </a:fillRef>
-        <a:effectRef idx="0">
-          <a:scrgbClr r="0" g="0" b="0"/>
-        </a:effectRef>
-        <a:fontRef idx="minor">
-          <a:schemeClr val="lt1"/>
-        </a:fontRef>
-      </dsp:style>
-    </dsp:sp>
-    <dsp:sp modelId="{A55439AF-6893-479D-8B57-31FBC13C553F}">
-      <dsp:nvSpPr>
-        <dsp:cNvPr id="0" name=""/>
-        <dsp:cNvSpPr/>
-      </dsp:nvSpPr>
-      <dsp:spPr>
-        <a:xfrm rot="8100000">
-          <a:off x="5652127" y="502751"/>
-          <a:ext cx="320851" cy="320851"/>
-        </a:xfrm>
-        <a:prstGeom prst="teardrop">
-          <a:avLst>
-            <a:gd name="adj" fmla="val 115000"/>
-          </a:avLst>
-        </a:prstGeom>
-        <a:solidFill>
-          <a:schemeClr val="accent2"/>
-        </a:solidFill>
-        <a:ln w="12700" cap="flat" cmpd="sng" algn="ctr">
-          <a:solidFill>
-            <a:schemeClr val="accent2">
-              <a:alpha val="90000"/>
-              <a:hueOff val="0"/>
-              <a:satOff val="0"/>
-              <a:lumOff val="0"/>
-              <a:alphaOff val="-32000"/>
-            </a:schemeClr>
-          </a:solidFill>
-          <a:prstDash val="solid"/>
-          <a:miter lim="800000"/>
-        </a:ln>
-        <a:effectLst/>
-      </dsp:spPr>
-      <dsp:style>
-        <a:lnRef idx="2">
-          <a:scrgbClr r="0" g="0" b="0"/>
-        </a:lnRef>
-        <a:fillRef idx="1">
-          <a:scrgbClr r="0" g="0" b="0"/>
-        </a:fillRef>
-        <a:effectRef idx="0">
-          <a:scrgbClr r="0" g="0" b="0"/>
-        </a:effectRef>
-        <a:fontRef idx="minor">
-          <a:schemeClr val="lt1"/>
-        </a:fontRef>
-      </dsp:style>
-    </dsp:sp>
-    <dsp:sp modelId="{A22B1C16-7FF0-4DBE-B32E-E43FEB1E2EAC}">
-      <dsp:nvSpPr>
-        <dsp:cNvPr id="0" name=""/>
-        <dsp:cNvSpPr/>
-      </dsp:nvSpPr>
-      <dsp:spPr>
-        <a:xfrm>
-          <a:off x="5687771" y="538395"/>
-          <a:ext cx="249564" cy="249564"/>
-        </a:xfrm>
-        <a:prstGeom prst="ellipse">
-          <a:avLst/>
-        </a:prstGeom>
-        <a:solidFill>
-          <a:schemeClr val="accent1">
-            <a:alpha val="90000"/>
-          </a:schemeClr>
-        </a:solidFill>
-        <a:ln w="12700" cap="flat" cmpd="sng" algn="ctr">
-          <a:noFill/>
-          <a:prstDash val="solid"/>
-          <a:miter lim="800000"/>
-        </a:ln>
-        <a:effectLst/>
-      </dsp:spPr>
-      <dsp:style>
-        <a:lnRef idx="2">
-          <a:scrgbClr r="0" g="0" b="0"/>
-        </a:lnRef>
-        <a:fillRef idx="1">
-          <a:scrgbClr r="0" g="0" b="0"/>
-        </a:fillRef>
-        <a:effectRef idx="0">
-          <a:scrgbClr r="0" g="0" b="0"/>
-        </a:effectRef>
-        <a:fontRef idx="minor"/>
-      </dsp:style>
-    </dsp:sp>
-    <dsp:sp modelId="{1B55AA6D-649D-4145-93EB-08B866A4D4E5}">
-      <dsp:nvSpPr>
-        <dsp:cNvPr id="0" name=""/>
-        <dsp:cNvSpPr/>
-      </dsp:nvSpPr>
-      <dsp:spPr>
-        <a:xfrm>
-          <a:off x="6208991" y="890053"/>
-          <a:ext cx="1981572" cy="1291450"/>
-        </a:xfrm>
-        <a:prstGeom prst="rect">
-          <a:avLst/>
-        </a:prstGeom>
-        <a:noFill/>
-        <a:ln>
-          <a:noFill/>
-        </a:ln>
-        <a:effectLst/>
-      </dsp:spPr>
-      <dsp:style>
-        <a:lnRef idx="0">
-          <a:scrgbClr r="0" g="0" b="0"/>
-        </a:lnRef>
-        <a:fillRef idx="0">
-          <a:scrgbClr r="0" g="0" b="0"/>
-        </a:fillRef>
-        <a:effectRef idx="0">
-          <a:scrgbClr r="0" g="0" b="0"/>
-        </a:effectRef>
-        <a:fontRef idx="minor"/>
-      </dsp:style>
-      <dsp:txBody>
-        <a:bodyPr spcFirstLastPara="0" vert="horz" wrap="square" lIns="0" tIns="76200" rIns="76200" bIns="114300" numCol="1" spcCol="1270" anchor="t" anchorCtr="0">
-          <a:noAutofit/>
-        </a:bodyPr>
-        <a:lstStyle/>
-        <a:p>
-          <a:pPr marL="0" lvl="0" indent="0" algn="l" defTabSz="533400">
-            <a:lnSpc>
-              <a:spcPct val="90000"/>
-            </a:lnSpc>
-            <a:spcBef>
-              <a:spcPct val="0"/>
-            </a:spcBef>
-            <a:spcAft>
-              <a:spcPct val="35000"/>
-            </a:spcAft>
-            <a:buNone/>
-          </a:pPr>
-          <a:r>
-            <a:rPr lang="en-US" sz="1200" b="0" kern="1200" dirty="0">
-              <a:solidFill>
-                <a:schemeClr val="bg1"/>
-              </a:solidFill>
-              <a:latin typeface="Tenorite" pitchFamily="2" charset="0"/>
-            </a:rPr>
-            <a:t>Unit Testing</a:t>
-          </a:r>
-          <a:endParaRPr lang="en-US" sz="1200" b="1" kern="1200" dirty="0">
-            <a:solidFill>
-              <a:schemeClr val="bg1"/>
-            </a:solidFill>
-            <a:latin typeface="Tenorite" pitchFamily="2" charset="0"/>
-          </a:endParaRPr>
-        </a:p>
-      </dsp:txBody>
-      <dsp:txXfrm>
-        <a:off x="6208991" y="890053"/>
-        <a:ext cx="1981572" cy="1291450"/>
-      </dsp:txXfrm>
-    </dsp:sp>
-    <dsp:sp modelId="{3FA5D5AE-9CAE-4D19-9765-BCEE62095312}">
-      <dsp:nvSpPr>
-        <dsp:cNvPr id="0" name=""/>
-        <dsp:cNvSpPr/>
-      </dsp:nvSpPr>
-      <dsp:spPr>
-        <a:xfrm>
-          <a:off x="6208991" y="436300"/>
-          <a:ext cx="1981572" cy="453752"/>
-        </a:xfrm>
-        <a:prstGeom prst="rect">
-          <a:avLst/>
-        </a:prstGeom>
-        <a:noFill/>
-        <a:ln>
-          <a:noFill/>
-        </a:ln>
-        <a:effectLst/>
-      </dsp:spPr>
-      <dsp:style>
-        <a:lnRef idx="0">
-          <a:scrgbClr r="0" g="0" b="0"/>
-        </a:lnRef>
-        <a:fillRef idx="0">
-          <a:scrgbClr r="0" g="0" b="0"/>
-        </a:fillRef>
-        <a:effectRef idx="0">
-          <a:scrgbClr r="0" g="0" b="0"/>
-        </a:effectRef>
-        <a:fontRef idx="minor"/>
-      </dsp:style>
-      <dsp:txBody>
-        <a:bodyPr spcFirstLastPara="0" vert="horz" wrap="square" lIns="0" tIns="0" rIns="101600" bIns="0" numCol="1" spcCol="1270" anchor="ctr" anchorCtr="0">
-          <a:noAutofit/>
-        </a:bodyPr>
-        <a:lstStyle/>
-        <a:p>
-          <a:pPr marL="0" lvl="0" indent="0" algn="l" defTabSz="711200">
-            <a:lnSpc>
-              <a:spcPct val="90000"/>
-            </a:lnSpc>
-            <a:spcBef>
-              <a:spcPct val="0"/>
-            </a:spcBef>
-            <a:spcAft>
-              <a:spcPct val="35000"/>
-            </a:spcAft>
-            <a:buNone/>
-            <a:defRPr b="1"/>
-          </a:pPr>
-          <a:r>
-            <a:rPr lang="en-US" sz="1600" b="1" kern="1200" dirty="0">
-              <a:solidFill>
-                <a:schemeClr val="bg1"/>
-              </a:solidFill>
-              <a:latin typeface="Tenorite" pitchFamily="2" charset="0"/>
-            </a:rPr>
-            <a:t>Testing</a:t>
-          </a:r>
-        </a:p>
-      </dsp:txBody>
-      <dsp:txXfrm>
-        <a:off x="6208991" y="436300"/>
-        <a:ext cx="1981572" cy="453752"/>
-      </dsp:txXfrm>
-    </dsp:sp>
-    <dsp:sp modelId="{FE6CA7EB-68EC-4E76-9051-08C4CF370101}">
-      <dsp:nvSpPr>
-        <dsp:cNvPr id="0" name=""/>
-        <dsp:cNvSpPr/>
-      </dsp:nvSpPr>
-      <dsp:spPr>
-        <a:xfrm>
-          <a:off x="5812553" y="890053"/>
-          <a:ext cx="0" cy="1291450"/>
-        </a:xfrm>
-        <a:prstGeom prst="line">
-          <a:avLst/>
-        </a:prstGeom>
-        <a:noFill/>
-        <a:ln w="12700" cap="flat" cmpd="sng" algn="ctr">
-          <a:solidFill>
-            <a:schemeClr val="accent2"/>
-          </a:solidFill>
-          <a:prstDash val="dash"/>
-          <a:miter lim="800000"/>
-        </a:ln>
-        <a:effectLst/>
-      </dsp:spPr>
-      <dsp:style>
-        <a:lnRef idx="1">
-          <a:scrgbClr r="0" g="0" b="0"/>
-        </a:lnRef>
-        <a:fillRef idx="0">
-          <a:scrgbClr r="0" g="0" b="0"/>
-        </a:fillRef>
-        <a:effectRef idx="0">
-          <a:scrgbClr r="0" g="0" b="0"/>
-        </a:effectRef>
-        <a:fontRef idx="minor"/>
-      </dsp:style>
-    </dsp:sp>
-    <dsp:sp modelId="{58B7B786-A0AD-4662-8D54-C5C572D2C32C}">
-      <dsp:nvSpPr>
-        <dsp:cNvPr id="0" name=""/>
-        <dsp:cNvSpPr/>
-      </dsp:nvSpPr>
-      <dsp:spPr>
-        <a:xfrm>
-          <a:off x="5770771" y="2140666"/>
+          <a:off x="5074686" y="2140666"/>
           <a:ext cx="81675" cy="81675"/>
         </a:xfrm>
         <a:prstGeom prst="ellipse">
@@ -6033,8 +5530,8 @@
         <dsp:cNvSpPr/>
       </dsp:nvSpPr>
       <dsp:spPr>
-        <a:xfrm rot="18900000">
-          <a:off x="7044298" y="3539404"/>
+        <a:xfrm rot="8100000">
+          <a:off x="6580241" y="502751"/>
           <a:ext cx="320851" cy="320851"/>
         </a:xfrm>
         <a:prstGeom prst="teardrop">
@@ -6088,7 +5585,7 @@
       </dsp:nvSpPr>
       <dsp:spPr>
         <a:xfrm>
-          <a:off x="7079942" y="3575048"/>
+          <a:off x="6615885" y="538395"/>
           <a:ext cx="249564" cy="249564"/>
         </a:xfrm>
         <a:prstGeom prst="ellipse">
@@ -6130,8 +5627,8 @@
       </dsp:nvSpPr>
       <dsp:spPr>
         <a:xfrm>
-          <a:off x="7431600" y="2181504"/>
-          <a:ext cx="2320695" cy="1291450"/>
+          <a:off x="6967543" y="890053"/>
+          <a:ext cx="2707478" cy="1291450"/>
         </a:xfrm>
         <a:prstGeom prst="rect">
           <a:avLst/>
@@ -6155,12 +5652,12 @@
         <a:fontRef idx="minor"/>
       </dsp:style>
       <dsp:txBody>
-        <a:bodyPr spcFirstLastPara="0" vert="horz" wrap="square" lIns="0" tIns="114300" rIns="0" bIns="76200" numCol="1" spcCol="1270" anchor="b" anchorCtr="0">
+        <a:bodyPr spcFirstLastPara="0" vert="horz" wrap="square" lIns="0" tIns="82550" rIns="82550" bIns="123825" numCol="1" spcCol="1270" anchor="t" anchorCtr="0">
           <a:noAutofit/>
         </a:bodyPr>
         <a:lstStyle/>
         <a:p>
-          <a:pPr marL="0" lvl="0" indent="0" algn="l" defTabSz="533400">
+          <a:pPr marL="0" lvl="0" indent="0" algn="l" defTabSz="577850">
             <a:lnSpc>
               <a:spcPct val="90000"/>
             </a:lnSpc>
@@ -6173,7 +5670,7 @@
             <a:buNone/>
           </a:pPr>
           <a:r>
-            <a:rPr lang="en-US" sz="1200" b="1" kern="1200" dirty="0">
+            <a:rPr lang="en-US" sz="1300" b="1" kern="1200" dirty="0">
               <a:solidFill>
                 <a:schemeClr val="bg1"/>
               </a:solidFill>
@@ -6184,8 +5681,8 @@
         </a:p>
       </dsp:txBody>
       <dsp:txXfrm>
-        <a:off x="7431600" y="2181504"/>
-        <a:ext cx="2320695" cy="1291450"/>
+        <a:off x="6967543" y="890053"/>
+        <a:ext cx="2707478" cy="1291450"/>
       </dsp:txXfrm>
     </dsp:sp>
     <dsp:sp modelId="{F93FB316-7EDE-44E1-B905-40AA7A633BE3}">
@@ -6195,8 +5692,8 @@
       </dsp:nvSpPr>
       <dsp:spPr>
         <a:xfrm>
-          <a:off x="7431600" y="3472954"/>
-          <a:ext cx="2320695" cy="453752"/>
+          <a:off x="6967543" y="436300"/>
+          <a:ext cx="2707478" cy="453752"/>
         </a:xfrm>
         <a:prstGeom prst="rect">
           <a:avLst/>
@@ -6220,12 +5717,12 @@
         <a:fontRef idx="minor"/>
       </dsp:style>
       <dsp:txBody>
-        <a:bodyPr spcFirstLastPara="0" vert="horz" wrap="square" lIns="0" tIns="0" rIns="101600" bIns="0" numCol="1" spcCol="1270" anchor="ctr" anchorCtr="0">
+        <a:bodyPr spcFirstLastPara="0" vert="horz" wrap="square" lIns="0" tIns="0" rIns="107950" bIns="0" numCol="1" spcCol="1270" anchor="ctr" anchorCtr="0">
           <a:noAutofit/>
         </a:bodyPr>
         <a:lstStyle/>
         <a:p>
-          <a:pPr marL="0" lvl="0" indent="0" algn="l" defTabSz="711200">
+          <a:pPr marL="0" lvl="0" indent="0" algn="l" defTabSz="755650">
             <a:lnSpc>
               <a:spcPct val="90000"/>
             </a:lnSpc>
@@ -6239,7 +5736,7 @@
             <a:defRPr b="1"/>
           </a:pPr>
           <a:r>
-            <a:rPr lang="en-US" sz="1600" b="1" kern="1200" dirty="0">
+            <a:rPr lang="en-US" sz="1700" b="1" kern="1200" dirty="0">
               <a:solidFill>
                 <a:schemeClr val="bg1"/>
               </a:solidFill>
@@ -6250,8 +5747,8 @@
         </a:p>
       </dsp:txBody>
       <dsp:txXfrm>
-        <a:off x="7431600" y="3472954"/>
-        <a:ext cx="2320695" cy="453752"/>
+        <a:off x="6967543" y="436300"/>
+        <a:ext cx="2707478" cy="453752"/>
       </dsp:txXfrm>
     </dsp:sp>
     <dsp:sp modelId="{9249FDA3-300C-443C-9086-9F92BD9F2EC0}">
@@ -6261,7 +5758,7 @@
       </dsp:nvSpPr>
       <dsp:spPr>
         <a:xfrm>
-          <a:off x="7204724" y="2181504"/>
+          <a:off x="6740667" y="890053"/>
           <a:ext cx="0" cy="1291450"/>
         </a:xfrm>
         <a:prstGeom prst="line">
@@ -6303,7 +5800,7 @@
       </dsp:nvSpPr>
       <dsp:spPr>
         <a:xfrm>
-          <a:off x="7162943" y="2140666"/>
+          <a:off x="6698885" y="2140666"/>
           <a:ext cx="81675" cy="81675"/>
         </a:xfrm>
         <a:prstGeom prst="ellipse">
@@ -10223,7 +9720,7 @@
           <a:p>
             <a:fld id="{7487ADD9-2083-264C-A652-8D52D02F7E72}" type="datetimeFigureOut">
               <a:rPr lang="en-US" smtClean="0"/>
-              <a:t>10/20/2022</a:t>
+              <a:t>10/25/2022</a:t>
             </a:fld>
             <a:endParaRPr lang="en-US" dirty="0"/>
           </a:p>
@@ -11880,7 +11377,7 @@
             <a:fld id="{5F02DCD1-2C6B-F948-9F72-3BB0CF3D512E}" type="datetime1">
               <a:rPr lang="en-US" smtClean="0"/>
               <a:pPr/>
-              <a:t>10/20/2022</a:t>
+              <a:t>10/25/2022</a:t>
             </a:fld>
             <a:endParaRPr lang="en-US" dirty="0"/>
           </a:p>
@@ -12765,7 +12262,7 @@
             <a:fld id="{C1583C39-01BF-7F43-854C-FBB4E9AB6B0C}" type="datetime1">
               <a:rPr lang="en-US" smtClean="0"/>
               <a:pPr/>
-              <a:t>10/20/2022</a:t>
+              <a:t>10/25/2022</a:t>
             </a:fld>
             <a:endParaRPr lang="en-US" dirty="0"/>
           </a:p>
@@ -13942,7 +13439,7 @@
             <a:fld id="{4B103E64-1627-9140-8127-1849FED275E1}" type="datetime1">
               <a:rPr lang="en-US" smtClean="0"/>
               <a:pPr/>
-              <a:t>10/20/2022</a:t>
+              <a:t>10/25/2022</a:t>
             </a:fld>
             <a:endParaRPr lang="en-US" dirty="0"/>
           </a:p>
@@ -16022,7 +15519,7 @@
             <a:fld id="{DD9C8446-696E-6942-B6C8-CC9CAD0B34E0}" type="datetime1">
               <a:rPr lang="en-US" smtClean="0"/>
               <a:pPr/>
-              <a:t>10/20/2022</a:t>
+              <a:t>10/25/2022</a:t>
             </a:fld>
             <a:endParaRPr lang="en-US" dirty="0"/>
           </a:p>
@@ -16740,7 +16237,7 @@
             <a:fld id="{F5592931-05C6-8543-8B6E-A8BD29BD5C2B}" type="datetime1">
               <a:rPr lang="en-US" smtClean="0"/>
               <a:pPr/>
-              <a:t>10/20/2022</a:t>
+              <a:t>10/25/2022</a:t>
             </a:fld>
             <a:endParaRPr lang="en-US" dirty="0"/>
           </a:p>
@@ -17968,7 +17465,7 @@
             <a:fld id="{7E7AB22C-8B7E-9B4A-8C65-396C3C874D86}" type="datetime1">
               <a:rPr lang="en-US" smtClean="0"/>
               <a:pPr/>
-              <a:t>10/20/2022</a:t>
+              <a:t>10/25/2022</a:t>
             </a:fld>
             <a:endParaRPr lang="en-US" dirty="0"/>
           </a:p>
@@ -18560,7 +18057,7 @@
             <a:fld id="{8CE9AC2A-20AD-8C48-B5EB-B5322BDBCDEE}" type="datetime1">
               <a:rPr lang="en-US" smtClean="0"/>
               <a:pPr/>
-              <a:t>10/20/2022</a:t>
+              <a:t>10/25/2022</a:t>
             </a:fld>
             <a:endParaRPr lang="en-US" dirty="0"/>
           </a:p>
@@ -19033,7 +18530,7 @@
             <a:fld id="{4CF75428-5BE0-934D-BB71-675F8E23A386}" type="datetime1">
               <a:rPr lang="en-US" smtClean="0"/>
               <a:pPr/>
-              <a:t>10/20/2022</a:t>
+              <a:t>10/25/2022</a:t>
             </a:fld>
             <a:endParaRPr lang="en-US" dirty="0"/>
           </a:p>
@@ -19883,7 +19380,7 @@
             <a:fld id="{9A85C5CA-AE29-AB4C-8F85-0373C72001D8}" type="datetime1">
               <a:rPr lang="en-US" smtClean="0"/>
               <a:pPr/>
-              <a:t>10/20/2022</a:t>
+              <a:t>10/25/2022</a:t>
             </a:fld>
             <a:endParaRPr lang="en-US" dirty="0"/>
           </a:p>
@@ -22108,7 +21605,7 @@
             <a:fld id="{75594855-01E8-5A4B-B2B8-E2ECEF879100}" type="datetime1">
               <a:rPr lang="en-US" smtClean="0"/>
               <a:pPr/>
-              <a:t>10/20/2022</a:t>
+              <a:t>10/25/2022</a:t>
             </a:fld>
             <a:endParaRPr lang="en-US" dirty="0"/>
           </a:p>
@@ -22377,7 +21874,7 @@
             <a:fld id="{B562DF68-3089-814D-8A14-C651FE91885E}" type="datetime1">
               <a:rPr lang="en-US" smtClean="0"/>
               <a:pPr/>
-              <a:t>10/20/2022</a:t>
+              <a:t>10/25/2022</a:t>
             </a:fld>
             <a:endParaRPr lang="en-US" dirty="0"/>
           </a:p>
@@ -23042,6 +22539,554 @@
 </file>
 
 <file path=ppt/slides/slide10.xml><?xml version="1.0" encoding="utf-8"?>
+<p:sld xmlns:a="http://schemas.openxmlformats.org/drawingml/2006/main" xmlns:r="http://schemas.openxmlformats.org/officeDocument/2006/relationships" xmlns:p="http://schemas.openxmlformats.org/presentationml/2006/main">
+  <p:cSld>
+    <p:spTree>
+      <p:nvGrpSpPr>
+        <p:cNvPr id="1" name=""/>
+        <p:cNvGrpSpPr/>
+        <p:nvPr/>
+      </p:nvGrpSpPr>
+      <p:grpSpPr>
+        <a:xfrm>
+          <a:off x="0" y="0"/>
+          <a:ext cx="0" cy="0"/>
+          <a:chOff x="0" y="0"/>
+          <a:chExt cx="0" cy="0"/>
+        </a:xfrm>
+      </p:grpSpPr>
+      <p:sp>
+        <p:nvSpPr>
+          <p:cNvPr id="2" name="Title 1">
+            <a:extLst>
+              <a:ext uri="{FF2B5EF4-FFF2-40B4-BE49-F238E27FC236}">
+                <a16:creationId xmlns:a16="http://schemas.microsoft.com/office/drawing/2014/main" id="{EFB85265-CA38-8B55-62A1-4F3002B2353E}"/>
+              </a:ext>
+            </a:extLst>
+          </p:cNvPr>
+          <p:cNvSpPr>
+            <a:spLocks noGrp="1"/>
+          </p:cNvSpPr>
+          <p:nvPr>
+            <p:ph type="title"/>
+          </p:nvPr>
+        </p:nvSpPr>
+        <p:spPr/>
+        <p:txBody>
+          <a:bodyPr/>
+          <a:lstStyle/>
+          <a:p>
+            <a:r>
+              <a:rPr lang="en-US" dirty="0"/>
+              <a:t>Deployment</a:t>
+            </a:r>
+            <a:endParaRPr lang="id-ID" dirty="0"/>
+          </a:p>
+        </p:txBody>
+      </p:sp>
+      <p:sp>
+        <p:nvSpPr>
+          <p:cNvPr id="3" name="Picture Placeholder 2">
+            <a:extLst>
+              <a:ext uri="{FF2B5EF4-FFF2-40B4-BE49-F238E27FC236}">
+                <a16:creationId xmlns:a16="http://schemas.microsoft.com/office/drawing/2014/main" id="{ABD188A3-008B-A571-087F-9FEAC93F4F54}"/>
+              </a:ext>
+            </a:extLst>
+          </p:cNvPr>
+          <p:cNvSpPr>
+            <a:spLocks noGrp="1"/>
+          </p:cNvSpPr>
+          <p:nvPr>
+            <p:ph type="pic" sz="quarter" idx="13"/>
+          </p:nvPr>
+        </p:nvSpPr>
+        <p:spPr/>
+      </p:sp>
+      <p:sp>
+        <p:nvSpPr>
+          <p:cNvPr id="4" name="Text Placeholder 3">
+            <a:extLst>
+              <a:ext uri="{FF2B5EF4-FFF2-40B4-BE49-F238E27FC236}">
+                <a16:creationId xmlns:a16="http://schemas.microsoft.com/office/drawing/2014/main" id="{1B4EF043-E704-1E5B-0AB6-A270911FD277}"/>
+              </a:ext>
+            </a:extLst>
+          </p:cNvPr>
+          <p:cNvSpPr>
+            <a:spLocks noGrp="1"/>
+          </p:cNvSpPr>
+          <p:nvPr>
+            <p:ph type="body" sz="quarter" idx="17"/>
+          </p:nvPr>
+        </p:nvSpPr>
+        <p:spPr/>
+        <p:txBody>
+          <a:bodyPr/>
+          <a:lstStyle/>
+          <a:p>
+            <a:endParaRPr lang="id-ID"/>
+          </a:p>
+        </p:txBody>
+      </p:sp>
+      <p:sp>
+        <p:nvSpPr>
+          <p:cNvPr id="5" name="Text Placeholder 4">
+            <a:extLst>
+              <a:ext uri="{FF2B5EF4-FFF2-40B4-BE49-F238E27FC236}">
+                <a16:creationId xmlns:a16="http://schemas.microsoft.com/office/drawing/2014/main" id="{F8F749A1-8F04-DB7F-3C6F-5D8CE9FB1C1E}"/>
+              </a:ext>
+            </a:extLst>
+          </p:cNvPr>
+          <p:cNvSpPr>
+            <a:spLocks noGrp="1"/>
+          </p:cNvSpPr>
+          <p:nvPr>
+            <p:ph type="body" sz="quarter" idx="18"/>
+          </p:nvPr>
+        </p:nvSpPr>
+        <p:spPr/>
+        <p:txBody>
+          <a:bodyPr/>
+          <a:lstStyle/>
+          <a:p>
+            <a:endParaRPr lang="id-ID"/>
+          </a:p>
+        </p:txBody>
+      </p:sp>
+      <p:sp>
+        <p:nvSpPr>
+          <p:cNvPr id="6" name="Picture Placeholder 5">
+            <a:extLst>
+              <a:ext uri="{FF2B5EF4-FFF2-40B4-BE49-F238E27FC236}">
+                <a16:creationId xmlns:a16="http://schemas.microsoft.com/office/drawing/2014/main" id="{91D4A166-EF2D-E959-5C55-32DBCA59DDE1}"/>
+              </a:ext>
+            </a:extLst>
+          </p:cNvPr>
+          <p:cNvSpPr>
+            <a:spLocks noGrp="1"/>
+          </p:cNvSpPr>
+          <p:nvPr>
+            <p:ph type="pic" sz="quarter" idx="14"/>
+          </p:nvPr>
+        </p:nvSpPr>
+        <p:spPr/>
+      </p:sp>
+      <p:sp>
+        <p:nvSpPr>
+          <p:cNvPr id="7" name="Text Placeholder 6">
+            <a:extLst>
+              <a:ext uri="{FF2B5EF4-FFF2-40B4-BE49-F238E27FC236}">
+                <a16:creationId xmlns:a16="http://schemas.microsoft.com/office/drawing/2014/main" id="{0D310807-E304-F9AA-F917-222718EEB9D7}"/>
+              </a:ext>
+            </a:extLst>
+          </p:cNvPr>
+          <p:cNvSpPr>
+            <a:spLocks noGrp="1"/>
+          </p:cNvSpPr>
+          <p:nvPr>
+            <p:ph type="body" sz="quarter" idx="19"/>
+          </p:nvPr>
+        </p:nvSpPr>
+        <p:spPr/>
+        <p:txBody>
+          <a:bodyPr/>
+          <a:lstStyle/>
+          <a:p>
+            <a:endParaRPr lang="id-ID"/>
+          </a:p>
+        </p:txBody>
+      </p:sp>
+      <p:sp>
+        <p:nvSpPr>
+          <p:cNvPr id="8" name="Text Placeholder 7">
+            <a:extLst>
+              <a:ext uri="{FF2B5EF4-FFF2-40B4-BE49-F238E27FC236}">
+                <a16:creationId xmlns:a16="http://schemas.microsoft.com/office/drawing/2014/main" id="{A886A81F-2C08-05EB-9850-1A17417080E2}"/>
+              </a:ext>
+            </a:extLst>
+          </p:cNvPr>
+          <p:cNvSpPr>
+            <a:spLocks noGrp="1"/>
+          </p:cNvSpPr>
+          <p:nvPr>
+            <p:ph type="body" sz="quarter" idx="20"/>
+          </p:nvPr>
+        </p:nvSpPr>
+        <p:spPr/>
+        <p:txBody>
+          <a:bodyPr/>
+          <a:lstStyle/>
+          <a:p>
+            <a:endParaRPr lang="id-ID"/>
+          </a:p>
+        </p:txBody>
+      </p:sp>
+      <p:sp>
+        <p:nvSpPr>
+          <p:cNvPr id="9" name="Picture Placeholder 8">
+            <a:extLst>
+              <a:ext uri="{FF2B5EF4-FFF2-40B4-BE49-F238E27FC236}">
+                <a16:creationId xmlns:a16="http://schemas.microsoft.com/office/drawing/2014/main" id="{3A2E048C-160D-2527-3F9D-39068BF7C408}"/>
+              </a:ext>
+            </a:extLst>
+          </p:cNvPr>
+          <p:cNvSpPr>
+            <a:spLocks noGrp="1"/>
+          </p:cNvSpPr>
+          <p:nvPr>
+            <p:ph type="pic" sz="quarter" idx="15"/>
+          </p:nvPr>
+        </p:nvSpPr>
+        <p:spPr/>
+      </p:sp>
+      <p:sp>
+        <p:nvSpPr>
+          <p:cNvPr id="10" name="Text Placeholder 9">
+            <a:extLst>
+              <a:ext uri="{FF2B5EF4-FFF2-40B4-BE49-F238E27FC236}">
+                <a16:creationId xmlns:a16="http://schemas.microsoft.com/office/drawing/2014/main" id="{6B0338AD-D31F-7B95-DB33-5C5ED6A121A2}"/>
+              </a:ext>
+            </a:extLst>
+          </p:cNvPr>
+          <p:cNvSpPr>
+            <a:spLocks noGrp="1"/>
+          </p:cNvSpPr>
+          <p:nvPr>
+            <p:ph type="body" sz="quarter" idx="21"/>
+          </p:nvPr>
+        </p:nvSpPr>
+        <p:spPr/>
+        <p:txBody>
+          <a:bodyPr/>
+          <a:lstStyle/>
+          <a:p>
+            <a:endParaRPr lang="id-ID"/>
+          </a:p>
+        </p:txBody>
+      </p:sp>
+      <p:sp>
+        <p:nvSpPr>
+          <p:cNvPr id="11" name="Text Placeholder 10">
+            <a:extLst>
+              <a:ext uri="{FF2B5EF4-FFF2-40B4-BE49-F238E27FC236}">
+                <a16:creationId xmlns:a16="http://schemas.microsoft.com/office/drawing/2014/main" id="{9DA81A53-1AE5-BC50-8BD8-6FB052CA6DC9}"/>
+              </a:ext>
+            </a:extLst>
+          </p:cNvPr>
+          <p:cNvSpPr>
+            <a:spLocks noGrp="1"/>
+          </p:cNvSpPr>
+          <p:nvPr>
+            <p:ph type="body" sz="quarter" idx="22"/>
+          </p:nvPr>
+        </p:nvSpPr>
+        <p:spPr/>
+        <p:txBody>
+          <a:bodyPr/>
+          <a:lstStyle/>
+          <a:p>
+            <a:endParaRPr lang="id-ID"/>
+          </a:p>
+        </p:txBody>
+      </p:sp>
+      <p:sp>
+        <p:nvSpPr>
+          <p:cNvPr id="12" name="Picture Placeholder 11">
+            <a:extLst>
+              <a:ext uri="{FF2B5EF4-FFF2-40B4-BE49-F238E27FC236}">
+                <a16:creationId xmlns:a16="http://schemas.microsoft.com/office/drawing/2014/main" id="{2B4B4EAA-FF02-9A47-EC9C-0C0BE59FFA3A}"/>
+              </a:ext>
+            </a:extLst>
+          </p:cNvPr>
+          <p:cNvSpPr>
+            <a:spLocks noGrp="1"/>
+          </p:cNvSpPr>
+          <p:nvPr>
+            <p:ph type="pic" sz="quarter" idx="16"/>
+          </p:nvPr>
+        </p:nvSpPr>
+        <p:spPr/>
+      </p:sp>
+      <p:sp>
+        <p:nvSpPr>
+          <p:cNvPr id="13" name="Text Placeholder 12">
+            <a:extLst>
+              <a:ext uri="{FF2B5EF4-FFF2-40B4-BE49-F238E27FC236}">
+                <a16:creationId xmlns:a16="http://schemas.microsoft.com/office/drawing/2014/main" id="{AC72444B-1523-F956-208F-7870B577E122}"/>
+              </a:ext>
+            </a:extLst>
+          </p:cNvPr>
+          <p:cNvSpPr>
+            <a:spLocks noGrp="1"/>
+          </p:cNvSpPr>
+          <p:nvPr>
+            <p:ph type="body" sz="quarter" idx="23"/>
+          </p:nvPr>
+        </p:nvSpPr>
+        <p:spPr/>
+        <p:txBody>
+          <a:bodyPr/>
+          <a:lstStyle/>
+          <a:p>
+            <a:endParaRPr lang="id-ID"/>
+          </a:p>
+        </p:txBody>
+      </p:sp>
+      <p:sp>
+        <p:nvSpPr>
+          <p:cNvPr id="14" name="Text Placeholder 13">
+            <a:extLst>
+              <a:ext uri="{FF2B5EF4-FFF2-40B4-BE49-F238E27FC236}">
+                <a16:creationId xmlns:a16="http://schemas.microsoft.com/office/drawing/2014/main" id="{99743DC6-E0C3-DD78-AEE5-DBA80AED9957}"/>
+              </a:ext>
+            </a:extLst>
+          </p:cNvPr>
+          <p:cNvSpPr>
+            <a:spLocks noGrp="1"/>
+          </p:cNvSpPr>
+          <p:nvPr>
+            <p:ph type="body" sz="quarter" idx="24"/>
+          </p:nvPr>
+        </p:nvSpPr>
+        <p:spPr/>
+        <p:txBody>
+          <a:bodyPr/>
+          <a:lstStyle/>
+          <a:p>
+            <a:endParaRPr lang="id-ID"/>
+          </a:p>
+        </p:txBody>
+      </p:sp>
+      <p:sp>
+        <p:nvSpPr>
+          <p:cNvPr id="15" name="Date Placeholder 14">
+            <a:extLst>
+              <a:ext uri="{FF2B5EF4-FFF2-40B4-BE49-F238E27FC236}">
+                <a16:creationId xmlns:a16="http://schemas.microsoft.com/office/drawing/2014/main" id="{9649B312-5055-A28C-DF06-EE7FB6D7CA28}"/>
+              </a:ext>
+            </a:extLst>
+          </p:cNvPr>
+          <p:cNvSpPr>
+            <a:spLocks noGrp="1"/>
+          </p:cNvSpPr>
+          <p:nvPr>
+            <p:ph type="dt" sz="half" idx="10"/>
+          </p:nvPr>
+        </p:nvSpPr>
+        <p:spPr/>
+        <p:txBody>
+          <a:bodyPr/>
+          <a:lstStyle/>
+          <a:p>
+            <a:fld id="{9A85C5CA-AE29-AB4C-8F85-0373C72001D8}" type="datetime1">
+              <a:rPr lang="en-US" smtClean="0"/>
+              <a:pPr/>
+              <a:t>10/25/2022</a:t>
+            </a:fld>
+            <a:endParaRPr lang="en-US" dirty="0"/>
+          </a:p>
+        </p:txBody>
+      </p:sp>
+      <p:sp>
+        <p:nvSpPr>
+          <p:cNvPr id="16" name="Footer Placeholder 15">
+            <a:extLst>
+              <a:ext uri="{FF2B5EF4-FFF2-40B4-BE49-F238E27FC236}">
+                <a16:creationId xmlns:a16="http://schemas.microsoft.com/office/drawing/2014/main" id="{E65B05B5-D183-CD51-8E73-B10F215422A2}"/>
+              </a:ext>
+            </a:extLst>
+          </p:cNvPr>
+          <p:cNvSpPr>
+            <a:spLocks noGrp="1"/>
+          </p:cNvSpPr>
+          <p:nvPr>
+            <p:ph type="ftr" sz="quarter" idx="11"/>
+          </p:nvPr>
+        </p:nvSpPr>
+        <p:spPr/>
+        <p:txBody>
+          <a:bodyPr/>
+          <a:lstStyle/>
+          <a:p>
+            <a:r>
+              <a:rPr lang="en-US"/>
+              <a:t>PRESENTATION TITLE</a:t>
+            </a:r>
+            <a:endParaRPr lang="en-US" dirty="0"/>
+          </a:p>
+        </p:txBody>
+      </p:sp>
+      <p:sp>
+        <p:nvSpPr>
+          <p:cNvPr id="17" name="Slide Number Placeholder 16">
+            <a:extLst>
+              <a:ext uri="{FF2B5EF4-FFF2-40B4-BE49-F238E27FC236}">
+                <a16:creationId xmlns:a16="http://schemas.microsoft.com/office/drawing/2014/main" id="{335F2009-781A-119A-F29A-C3A3A15CA0EC}"/>
+              </a:ext>
+            </a:extLst>
+          </p:cNvPr>
+          <p:cNvSpPr>
+            <a:spLocks noGrp="1"/>
+          </p:cNvSpPr>
+          <p:nvPr>
+            <p:ph type="sldNum" sz="quarter" idx="12"/>
+          </p:nvPr>
+        </p:nvSpPr>
+        <p:spPr/>
+        <p:txBody>
+          <a:bodyPr/>
+          <a:lstStyle/>
+          <a:p>
+            <a:fld id="{294A09A9-5501-47C1-A89A-A340965A2BE2}" type="slidenum">
+              <a:rPr lang="en-US" smtClean="0"/>
+              <a:pPr/>
+              <a:t>10</a:t>
+            </a:fld>
+            <a:endParaRPr lang="en-US" dirty="0"/>
+          </a:p>
+        </p:txBody>
+      </p:sp>
+      <p:pic>
+        <p:nvPicPr>
+          <p:cNvPr id="21" name="Picture 20">
+            <a:extLst>
+              <a:ext uri="{FF2B5EF4-FFF2-40B4-BE49-F238E27FC236}">
+                <a16:creationId xmlns:a16="http://schemas.microsoft.com/office/drawing/2014/main" id="{93EF951C-4BE7-42DF-7465-7ED7F466F0F9}"/>
+              </a:ext>
+            </a:extLst>
+          </p:cNvPr>
+          <p:cNvPicPr>
+            <a:picLocks noChangeAspect="1"/>
+          </p:cNvPicPr>
+          <p:nvPr/>
+        </p:nvPicPr>
+        <p:blipFill>
+          <a:blip r:embed="rId2"/>
+          <a:stretch>
+            <a:fillRect/>
+          </a:stretch>
+        </p:blipFill>
+        <p:spPr>
+          <a:xfrm>
+            <a:off x="750429" y="1973961"/>
+            <a:ext cx="6651311" cy="4087292"/>
+          </a:xfrm>
+          <a:prstGeom prst="rect">
+            <a:avLst/>
+          </a:prstGeom>
+        </p:spPr>
+      </p:pic>
+    </p:spTree>
+    <p:extLst>
+      <p:ext uri="{BB962C8B-B14F-4D97-AF65-F5344CB8AC3E}">
+        <p14:creationId xmlns:p14="http://schemas.microsoft.com/office/powerpoint/2010/main" val="3052797972"/>
+      </p:ext>
+    </p:extLst>
+  </p:cSld>
+  <p:clrMapOvr>
+    <a:masterClrMapping/>
+  </p:clrMapOvr>
+</p:sld>
+</file>
+
+<file path=ppt/slides/slide11.xml><?xml version="1.0" encoding="utf-8"?>
+<p:sld xmlns:a="http://schemas.openxmlformats.org/drawingml/2006/main" xmlns:r="http://schemas.openxmlformats.org/officeDocument/2006/relationships" xmlns:p="http://schemas.openxmlformats.org/presentationml/2006/main">
+  <p:cSld>
+    <p:spTree>
+      <p:nvGrpSpPr>
+        <p:cNvPr id="1" name=""/>
+        <p:cNvGrpSpPr/>
+        <p:nvPr/>
+      </p:nvGrpSpPr>
+      <p:grpSpPr>
+        <a:xfrm>
+          <a:off x="0" y="0"/>
+          <a:ext cx="0" cy="0"/>
+          <a:chOff x="0" y="0"/>
+          <a:chExt cx="0" cy="0"/>
+        </a:xfrm>
+      </p:grpSpPr>
+      <p:sp>
+        <p:nvSpPr>
+          <p:cNvPr id="2" name="Title 1">
+            <a:extLst>
+              <a:ext uri="{FF2B5EF4-FFF2-40B4-BE49-F238E27FC236}">
+                <a16:creationId xmlns:a16="http://schemas.microsoft.com/office/drawing/2014/main" id="{69FAE308-3076-43DB-B834-DA0B0AE19AF9}"/>
+              </a:ext>
+            </a:extLst>
+          </p:cNvPr>
+          <p:cNvSpPr>
+            <a:spLocks noGrp="1"/>
+          </p:cNvSpPr>
+          <p:nvPr>
+            <p:ph type="ctrTitle"/>
+          </p:nvPr>
+        </p:nvSpPr>
+        <p:spPr>
+          <a:xfrm>
+            <a:off x="1167494" y="1122363"/>
+            <a:ext cx="6220278" cy="2387600"/>
+          </a:xfrm>
+        </p:spPr>
+        <p:txBody>
+          <a:bodyPr/>
+          <a:lstStyle/>
+          <a:p>
+            <a:r>
+              <a:rPr lang="en-US" dirty="0"/>
+              <a:t>Thank you</a:t>
+            </a:r>
+          </a:p>
+        </p:txBody>
+      </p:sp>
+      <p:sp>
+        <p:nvSpPr>
+          <p:cNvPr id="3" name="Content Placeholder 2">
+            <a:extLst>
+              <a:ext uri="{FF2B5EF4-FFF2-40B4-BE49-F238E27FC236}">
+                <a16:creationId xmlns:a16="http://schemas.microsoft.com/office/drawing/2014/main" id="{BABC2CE0-8806-4B2A-A10A-32984D317434}"/>
+              </a:ext>
+            </a:extLst>
+          </p:cNvPr>
+          <p:cNvSpPr>
+            <a:spLocks noGrp="1"/>
+          </p:cNvSpPr>
+          <p:nvPr>
+            <p:ph type="subTitle" idx="1"/>
+          </p:nvPr>
+        </p:nvSpPr>
+        <p:spPr>
+          <a:xfrm>
+            <a:off x="1167493" y="3602038"/>
+            <a:ext cx="6220277" cy="2247219"/>
+          </a:xfrm>
+        </p:spPr>
+        <p:txBody>
+          <a:bodyPr>
+            <a:normAutofit/>
+          </a:bodyPr>
+          <a:lstStyle/>
+          <a:p>
+            <a:r>
+              <a:rPr lang="en-US" dirty="0"/>
+              <a:t>Q &amp; A</a:t>
+            </a:r>
+          </a:p>
+        </p:txBody>
+      </p:sp>
+    </p:spTree>
+    <p:extLst>
+      <p:ext uri="{BB962C8B-B14F-4D97-AF65-F5344CB8AC3E}">
+        <p14:creationId xmlns:p14="http://schemas.microsoft.com/office/powerpoint/2010/main" val="926184573"/>
+      </p:ext>
+    </p:extLst>
+  </p:cSld>
+  <p:clrMapOvr>
+    <a:masterClrMapping/>
+  </p:clrMapOvr>
+</p:sld>
+</file>
+
+<file path=ppt/slides/slide12.xml><?xml version="1.0" encoding="utf-8"?>
 <p:sld xmlns:a="http://schemas.openxmlformats.org/drawingml/2006/main" xmlns:r="http://schemas.openxmlformats.org/officeDocument/2006/relationships" xmlns:p="http://schemas.openxmlformats.org/presentationml/2006/main" show="0">
   <p:cSld>
     <p:spTree>
@@ -24808,7 +24853,7 @@
           <a:p>
             <a:fld id="{7699C8CE-7534-A244-ABE9-5BED2DFEFBDF}" type="datetime1">
               <a:rPr lang="en-US" smtClean="0"/>
-              <a:t>10/20/2022</a:t>
+              <a:t>10/25/2022</a:t>
             </a:fld>
             <a:endParaRPr lang="en-US" dirty="0"/>
           </a:p>
@@ -24866,7 +24911,7 @@
             <a:fld id="{294A09A9-5501-47C1-A89A-A340965A2BE2}" type="slidenum">
               <a:rPr lang="en-US" smtClean="0"/>
               <a:pPr/>
-              <a:t>10</a:t>
+              <a:t>12</a:t>
             </a:fld>
             <a:endParaRPr lang="en-US" dirty="0"/>
           </a:p>
@@ -24876,826 +24921,6 @@
     <p:extLst>
       <p:ext uri="{BB962C8B-B14F-4D97-AF65-F5344CB8AC3E}">
         <p14:creationId xmlns:p14="http://schemas.microsoft.com/office/powerpoint/2010/main" val="4212917468"/>
-      </p:ext>
-    </p:extLst>
-  </p:cSld>
-  <p:clrMapOvr>
-    <a:masterClrMapping/>
-  </p:clrMapOvr>
-</p:sld>
-</file>
-
-<file path=ppt/slides/slide11.xml><?xml version="1.0" encoding="utf-8"?>
-<p:sld xmlns:a="http://schemas.openxmlformats.org/drawingml/2006/main" xmlns:r="http://schemas.openxmlformats.org/officeDocument/2006/relationships" xmlns:p="http://schemas.openxmlformats.org/presentationml/2006/main" show="0">
-  <p:cSld>
-    <p:spTree>
-      <p:nvGrpSpPr>
-        <p:cNvPr id="1" name=""/>
-        <p:cNvGrpSpPr/>
-        <p:nvPr/>
-      </p:nvGrpSpPr>
-      <p:grpSpPr>
-        <a:xfrm>
-          <a:off x="0" y="0"/>
-          <a:ext cx="0" cy="0"/>
-          <a:chOff x="0" y="0"/>
-          <a:chExt cx="0" cy="0"/>
-        </a:xfrm>
-      </p:grpSpPr>
-      <p:sp>
-        <p:nvSpPr>
-          <p:cNvPr id="2" name="Title 1">
-            <a:extLst>
-              <a:ext uri="{FF2B5EF4-FFF2-40B4-BE49-F238E27FC236}">
-                <a16:creationId xmlns:a16="http://schemas.microsoft.com/office/drawing/2014/main" id="{33AF65A7-995A-9F45-891C-82D9B9D40801}"/>
-              </a:ext>
-            </a:extLst>
-          </p:cNvPr>
-          <p:cNvSpPr>
-            <a:spLocks noGrp="1"/>
-          </p:cNvSpPr>
-          <p:nvPr>
-            <p:ph type="title"/>
-          </p:nvPr>
-        </p:nvSpPr>
-        <p:spPr>
-          <a:xfrm>
-            <a:off x="1889961" y="1791018"/>
-            <a:ext cx="8412079" cy="2810460"/>
-          </a:xfrm>
-        </p:spPr>
-        <p:txBody>
-          <a:bodyPr>
-            <a:normAutofit/>
-          </a:bodyPr>
-          <a:lstStyle/>
-          <a:p>
-            <a:r>
-              <a:rPr lang="en-US" sz="4400" dirty="0"/>
-              <a:t>Business opportunities are like buses. There's always another one coming.</a:t>
-            </a:r>
-          </a:p>
-        </p:txBody>
-      </p:sp>
-      <p:sp>
-        <p:nvSpPr>
-          <p:cNvPr id="13" name="Text Placeholder 5">
-            <a:extLst>
-              <a:ext uri="{FF2B5EF4-FFF2-40B4-BE49-F238E27FC236}">
-                <a16:creationId xmlns:a16="http://schemas.microsoft.com/office/drawing/2014/main" id="{6118A1B7-08BA-6B43-BBA8-952377DF944D}"/>
-              </a:ext>
-            </a:extLst>
-          </p:cNvPr>
-          <p:cNvSpPr>
-            <a:spLocks noGrp="1"/>
-          </p:cNvSpPr>
-          <p:nvPr>
-            <p:ph type="body" sz="quarter" idx="13"/>
-          </p:nvPr>
-        </p:nvSpPr>
-        <p:spPr>
-          <a:xfrm>
-            <a:off x="1502619" y="543354"/>
-            <a:ext cx="1364297" cy="1094521"/>
-          </a:xfrm>
-        </p:spPr>
-        <p:txBody>
-          <a:bodyPr/>
-          <a:lstStyle/>
-          <a:p>
-            <a:r>
-              <a:rPr lang="en-US" dirty="0"/>
-              <a:t>“</a:t>
-            </a:r>
-          </a:p>
-        </p:txBody>
-      </p:sp>
-      <p:sp>
-        <p:nvSpPr>
-          <p:cNvPr id="7" name="Text Placeholder 6">
-            <a:extLst>
-              <a:ext uri="{FF2B5EF4-FFF2-40B4-BE49-F238E27FC236}">
-                <a16:creationId xmlns:a16="http://schemas.microsoft.com/office/drawing/2014/main" id="{E178654B-08C9-4C41-8BEC-DFB720245862}"/>
-              </a:ext>
-            </a:extLst>
-          </p:cNvPr>
-          <p:cNvSpPr>
-            <a:spLocks noGrp="1"/>
-          </p:cNvSpPr>
-          <p:nvPr>
-            <p:ph type="body" sz="quarter" idx="14"/>
-          </p:nvPr>
-        </p:nvSpPr>
-        <p:spPr>
-          <a:xfrm>
-            <a:off x="5556250" y="4574039"/>
-            <a:ext cx="3511550" cy="679450"/>
-          </a:xfrm>
-        </p:spPr>
-        <p:txBody>
-          <a:bodyPr/>
-          <a:lstStyle/>
-          <a:p>
-            <a:r>
-              <a:rPr lang="en-US" dirty="0"/>
-              <a:t>Richard Branson</a:t>
-            </a:r>
-          </a:p>
-          <a:p>
-            <a:endParaRPr lang="en-US" dirty="0"/>
-          </a:p>
-        </p:txBody>
-      </p:sp>
-      <p:sp>
-        <p:nvSpPr>
-          <p:cNvPr id="14" name="Text Placeholder 7">
-            <a:extLst>
-              <a:ext uri="{FF2B5EF4-FFF2-40B4-BE49-F238E27FC236}">
-                <a16:creationId xmlns:a16="http://schemas.microsoft.com/office/drawing/2014/main" id="{A1F17760-D90A-AB46-A4E0-31B2684E3F5E}"/>
-              </a:ext>
-            </a:extLst>
-          </p:cNvPr>
-          <p:cNvSpPr>
-            <a:spLocks noGrp="1"/>
-          </p:cNvSpPr>
-          <p:nvPr>
-            <p:ph type="body" sz="quarter" idx="15"/>
-          </p:nvPr>
-        </p:nvSpPr>
-        <p:spPr>
-          <a:xfrm>
-            <a:off x="9420876" y="3426615"/>
-            <a:ext cx="1364297" cy="1094521"/>
-          </a:xfrm>
-        </p:spPr>
-        <p:txBody>
-          <a:bodyPr/>
-          <a:lstStyle/>
-          <a:p>
-            <a:r>
-              <a:rPr lang="en-US" dirty="0"/>
-              <a:t>”</a:t>
-            </a:r>
-          </a:p>
-        </p:txBody>
-      </p:sp>
-      <p:sp>
-        <p:nvSpPr>
-          <p:cNvPr id="3" name="Date Placeholder 2">
-            <a:extLst>
-              <a:ext uri="{FF2B5EF4-FFF2-40B4-BE49-F238E27FC236}">
-                <a16:creationId xmlns:a16="http://schemas.microsoft.com/office/drawing/2014/main" id="{8D3F7063-A64B-CB42-8BBF-BF52424269A8}"/>
-              </a:ext>
-            </a:extLst>
-          </p:cNvPr>
-          <p:cNvSpPr>
-            <a:spLocks noGrp="1"/>
-          </p:cNvSpPr>
-          <p:nvPr>
-            <p:ph type="dt" sz="half" idx="10"/>
-          </p:nvPr>
-        </p:nvSpPr>
-        <p:spPr/>
-        <p:txBody>
-          <a:bodyPr/>
-          <a:lstStyle/>
-          <a:p>
-            <a:fld id="{4CF75428-5BE0-934D-BB71-675F8E23A386}" type="datetime1">
-              <a:rPr lang="en-US" smtClean="0"/>
-              <a:t>10/20/2022</a:t>
-            </a:fld>
-            <a:endParaRPr lang="en-US" dirty="0"/>
-          </a:p>
-        </p:txBody>
-      </p:sp>
-      <p:sp>
-        <p:nvSpPr>
-          <p:cNvPr id="4" name="Footer Placeholder 3">
-            <a:extLst>
-              <a:ext uri="{FF2B5EF4-FFF2-40B4-BE49-F238E27FC236}">
-                <a16:creationId xmlns:a16="http://schemas.microsoft.com/office/drawing/2014/main" id="{6E4EA976-8646-0143-BA18-8675E6FA5EB7}"/>
-              </a:ext>
-            </a:extLst>
-          </p:cNvPr>
-          <p:cNvSpPr>
-            <a:spLocks noGrp="1"/>
-          </p:cNvSpPr>
-          <p:nvPr>
-            <p:ph type="ftr" sz="quarter" idx="11"/>
-          </p:nvPr>
-        </p:nvSpPr>
-        <p:spPr/>
-        <p:txBody>
-          <a:bodyPr/>
-          <a:lstStyle/>
-          <a:p>
-            <a:r>
-              <a:rPr lang="en-US" dirty="0"/>
-              <a:t>PRESENTATION TITLE</a:t>
-            </a:r>
-          </a:p>
-        </p:txBody>
-      </p:sp>
-      <p:sp>
-        <p:nvSpPr>
-          <p:cNvPr id="5" name="Slide Number Placeholder 4">
-            <a:extLst>
-              <a:ext uri="{FF2B5EF4-FFF2-40B4-BE49-F238E27FC236}">
-                <a16:creationId xmlns:a16="http://schemas.microsoft.com/office/drawing/2014/main" id="{7003A5E2-8F37-D546-BCD9-24A2037BB54D}"/>
-              </a:ext>
-            </a:extLst>
-          </p:cNvPr>
-          <p:cNvSpPr>
-            <a:spLocks noGrp="1"/>
-          </p:cNvSpPr>
-          <p:nvPr>
-            <p:ph type="sldNum" sz="quarter" idx="12"/>
-          </p:nvPr>
-        </p:nvSpPr>
-        <p:spPr/>
-        <p:txBody>
-          <a:bodyPr/>
-          <a:lstStyle/>
-          <a:p>
-            <a:fld id="{294A09A9-5501-47C1-A89A-A340965A2BE2}" type="slidenum">
-              <a:rPr lang="en-US" smtClean="0"/>
-              <a:pPr/>
-              <a:t>11</a:t>
-            </a:fld>
-            <a:endParaRPr lang="en-US" dirty="0"/>
-          </a:p>
-        </p:txBody>
-      </p:sp>
-    </p:spTree>
-    <p:extLst>
-      <p:ext uri="{BB962C8B-B14F-4D97-AF65-F5344CB8AC3E}">
-        <p14:creationId xmlns:p14="http://schemas.microsoft.com/office/powerpoint/2010/main" val="2639983765"/>
-      </p:ext>
-    </p:extLst>
-  </p:cSld>
-  <p:clrMapOvr>
-    <a:masterClrMapping/>
-  </p:clrMapOvr>
-</p:sld>
-</file>
-
-<file path=ppt/slides/slide12.xml><?xml version="1.0" encoding="utf-8"?>
-<p:sld xmlns:a="http://schemas.openxmlformats.org/drawingml/2006/main" xmlns:r="http://schemas.openxmlformats.org/officeDocument/2006/relationships" xmlns:p="http://schemas.openxmlformats.org/presentationml/2006/main" show="0">
-  <p:cSld>
-    <p:spTree>
-      <p:nvGrpSpPr>
-        <p:cNvPr id="1" name=""/>
-        <p:cNvGrpSpPr/>
-        <p:nvPr/>
-      </p:nvGrpSpPr>
-      <p:grpSpPr>
-        <a:xfrm>
-          <a:off x="0" y="0"/>
-          <a:ext cx="0" cy="0"/>
-          <a:chOff x="0" y="0"/>
-          <a:chExt cx="0" cy="0"/>
-        </a:xfrm>
-      </p:grpSpPr>
-      <p:sp>
-        <p:nvSpPr>
-          <p:cNvPr id="2" name="Title 1">
-            <a:extLst>
-              <a:ext uri="{FF2B5EF4-FFF2-40B4-BE49-F238E27FC236}">
-                <a16:creationId xmlns:a16="http://schemas.microsoft.com/office/drawing/2014/main" id="{27A6F7BB-30A8-4980-AD4A-2FB0B53FA6C9}"/>
-              </a:ext>
-            </a:extLst>
-          </p:cNvPr>
-          <p:cNvSpPr>
-            <a:spLocks noGrp="1"/>
-          </p:cNvSpPr>
-          <p:nvPr>
-            <p:ph type="title"/>
-          </p:nvPr>
-        </p:nvSpPr>
-        <p:spPr>
-          <a:xfrm>
-            <a:off x="750430" y="381000"/>
-            <a:ext cx="8401624" cy="1325563"/>
-          </a:xfrm>
-        </p:spPr>
-        <p:txBody>
-          <a:bodyPr/>
-          <a:lstStyle/>
-          <a:p>
-            <a:r>
-              <a:rPr lang="en-US" dirty="0"/>
-              <a:t>Meet our team</a:t>
-            </a:r>
-          </a:p>
-        </p:txBody>
-      </p:sp>
-      <p:pic>
-        <p:nvPicPr>
-          <p:cNvPr id="42" name="Picture Placeholder 15" descr="Team member headshot">
-            <a:extLst>
-              <a:ext uri="{FF2B5EF4-FFF2-40B4-BE49-F238E27FC236}">
-                <a16:creationId xmlns:a16="http://schemas.microsoft.com/office/drawing/2014/main" id="{8BDB1906-FF07-4447-9C68-585F54C5EED2}"/>
-              </a:ext>
-            </a:extLst>
-          </p:cNvPr>
-          <p:cNvPicPr>
-            <a:picLocks noGrp="1" noChangeAspect="1"/>
-          </p:cNvPicPr>
-          <p:nvPr>
-            <p:ph type="pic" sz="quarter" idx="13"/>
-          </p:nvPr>
-        </p:nvPicPr>
-        <p:blipFill rotWithShape="1">
-          <a:blip r:embed="rId2">
-            <a:extLst>
-              <a:ext uri="{28A0092B-C50C-407E-A947-70E740481C1C}">
-                <a14:useLocalDpi xmlns:a14="http://schemas.microsoft.com/office/drawing/2010/main" val="0"/>
-              </a:ext>
-            </a:extLst>
-          </a:blip>
-          <a:srcRect/>
-          <a:stretch/>
-        </p:blipFill>
-        <p:spPr>
-          <a:xfrm>
-            <a:off x="750429" y="2227758"/>
-            <a:ext cx="1200374" cy="1201242"/>
-          </a:xfrm>
-        </p:spPr>
-      </p:pic>
-      <p:sp>
-        <p:nvSpPr>
-          <p:cNvPr id="34" name="Text Placeholder 33">
-            <a:extLst>
-              <a:ext uri="{FF2B5EF4-FFF2-40B4-BE49-F238E27FC236}">
-                <a16:creationId xmlns:a16="http://schemas.microsoft.com/office/drawing/2014/main" id="{C1C92E27-D550-F44E-8491-927F819E72B8}"/>
-              </a:ext>
-            </a:extLst>
-          </p:cNvPr>
-          <p:cNvSpPr>
-            <a:spLocks noGrp="1"/>
-          </p:cNvSpPr>
-          <p:nvPr>
-            <p:ph type="body" sz="quarter" idx="17"/>
-          </p:nvPr>
-        </p:nvSpPr>
-        <p:spPr>
-          <a:xfrm>
-            <a:off x="2123351" y="2426400"/>
-            <a:ext cx="2281237" cy="347662"/>
-          </a:xfrm>
-        </p:spPr>
-        <p:txBody>
-          <a:bodyPr/>
-          <a:lstStyle/>
-          <a:p>
-            <a:r>
-              <a:rPr lang="en-US" dirty="0"/>
-              <a:t>Takuma Hayashi</a:t>
-            </a:r>
-          </a:p>
-        </p:txBody>
-      </p:sp>
-      <p:sp>
-        <p:nvSpPr>
-          <p:cNvPr id="35" name="Text Placeholder 34">
-            <a:extLst>
-              <a:ext uri="{FF2B5EF4-FFF2-40B4-BE49-F238E27FC236}">
-                <a16:creationId xmlns:a16="http://schemas.microsoft.com/office/drawing/2014/main" id="{7D722C50-45F7-D84B-B216-568F72D66349}"/>
-              </a:ext>
-            </a:extLst>
-          </p:cNvPr>
-          <p:cNvSpPr>
-            <a:spLocks noGrp="1"/>
-          </p:cNvSpPr>
-          <p:nvPr>
-            <p:ph type="body" sz="quarter" idx="18"/>
-          </p:nvPr>
-        </p:nvSpPr>
-        <p:spPr>
-          <a:xfrm>
-            <a:off x="2123350" y="2811646"/>
-            <a:ext cx="2281237" cy="347662"/>
-          </a:xfrm>
-        </p:spPr>
-        <p:txBody>
-          <a:bodyPr/>
-          <a:lstStyle/>
-          <a:p>
-            <a:r>
-              <a:rPr lang="en-US" dirty="0"/>
-              <a:t>President</a:t>
-            </a:r>
-          </a:p>
-        </p:txBody>
-      </p:sp>
-      <p:pic>
-        <p:nvPicPr>
-          <p:cNvPr id="43" name="Picture Placeholder 17" descr="Team member headshot">
-            <a:extLst>
-              <a:ext uri="{FF2B5EF4-FFF2-40B4-BE49-F238E27FC236}">
-                <a16:creationId xmlns:a16="http://schemas.microsoft.com/office/drawing/2014/main" id="{A82F6AEE-FCBF-0245-BB71-E76973B3A97D}"/>
-              </a:ext>
-            </a:extLst>
-          </p:cNvPr>
-          <p:cNvPicPr>
-            <a:picLocks noGrp="1" noChangeAspect="1"/>
-          </p:cNvPicPr>
-          <p:nvPr>
-            <p:ph type="pic" sz="quarter" idx="14"/>
-          </p:nvPr>
-        </p:nvPicPr>
-        <p:blipFill rotWithShape="1">
-          <a:blip r:embed="rId3">
-            <a:extLst>
-              <a:ext uri="{28A0092B-C50C-407E-A947-70E740481C1C}">
-                <a14:useLocalDpi xmlns:a14="http://schemas.microsoft.com/office/drawing/2010/main" val="0"/>
-              </a:ext>
-            </a:extLst>
-          </a:blip>
-          <a:srcRect/>
-          <a:stretch/>
-        </p:blipFill>
-        <p:spPr>
-          <a:xfrm>
-            <a:off x="5495813" y="2227758"/>
-            <a:ext cx="1200374" cy="1201242"/>
-          </a:xfrm>
-        </p:spPr>
-      </p:pic>
-      <p:sp>
-        <p:nvSpPr>
-          <p:cNvPr id="36" name="Text Placeholder 35">
-            <a:extLst>
-              <a:ext uri="{FF2B5EF4-FFF2-40B4-BE49-F238E27FC236}">
-                <a16:creationId xmlns:a16="http://schemas.microsoft.com/office/drawing/2014/main" id="{176187A9-3EBE-F64D-AE99-021BB3767F90}"/>
-              </a:ext>
-            </a:extLst>
-          </p:cNvPr>
-          <p:cNvSpPr>
-            <a:spLocks noGrp="1"/>
-          </p:cNvSpPr>
-          <p:nvPr>
-            <p:ph type="body" sz="quarter" idx="19"/>
-          </p:nvPr>
-        </p:nvSpPr>
-        <p:spPr>
-          <a:xfrm>
-            <a:off x="6870817" y="2422565"/>
-            <a:ext cx="2281237" cy="347662"/>
-          </a:xfrm>
-        </p:spPr>
-        <p:txBody>
-          <a:bodyPr/>
-          <a:lstStyle/>
-          <a:p>
-            <a:r>
-              <a:rPr lang="en-US" dirty="0"/>
-              <a:t>Mirjam Nilsson</a:t>
-            </a:r>
-          </a:p>
-        </p:txBody>
-      </p:sp>
-      <p:sp>
-        <p:nvSpPr>
-          <p:cNvPr id="37" name="Text Placeholder 36">
-            <a:extLst>
-              <a:ext uri="{FF2B5EF4-FFF2-40B4-BE49-F238E27FC236}">
-                <a16:creationId xmlns:a16="http://schemas.microsoft.com/office/drawing/2014/main" id="{7990731F-95DE-4F44-8EA0-E275CEAFD8A2}"/>
-              </a:ext>
-            </a:extLst>
-          </p:cNvPr>
-          <p:cNvSpPr>
-            <a:spLocks noGrp="1"/>
-          </p:cNvSpPr>
-          <p:nvPr>
-            <p:ph type="body" sz="quarter" idx="20"/>
-          </p:nvPr>
-        </p:nvSpPr>
-        <p:spPr>
-          <a:xfrm>
-            <a:off x="6870816" y="2807811"/>
-            <a:ext cx="2281237" cy="347662"/>
-          </a:xfrm>
-        </p:spPr>
-        <p:txBody>
-          <a:bodyPr/>
-          <a:lstStyle/>
-          <a:p>
-            <a:r>
-              <a:rPr lang="en-US" dirty="0"/>
-              <a:t>Chief Executive Officer</a:t>
-            </a:r>
-          </a:p>
-        </p:txBody>
-      </p:sp>
-      <p:pic>
-        <p:nvPicPr>
-          <p:cNvPr id="44" name="Picture Placeholder 19" descr="Team member headshot">
-            <a:extLst>
-              <a:ext uri="{FF2B5EF4-FFF2-40B4-BE49-F238E27FC236}">
-                <a16:creationId xmlns:a16="http://schemas.microsoft.com/office/drawing/2014/main" id="{C99B7845-619A-9F40-A5C3-4C122626044D}"/>
-              </a:ext>
-            </a:extLst>
-          </p:cNvPr>
-          <p:cNvPicPr>
-            <a:picLocks noGrp="1" noChangeAspect="1"/>
-          </p:cNvPicPr>
-          <p:nvPr>
-            <p:ph type="pic" sz="quarter" idx="15"/>
-          </p:nvPr>
-        </p:nvPicPr>
-        <p:blipFill rotWithShape="1">
-          <a:blip r:embed="rId4">
-            <a:extLst>
-              <a:ext uri="{28A0092B-C50C-407E-A947-70E740481C1C}">
-                <a14:useLocalDpi xmlns:a14="http://schemas.microsoft.com/office/drawing/2010/main" val="0"/>
-              </a:ext>
-            </a:extLst>
-          </a:blip>
-          <a:srcRect/>
-          <a:stretch/>
-        </p:blipFill>
-        <p:spPr>
-          <a:xfrm>
-            <a:off x="750429" y="4254273"/>
-            <a:ext cx="1200374" cy="1201242"/>
-          </a:xfrm>
-        </p:spPr>
-      </p:pic>
-      <p:sp>
-        <p:nvSpPr>
-          <p:cNvPr id="38" name="Text Placeholder 37">
-            <a:extLst>
-              <a:ext uri="{FF2B5EF4-FFF2-40B4-BE49-F238E27FC236}">
-                <a16:creationId xmlns:a16="http://schemas.microsoft.com/office/drawing/2014/main" id="{5B19EE51-628F-CA4E-94B0-57E9ACA1446A}"/>
-              </a:ext>
-            </a:extLst>
-          </p:cNvPr>
-          <p:cNvSpPr>
-            <a:spLocks noGrp="1"/>
-          </p:cNvSpPr>
-          <p:nvPr>
-            <p:ph type="body" sz="quarter" idx="21"/>
-          </p:nvPr>
-        </p:nvSpPr>
-        <p:spPr>
-          <a:xfrm>
-            <a:off x="2123351" y="4498793"/>
-            <a:ext cx="2281237" cy="347662"/>
-          </a:xfrm>
-        </p:spPr>
-        <p:txBody>
-          <a:bodyPr/>
-          <a:lstStyle/>
-          <a:p>
-            <a:r>
-              <a:rPr lang="en-US" dirty="0"/>
-              <a:t>Flora Berggren</a:t>
-            </a:r>
-          </a:p>
-        </p:txBody>
-      </p:sp>
-      <p:sp>
-        <p:nvSpPr>
-          <p:cNvPr id="39" name="Text Placeholder 38">
-            <a:extLst>
-              <a:ext uri="{FF2B5EF4-FFF2-40B4-BE49-F238E27FC236}">
-                <a16:creationId xmlns:a16="http://schemas.microsoft.com/office/drawing/2014/main" id="{2A6ACC78-74DF-604E-BD14-4BBE7B4EEF5B}"/>
-              </a:ext>
-            </a:extLst>
-          </p:cNvPr>
-          <p:cNvSpPr>
-            <a:spLocks noGrp="1"/>
-          </p:cNvSpPr>
-          <p:nvPr>
-            <p:ph type="body" sz="quarter" idx="22"/>
-          </p:nvPr>
-        </p:nvSpPr>
-        <p:spPr>
-          <a:xfrm>
-            <a:off x="2123350" y="4884039"/>
-            <a:ext cx="2281237" cy="347662"/>
-          </a:xfrm>
-        </p:spPr>
-        <p:txBody>
-          <a:bodyPr/>
-          <a:lstStyle/>
-          <a:p>
-            <a:r>
-              <a:rPr lang="en-US" dirty="0"/>
-              <a:t>Chief Operation Officer</a:t>
-            </a:r>
-          </a:p>
-        </p:txBody>
-      </p:sp>
-      <p:pic>
-        <p:nvPicPr>
-          <p:cNvPr id="45" name="Picture Placeholder 21" descr="Team member headshot">
-            <a:extLst>
-              <a:ext uri="{FF2B5EF4-FFF2-40B4-BE49-F238E27FC236}">
-                <a16:creationId xmlns:a16="http://schemas.microsoft.com/office/drawing/2014/main" id="{647F7FB2-8714-6449-A700-2E1B81F9DFB7}"/>
-              </a:ext>
-            </a:extLst>
-          </p:cNvPr>
-          <p:cNvPicPr>
-            <a:picLocks noGrp="1" noChangeAspect="1"/>
-          </p:cNvPicPr>
-          <p:nvPr>
-            <p:ph type="pic" sz="quarter" idx="16"/>
-          </p:nvPr>
-        </p:nvPicPr>
-        <p:blipFill rotWithShape="1">
-          <a:blip r:embed="rId5">
-            <a:extLst>
-              <a:ext uri="{28A0092B-C50C-407E-A947-70E740481C1C}">
-                <a14:useLocalDpi xmlns:a14="http://schemas.microsoft.com/office/drawing/2010/main" val="0"/>
-              </a:ext>
-            </a:extLst>
-          </a:blip>
-          <a:srcRect/>
-          <a:stretch/>
-        </p:blipFill>
-        <p:spPr>
-          <a:xfrm>
-            <a:off x="5495813" y="4254273"/>
-            <a:ext cx="1200374" cy="1201242"/>
-          </a:xfrm>
-        </p:spPr>
-      </p:pic>
-      <p:sp>
-        <p:nvSpPr>
-          <p:cNvPr id="40" name="Text Placeholder 39">
-            <a:extLst>
-              <a:ext uri="{FF2B5EF4-FFF2-40B4-BE49-F238E27FC236}">
-                <a16:creationId xmlns:a16="http://schemas.microsoft.com/office/drawing/2014/main" id="{9DC429C0-1DEB-1F4F-AE66-C503B31B7B48}"/>
-              </a:ext>
-            </a:extLst>
-          </p:cNvPr>
-          <p:cNvSpPr>
-            <a:spLocks noGrp="1"/>
-          </p:cNvSpPr>
-          <p:nvPr>
-            <p:ph type="body" sz="quarter" idx="23"/>
-          </p:nvPr>
-        </p:nvSpPr>
-        <p:spPr>
-          <a:xfrm>
-            <a:off x="6870817" y="4498793"/>
-            <a:ext cx="2281237" cy="347662"/>
-          </a:xfrm>
-        </p:spPr>
-        <p:txBody>
-          <a:bodyPr/>
-          <a:lstStyle/>
-          <a:p>
-            <a:r>
-              <a:rPr lang="en-US" dirty="0"/>
-              <a:t>Rajesh Santoshi</a:t>
-            </a:r>
-          </a:p>
-        </p:txBody>
-      </p:sp>
-      <p:sp>
-        <p:nvSpPr>
-          <p:cNvPr id="41" name="Text Placeholder 40">
-            <a:extLst>
-              <a:ext uri="{FF2B5EF4-FFF2-40B4-BE49-F238E27FC236}">
-                <a16:creationId xmlns:a16="http://schemas.microsoft.com/office/drawing/2014/main" id="{31C0CCD4-2502-A14F-B520-7B57524EDF8E}"/>
-              </a:ext>
-            </a:extLst>
-          </p:cNvPr>
-          <p:cNvSpPr>
-            <a:spLocks noGrp="1"/>
-          </p:cNvSpPr>
-          <p:nvPr>
-            <p:ph type="body" sz="quarter" idx="24"/>
-          </p:nvPr>
-        </p:nvSpPr>
-        <p:spPr>
-          <a:xfrm>
-            <a:off x="6870816" y="4884039"/>
-            <a:ext cx="2281237" cy="347662"/>
-          </a:xfrm>
-        </p:spPr>
-        <p:txBody>
-          <a:bodyPr/>
-          <a:lstStyle/>
-          <a:p>
-            <a:r>
-              <a:rPr lang="en-US" dirty="0"/>
-              <a:t>VP Marketing</a:t>
-            </a:r>
-          </a:p>
-        </p:txBody>
-      </p:sp>
-      <p:sp>
-        <p:nvSpPr>
-          <p:cNvPr id="3" name="Date Placeholder 2">
-            <a:extLst>
-              <a:ext uri="{FF2B5EF4-FFF2-40B4-BE49-F238E27FC236}">
-                <a16:creationId xmlns:a16="http://schemas.microsoft.com/office/drawing/2014/main" id="{7517F12A-7304-B447-BEB8-A99EA8009F15}"/>
-              </a:ext>
-            </a:extLst>
-          </p:cNvPr>
-          <p:cNvSpPr>
-            <a:spLocks noGrp="1"/>
-          </p:cNvSpPr>
-          <p:nvPr>
-            <p:ph type="dt" sz="half" idx="10"/>
-          </p:nvPr>
-        </p:nvSpPr>
-        <p:spPr>
-          <a:xfrm>
-            <a:off x="381000" y="6356350"/>
-            <a:ext cx="1569803" cy="365125"/>
-          </a:xfrm>
-        </p:spPr>
-        <p:txBody>
-          <a:bodyPr/>
-          <a:lstStyle/>
-          <a:p>
-            <a:fld id="{F742F39E-1B75-804F-BDAE-BCC03958AB94}" type="datetime1">
-              <a:rPr lang="en-US" smtClean="0"/>
-              <a:pPr/>
-              <a:t>10/20/2022</a:t>
-            </a:fld>
-            <a:endParaRPr lang="en-US" dirty="0"/>
-          </a:p>
-        </p:txBody>
-      </p:sp>
-      <p:sp>
-        <p:nvSpPr>
-          <p:cNvPr id="4" name="Footer Placeholder 3">
-            <a:extLst>
-              <a:ext uri="{FF2B5EF4-FFF2-40B4-BE49-F238E27FC236}">
-                <a16:creationId xmlns:a16="http://schemas.microsoft.com/office/drawing/2014/main" id="{BCF90246-DFB2-A340-AADC-E85D28C31B3E}"/>
-              </a:ext>
-            </a:extLst>
-          </p:cNvPr>
-          <p:cNvSpPr>
-            <a:spLocks noGrp="1"/>
-          </p:cNvSpPr>
-          <p:nvPr>
-            <p:ph type="ftr" sz="quarter" idx="11"/>
-          </p:nvPr>
-        </p:nvSpPr>
-        <p:spPr>
-          <a:xfrm>
-            <a:off x="2871106" y="6356350"/>
-            <a:ext cx="4114800" cy="365125"/>
-          </a:xfrm>
-        </p:spPr>
-        <p:txBody>
-          <a:bodyPr/>
-          <a:lstStyle/>
-          <a:p>
-            <a:r>
-              <a:rPr lang="en-US" dirty="0"/>
-              <a:t>PRESENTATION TITLE</a:t>
-            </a:r>
-          </a:p>
-        </p:txBody>
-      </p:sp>
-      <p:sp>
-        <p:nvSpPr>
-          <p:cNvPr id="5" name="Slide Number Placeholder 4">
-            <a:extLst>
-              <a:ext uri="{FF2B5EF4-FFF2-40B4-BE49-F238E27FC236}">
-                <a16:creationId xmlns:a16="http://schemas.microsoft.com/office/drawing/2014/main" id="{987CCF58-9B83-4A4F-8CA9-3D9C9BB7A287}"/>
-              </a:ext>
-            </a:extLst>
-          </p:cNvPr>
-          <p:cNvSpPr>
-            <a:spLocks noGrp="1"/>
-          </p:cNvSpPr>
-          <p:nvPr>
-            <p:ph type="sldNum" sz="quarter" idx="12"/>
-          </p:nvPr>
-        </p:nvSpPr>
-        <p:spPr>
-          <a:xfrm>
-            <a:off x="8332334" y="6356350"/>
-            <a:ext cx="1167495" cy="365125"/>
-          </a:xfrm>
-        </p:spPr>
-        <p:txBody>
-          <a:bodyPr/>
-          <a:lstStyle/>
-          <a:p>
-            <a:fld id="{294A09A9-5501-47C1-A89A-A340965A2BE2}" type="slidenum">
-              <a:rPr lang="en-US" smtClean="0"/>
-              <a:pPr/>
-              <a:t>12</a:t>
-            </a:fld>
-            <a:endParaRPr lang="en-US" dirty="0"/>
-          </a:p>
-        </p:txBody>
-      </p:sp>
-    </p:spTree>
-    <p:extLst>
-      <p:ext uri="{BB962C8B-B14F-4D97-AF65-F5344CB8AC3E}">
-        <p14:creationId xmlns:p14="http://schemas.microsoft.com/office/powerpoint/2010/main" val="3335690284"/>
       </p:ext>
     </p:extLst>
   </p:cSld>
@@ -25727,7 +24952,7 @@
           <p:cNvPr id="2" name="Title 1">
             <a:extLst>
               <a:ext uri="{FF2B5EF4-FFF2-40B4-BE49-F238E27FC236}">
-                <a16:creationId xmlns:a16="http://schemas.microsoft.com/office/drawing/2014/main" id="{27A6F7BB-30A8-4980-AD4A-2FB0B53FA6C9}"/>
+                <a16:creationId xmlns:a16="http://schemas.microsoft.com/office/drawing/2014/main" id="{33AF65A7-995A-9F45-891C-82D9B9D40801}"/>
               </a:ext>
             </a:extLst>
           </p:cNvPr>
@@ -25740,8 +24965,43 @@
         </p:nvSpPr>
         <p:spPr>
           <a:xfrm>
-            <a:off x="750430" y="381000"/>
-            <a:ext cx="10678142" cy="1325563"/>
+            <a:off x="1889961" y="1791018"/>
+            <a:ext cx="8412079" cy="2810460"/>
+          </a:xfrm>
+        </p:spPr>
+        <p:txBody>
+          <a:bodyPr>
+            <a:normAutofit/>
+          </a:bodyPr>
+          <a:lstStyle/>
+          <a:p>
+            <a:r>
+              <a:rPr lang="en-US" sz="4400" dirty="0"/>
+              <a:t>Business opportunities are like buses. There's always another one coming.</a:t>
+            </a:r>
+          </a:p>
+        </p:txBody>
+      </p:sp>
+      <p:sp>
+        <p:nvSpPr>
+          <p:cNvPr id="13" name="Text Placeholder 5">
+            <a:extLst>
+              <a:ext uri="{FF2B5EF4-FFF2-40B4-BE49-F238E27FC236}">
+                <a16:creationId xmlns:a16="http://schemas.microsoft.com/office/drawing/2014/main" id="{6118A1B7-08BA-6B43-BBA8-952377DF944D}"/>
+              </a:ext>
+            </a:extLst>
+          </p:cNvPr>
+          <p:cNvSpPr>
+            <a:spLocks noGrp="1"/>
+          </p:cNvSpPr>
+          <p:nvPr>
+            <p:ph type="body" sz="quarter" idx="13"/>
+          </p:nvPr>
+        </p:nvSpPr>
+        <p:spPr>
+          <a:xfrm>
+            <a:off x="1502619" y="543354"/>
+            <a:ext cx="1364297" cy="1094521"/>
           </a:xfrm>
         </p:spPr>
         <p:txBody>
@@ -25750,51 +25010,17 @@
           <a:p>
             <a:r>
               <a:rPr lang="en-US" dirty="0"/>
-              <a:t>The full team</a:t>
+              <a:t>“</a:t>
             </a:r>
           </a:p>
         </p:txBody>
       </p:sp>
-      <p:pic>
-        <p:nvPicPr>
-          <p:cNvPr id="61" name="Picture Placeholder 21" descr="Team member headshot">
-            <a:extLst>
-              <a:ext uri="{FF2B5EF4-FFF2-40B4-BE49-F238E27FC236}">
-                <a16:creationId xmlns:a16="http://schemas.microsoft.com/office/drawing/2014/main" id="{E64AEA23-99EE-8546-A59A-590923ADA6CA}"/>
-              </a:ext>
-            </a:extLst>
-          </p:cNvPr>
-          <p:cNvPicPr>
-            <a:picLocks noGrp="1" noChangeAspect="1"/>
-          </p:cNvPicPr>
-          <p:nvPr>
-            <p:ph type="pic" sz="quarter" idx="13"/>
-          </p:nvPr>
-        </p:nvPicPr>
-        <p:blipFill rotWithShape="1">
-          <a:blip r:embed="rId2">
-            <a:extLst>
-              <a:ext uri="{28A0092B-C50C-407E-A947-70E740481C1C}">
-                <a14:useLocalDpi xmlns:a14="http://schemas.microsoft.com/office/drawing/2010/main" val="0"/>
-              </a:ext>
-            </a:extLst>
-          </a:blip>
-          <a:srcRect/>
-          <a:stretch/>
-        </p:blipFill>
-        <p:spPr>
-          <a:xfrm>
-            <a:off x="750429" y="2068734"/>
-            <a:ext cx="904987" cy="905641"/>
-          </a:xfrm>
-        </p:spPr>
-      </p:pic>
       <p:sp>
         <p:nvSpPr>
           <p:cNvPr id="7" name="Text Placeholder 6">
             <a:extLst>
               <a:ext uri="{FF2B5EF4-FFF2-40B4-BE49-F238E27FC236}">
-                <a16:creationId xmlns:a16="http://schemas.microsoft.com/office/drawing/2014/main" id="{ACC180CB-0C9D-0441-A2D3-F4EDC5DB9741}"/>
+                <a16:creationId xmlns:a16="http://schemas.microsoft.com/office/drawing/2014/main" id="{E178654B-08C9-4C41-8BEC-DFB720245862}"/>
               </a:ext>
             </a:extLst>
           </p:cNvPr>
@@ -25802,13 +25028,13 @@
             <a:spLocks noGrp="1"/>
           </p:cNvSpPr>
           <p:nvPr>
-            <p:ph type="body" sz="quarter" idx="17"/>
+            <p:ph type="body" sz="quarter" idx="14"/>
           </p:nvPr>
         </p:nvSpPr>
         <p:spPr>
           <a:xfrm>
-            <a:off x="750430" y="2994545"/>
-            <a:ext cx="2281237" cy="347662"/>
+            <a:off x="5556250" y="4574039"/>
+            <a:ext cx="3511550" cy="679450"/>
           </a:xfrm>
         </p:spPr>
         <p:txBody>
@@ -25817,17 +25043,20 @@
           <a:p>
             <a:r>
               <a:rPr lang="en-US" dirty="0"/>
-              <a:t>Takuma Hayashi</a:t>
+              <a:t>Richard Branson</a:t>
             </a:r>
+          </a:p>
+          <a:p>
+            <a:endParaRPr lang="en-US" dirty="0"/>
           </a:p>
         </p:txBody>
       </p:sp>
       <p:sp>
         <p:nvSpPr>
-          <p:cNvPr id="8" name="Text Placeholder 7">
+          <p:cNvPr id="14" name="Text Placeholder 7">
             <a:extLst>
               <a:ext uri="{FF2B5EF4-FFF2-40B4-BE49-F238E27FC236}">
-                <a16:creationId xmlns:a16="http://schemas.microsoft.com/office/drawing/2014/main" id="{44627161-B78C-7646-8E85-99BD47FE64E0}"/>
+                <a16:creationId xmlns:a16="http://schemas.microsoft.com/office/drawing/2014/main" id="{A1F17760-D90A-AB46-A4E0-31B2684E3F5E}"/>
               </a:ext>
             </a:extLst>
           </p:cNvPr>
@@ -25835,13 +25064,13 @@
             <a:spLocks noGrp="1"/>
           </p:cNvSpPr>
           <p:nvPr>
-            <p:ph type="body" sz="quarter" idx="18"/>
+            <p:ph type="body" sz="quarter" idx="15"/>
           </p:nvPr>
         </p:nvSpPr>
         <p:spPr>
           <a:xfrm>
-            <a:off x="750429" y="3379791"/>
-            <a:ext cx="2281237" cy="347662"/>
+            <a:off x="9420876" y="3426615"/>
+            <a:ext cx="1364297" cy="1094521"/>
           </a:xfrm>
         </p:spPr>
         <p:txBody>
@@ -25850,51 +25079,17 @@
           <a:p>
             <a:r>
               <a:rPr lang="en-US" dirty="0"/>
-              <a:t>President</a:t>
+              <a:t>”</a:t>
             </a:r>
           </a:p>
         </p:txBody>
       </p:sp>
-      <p:pic>
-        <p:nvPicPr>
-          <p:cNvPr id="62" name="Picture Placeholder 50" descr="Team member headshot">
-            <a:extLst>
-              <a:ext uri="{FF2B5EF4-FFF2-40B4-BE49-F238E27FC236}">
-                <a16:creationId xmlns:a16="http://schemas.microsoft.com/office/drawing/2014/main" id="{C17F05A5-CE13-1545-943B-E3644258662F}"/>
-              </a:ext>
-            </a:extLst>
-          </p:cNvPr>
-          <p:cNvPicPr>
-            <a:picLocks noGrp="1" noChangeAspect="1"/>
-          </p:cNvPicPr>
-          <p:nvPr>
-            <p:ph type="pic" sz="quarter" idx="28"/>
-          </p:nvPr>
-        </p:nvPicPr>
-        <p:blipFill rotWithShape="1">
-          <a:blip r:embed="rId3">
-            <a:extLst>
-              <a:ext uri="{28A0092B-C50C-407E-A947-70E740481C1C}">
-                <a14:useLocalDpi xmlns:a14="http://schemas.microsoft.com/office/drawing/2010/main" val="0"/>
-              </a:ext>
-            </a:extLst>
-          </a:blip>
-          <a:srcRect/>
-          <a:stretch/>
-        </p:blipFill>
-        <p:spPr>
-          <a:xfrm>
-            <a:off x="3549397" y="2068734"/>
-            <a:ext cx="904987" cy="905641"/>
-          </a:xfrm>
-        </p:spPr>
-      </p:pic>
       <p:sp>
         <p:nvSpPr>
-          <p:cNvPr id="12" name="Text Placeholder 11">
+          <p:cNvPr id="3" name="Date Placeholder 2">
             <a:extLst>
               <a:ext uri="{FF2B5EF4-FFF2-40B4-BE49-F238E27FC236}">
-                <a16:creationId xmlns:a16="http://schemas.microsoft.com/office/drawing/2014/main" id="{E88BDBE3-DBB3-9040-95AC-86789B700450}"/>
+                <a16:creationId xmlns:a16="http://schemas.microsoft.com/office/drawing/2014/main" id="{8D3F7063-A64B-CB42-8BBF-BF52424269A8}"/>
               </a:ext>
             </a:extLst>
           </p:cNvPr>
@@ -25902,32 +25097,28 @@
             <a:spLocks noGrp="1"/>
           </p:cNvSpPr>
           <p:nvPr>
-            <p:ph type="body" sz="quarter" idx="29"/>
+            <p:ph type="dt" sz="half" idx="10"/>
           </p:nvPr>
         </p:nvSpPr>
-        <p:spPr>
-          <a:xfrm>
-            <a:off x="3549398" y="2994545"/>
-            <a:ext cx="2281237" cy="347662"/>
-          </a:xfrm>
-        </p:spPr>
+        <p:spPr/>
         <p:txBody>
           <a:bodyPr/>
           <a:lstStyle/>
           <a:p>
-            <a:r>
-              <a:rPr lang="en-US" dirty="0"/>
-              <a:t>Mirjam Nilsson</a:t>
-            </a:r>
+            <a:fld id="{4CF75428-5BE0-934D-BB71-675F8E23A386}" type="datetime1">
+              <a:rPr lang="en-US" smtClean="0"/>
+              <a:t>10/25/2022</a:t>
+            </a:fld>
+            <a:endParaRPr lang="en-US" dirty="0"/>
           </a:p>
         </p:txBody>
       </p:sp>
       <p:sp>
         <p:nvSpPr>
-          <p:cNvPr id="13" name="Text Placeholder 12">
+          <p:cNvPr id="4" name="Footer Placeholder 3">
             <a:extLst>
               <a:ext uri="{FF2B5EF4-FFF2-40B4-BE49-F238E27FC236}">
-                <a16:creationId xmlns:a16="http://schemas.microsoft.com/office/drawing/2014/main" id="{D0969AD2-8004-9B40-90B0-0EBD95268B5A}"/>
+                <a16:creationId xmlns:a16="http://schemas.microsoft.com/office/drawing/2014/main" id="{6E4EA976-8646-0143-BA18-8675E6FA5EB7}"/>
               </a:ext>
             </a:extLst>
           </p:cNvPr>
@@ -25935,66 +25126,27 @@
             <a:spLocks noGrp="1"/>
           </p:cNvSpPr>
           <p:nvPr>
-            <p:ph type="body" sz="quarter" idx="30"/>
+            <p:ph type="ftr" sz="quarter" idx="11"/>
           </p:nvPr>
         </p:nvSpPr>
-        <p:spPr>
-          <a:xfrm>
-            <a:off x="3549397" y="3379791"/>
-            <a:ext cx="2281237" cy="347662"/>
-          </a:xfrm>
-        </p:spPr>
+        <p:spPr/>
         <p:txBody>
           <a:bodyPr/>
           <a:lstStyle/>
           <a:p>
             <a:r>
               <a:rPr lang="en-US" dirty="0"/>
-              <a:t>Chief Executive Officer</a:t>
+              <a:t>PRESENTATION TITLE</a:t>
             </a:r>
           </a:p>
         </p:txBody>
       </p:sp>
-      <p:pic>
-        <p:nvPicPr>
-          <p:cNvPr id="63" name="Picture Placeholder 17" descr="Team member headshot">
-            <a:extLst>
-              <a:ext uri="{FF2B5EF4-FFF2-40B4-BE49-F238E27FC236}">
-                <a16:creationId xmlns:a16="http://schemas.microsoft.com/office/drawing/2014/main" id="{F3C0B2AF-2268-AE4E-BACC-9FF64E86564C}"/>
-              </a:ext>
-            </a:extLst>
-          </p:cNvPr>
-          <p:cNvPicPr>
-            <a:picLocks noGrp="1" noChangeAspect="1"/>
-          </p:cNvPicPr>
-          <p:nvPr>
-            <p:ph type="pic" sz="quarter" idx="31"/>
-          </p:nvPr>
-        </p:nvPicPr>
-        <p:blipFill rotWithShape="1">
-          <a:blip r:embed="rId4">
-            <a:extLst>
-              <a:ext uri="{28A0092B-C50C-407E-A947-70E740481C1C}">
-                <a14:useLocalDpi xmlns:a14="http://schemas.microsoft.com/office/drawing/2010/main" val="0"/>
-              </a:ext>
-            </a:extLst>
-          </a:blip>
-          <a:srcRect/>
-          <a:stretch/>
-        </p:blipFill>
-        <p:spPr>
-          <a:xfrm>
-            <a:off x="6348367" y="2068734"/>
-            <a:ext cx="904987" cy="905641"/>
-          </a:xfrm>
-        </p:spPr>
-      </p:pic>
       <p:sp>
         <p:nvSpPr>
-          <p:cNvPr id="15" name="Text Placeholder 14">
+          <p:cNvPr id="5" name="Slide Number Placeholder 4">
             <a:extLst>
               <a:ext uri="{FF2B5EF4-FFF2-40B4-BE49-F238E27FC236}">
-                <a16:creationId xmlns:a16="http://schemas.microsoft.com/office/drawing/2014/main" id="{02C30DA5-B4D3-C343-8FEC-D62948BDA920}"/>
+                <a16:creationId xmlns:a16="http://schemas.microsoft.com/office/drawing/2014/main" id="{7003A5E2-8F37-D546-BCD9-24A2037BB54D}"/>
               </a:ext>
             </a:extLst>
           </p:cNvPr>
@@ -26002,649 +25154,10 @@
             <a:spLocks noGrp="1"/>
           </p:cNvSpPr>
           <p:nvPr>
-            <p:ph type="body" sz="quarter" idx="32"/>
+            <p:ph type="sldNum" sz="quarter" idx="12"/>
           </p:nvPr>
         </p:nvSpPr>
-        <p:spPr>
-          <a:xfrm>
-            <a:off x="6348368" y="2994545"/>
-            <a:ext cx="2281237" cy="347662"/>
-          </a:xfrm>
-        </p:spPr>
-        <p:txBody>
-          <a:bodyPr/>
-          <a:lstStyle/>
-          <a:p>
-            <a:r>
-              <a:rPr lang="en-US" dirty="0"/>
-              <a:t>Flora Berggren</a:t>
-            </a:r>
-          </a:p>
-        </p:txBody>
-      </p:sp>
-      <p:sp>
-        <p:nvSpPr>
-          <p:cNvPr id="16" name="Text Placeholder 15">
-            <a:extLst>
-              <a:ext uri="{FF2B5EF4-FFF2-40B4-BE49-F238E27FC236}">
-                <a16:creationId xmlns:a16="http://schemas.microsoft.com/office/drawing/2014/main" id="{CD202676-78EE-3240-950B-84A1520E27EE}"/>
-              </a:ext>
-            </a:extLst>
-          </p:cNvPr>
-          <p:cNvSpPr>
-            <a:spLocks noGrp="1"/>
-          </p:cNvSpPr>
-          <p:nvPr>
-            <p:ph type="body" sz="quarter" idx="33"/>
-          </p:nvPr>
-        </p:nvSpPr>
-        <p:spPr>
-          <a:xfrm>
-            <a:off x="6348367" y="3379791"/>
-            <a:ext cx="2281237" cy="347662"/>
-          </a:xfrm>
-        </p:spPr>
-        <p:txBody>
-          <a:bodyPr/>
-          <a:lstStyle/>
-          <a:p>
-            <a:r>
-              <a:rPr lang="en-US" dirty="0"/>
-              <a:t>Chief Operations Manager</a:t>
-            </a:r>
-          </a:p>
-        </p:txBody>
-      </p:sp>
-      <p:pic>
-        <p:nvPicPr>
-          <p:cNvPr id="64" name="Picture Placeholder 19" descr="Team member headshot">
-            <a:extLst>
-              <a:ext uri="{FF2B5EF4-FFF2-40B4-BE49-F238E27FC236}">
-                <a16:creationId xmlns:a16="http://schemas.microsoft.com/office/drawing/2014/main" id="{F2FCDCCE-6383-4047-9485-41AA1E24E8E2}"/>
-              </a:ext>
-            </a:extLst>
-          </p:cNvPr>
-          <p:cNvPicPr>
-            <a:picLocks noGrp="1" noChangeAspect="1"/>
-          </p:cNvPicPr>
-          <p:nvPr>
-            <p:ph type="pic" sz="quarter" idx="34"/>
-          </p:nvPr>
-        </p:nvPicPr>
-        <p:blipFill rotWithShape="1">
-          <a:blip r:embed="rId5">
-            <a:extLst>
-              <a:ext uri="{28A0092B-C50C-407E-A947-70E740481C1C}">
-                <a14:useLocalDpi xmlns:a14="http://schemas.microsoft.com/office/drawing/2010/main" val="0"/>
-              </a:ext>
-            </a:extLst>
-          </a:blip>
-          <a:srcRect/>
-          <a:stretch/>
-        </p:blipFill>
-        <p:spPr>
-          <a:xfrm>
-            <a:off x="9147335" y="2068734"/>
-            <a:ext cx="904987" cy="905641"/>
-          </a:xfrm>
-        </p:spPr>
-      </p:pic>
-      <p:sp>
-        <p:nvSpPr>
-          <p:cNvPr id="18" name="Text Placeholder 17">
-            <a:extLst>
-              <a:ext uri="{FF2B5EF4-FFF2-40B4-BE49-F238E27FC236}">
-                <a16:creationId xmlns:a16="http://schemas.microsoft.com/office/drawing/2014/main" id="{7C503641-A7D5-AD48-A486-CD57C1620326}"/>
-              </a:ext>
-            </a:extLst>
-          </p:cNvPr>
-          <p:cNvSpPr>
-            <a:spLocks noGrp="1"/>
-          </p:cNvSpPr>
-          <p:nvPr>
-            <p:ph type="body" sz="quarter" idx="35"/>
-          </p:nvPr>
-        </p:nvSpPr>
-        <p:spPr>
-          <a:xfrm>
-            <a:off x="9147336" y="2994545"/>
-            <a:ext cx="2281237" cy="347662"/>
-          </a:xfrm>
-        </p:spPr>
-        <p:txBody>
-          <a:bodyPr/>
-          <a:lstStyle/>
-          <a:p>
-            <a:r>
-              <a:rPr lang="en-US" dirty="0"/>
-              <a:t>Rajesh Santoshi</a:t>
-            </a:r>
-          </a:p>
-        </p:txBody>
-      </p:sp>
-      <p:sp>
-        <p:nvSpPr>
-          <p:cNvPr id="19" name="Text Placeholder 18">
-            <a:extLst>
-              <a:ext uri="{FF2B5EF4-FFF2-40B4-BE49-F238E27FC236}">
-                <a16:creationId xmlns:a16="http://schemas.microsoft.com/office/drawing/2014/main" id="{BBEE7C7B-4D43-1342-88B5-B6F833D51AE8}"/>
-              </a:ext>
-            </a:extLst>
-          </p:cNvPr>
-          <p:cNvSpPr>
-            <a:spLocks noGrp="1"/>
-          </p:cNvSpPr>
-          <p:nvPr>
-            <p:ph type="body" sz="quarter" idx="36"/>
-          </p:nvPr>
-        </p:nvSpPr>
-        <p:spPr>
-          <a:xfrm>
-            <a:off x="9147335" y="3379791"/>
-            <a:ext cx="2281237" cy="347662"/>
-          </a:xfrm>
-        </p:spPr>
-        <p:txBody>
-          <a:bodyPr/>
-          <a:lstStyle/>
-          <a:p>
-            <a:r>
-              <a:rPr lang="en-US" dirty="0"/>
-              <a:t>VP Marketing</a:t>
-            </a:r>
-          </a:p>
-        </p:txBody>
-      </p:sp>
-      <p:pic>
-        <p:nvPicPr>
-          <p:cNvPr id="65" name="Picture Placeholder 15" descr="Team member headshot">
-            <a:extLst>
-              <a:ext uri="{FF2B5EF4-FFF2-40B4-BE49-F238E27FC236}">
-                <a16:creationId xmlns:a16="http://schemas.microsoft.com/office/drawing/2014/main" id="{1A89579F-2EA4-E049-9B78-D2237993CDAB}"/>
-              </a:ext>
-            </a:extLst>
-          </p:cNvPr>
-          <p:cNvPicPr>
-            <a:picLocks noGrp="1" noChangeAspect="1"/>
-          </p:cNvPicPr>
-          <p:nvPr>
-            <p:ph type="pic" sz="quarter" idx="37"/>
-          </p:nvPr>
-        </p:nvPicPr>
-        <p:blipFill rotWithShape="1">
-          <a:blip r:embed="rId6">
-            <a:extLst>
-              <a:ext uri="{28A0092B-C50C-407E-A947-70E740481C1C}">
-                <a14:useLocalDpi xmlns:a14="http://schemas.microsoft.com/office/drawing/2010/main" val="0"/>
-              </a:ext>
-            </a:extLst>
-          </a:blip>
-          <a:srcRect/>
-          <a:stretch/>
-        </p:blipFill>
-        <p:spPr>
-          <a:xfrm>
-            <a:off x="750429" y="4118551"/>
-            <a:ext cx="904987" cy="905641"/>
-          </a:xfrm>
-        </p:spPr>
-      </p:pic>
-      <p:sp>
-        <p:nvSpPr>
-          <p:cNvPr id="21" name="Text Placeholder 20">
-            <a:extLst>
-              <a:ext uri="{FF2B5EF4-FFF2-40B4-BE49-F238E27FC236}">
-                <a16:creationId xmlns:a16="http://schemas.microsoft.com/office/drawing/2014/main" id="{F8C89E42-8364-1040-9DF6-7305561F98D7}"/>
-              </a:ext>
-            </a:extLst>
-          </p:cNvPr>
-          <p:cNvSpPr>
-            <a:spLocks noGrp="1"/>
-          </p:cNvSpPr>
-          <p:nvPr>
-            <p:ph type="body" sz="quarter" idx="38"/>
-          </p:nvPr>
-        </p:nvSpPr>
-        <p:spPr>
-          <a:xfrm>
-            <a:off x="750430" y="5044362"/>
-            <a:ext cx="2281237" cy="347662"/>
-          </a:xfrm>
-        </p:spPr>
-        <p:txBody>
-          <a:bodyPr/>
-          <a:lstStyle/>
-          <a:p>
-            <a:r>
-              <a:rPr lang="en-US" dirty="0"/>
-              <a:t>Graham Barnes</a:t>
-            </a:r>
-          </a:p>
-        </p:txBody>
-      </p:sp>
-      <p:sp>
-        <p:nvSpPr>
-          <p:cNvPr id="22" name="Text Placeholder 21">
-            <a:extLst>
-              <a:ext uri="{FF2B5EF4-FFF2-40B4-BE49-F238E27FC236}">
-                <a16:creationId xmlns:a16="http://schemas.microsoft.com/office/drawing/2014/main" id="{B05EDAD8-33DD-0B49-9FA0-360E67ED9B6A}"/>
-              </a:ext>
-            </a:extLst>
-          </p:cNvPr>
-          <p:cNvSpPr>
-            <a:spLocks noGrp="1"/>
-          </p:cNvSpPr>
-          <p:nvPr>
-            <p:ph type="body" sz="quarter" idx="39"/>
-          </p:nvPr>
-        </p:nvSpPr>
-        <p:spPr>
-          <a:xfrm>
-            <a:off x="750429" y="5429608"/>
-            <a:ext cx="2281237" cy="347662"/>
-          </a:xfrm>
-        </p:spPr>
-        <p:txBody>
-          <a:bodyPr/>
-          <a:lstStyle/>
-          <a:p>
-            <a:r>
-              <a:rPr lang="en-US" dirty="0"/>
-              <a:t>VP Product</a:t>
-            </a:r>
-          </a:p>
-        </p:txBody>
-      </p:sp>
-      <p:pic>
-        <p:nvPicPr>
-          <p:cNvPr id="66" name="Picture Placeholder 48" descr="Team member headshot">
-            <a:extLst>
-              <a:ext uri="{FF2B5EF4-FFF2-40B4-BE49-F238E27FC236}">
-                <a16:creationId xmlns:a16="http://schemas.microsoft.com/office/drawing/2014/main" id="{4E145096-B7BF-9C4C-97FA-308F61FE406A}"/>
-              </a:ext>
-            </a:extLst>
-          </p:cNvPr>
-          <p:cNvPicPr>
-            <a:picLocks noGrp="1" noChangeAspect="1"/>
-          </p:cNvPicPr>
-          <p:nvPr>
-            <p:ph type="pic" sz="quarter" idx="40"/>
-          </p:nvPr>
-        </p:nvPicPr>
-        <p:blipFill rotWithShape="1">
-          <a:blip r:embed="rId7">
-            <a:extLst>
-              <a:ext uri="{28A0092B-C50C-407E-A947-70E740481C1C}">
-                <a14:useLocalDpi xmlns:a14="http://schemas.microsoft.com/office/drawing/2010/main" val="0"/>
-              </a:ext>
-            </a:extLst>
-          </a:blip>
-          <a:srcRect/>
-          <a:stretch/>
-        </p:blipFill>
-        <p:spPr>
-          <a:xfrm>
-            <a:off x="3549397" y="4118551"/>
-            <a:ext cx="904987" cy="905641"/>
-          </a:xfrm>
-        </p:spPr>
-      </p:pic>
-      <p:sp>
-        <p:nvSpPr>
-          <p:cNvPr id="24" name="Text Placeholder 23">
-            <a:extLst>
-              <a:ext uri="{FF2B5EF4-FFF2-40B4-BE49-F238E27FC236}">
-                <a16:creationId xmlns:a16="http://schemas.microsoft.com/office/drawing/2014/main" id="{9B1711A4-C7D5-8D4D-82CD-4FBE8CC7FFE7}"/>
-              </a:ext>
-            </a:extLst>
-          </p:cNvPr>
-          <p:cNvSpPr>
-            <a:spLocks noGrp="1"/>
-          </p:cNvSpPr>
-          <p:nvPr>
-            <p:ph type="body" sz="quarter" idx="41"/>
-          </p:nvPr>
-        </p:nvSpPr>
-        <p:spPr>
-          <a:xfrm>
-            <a:off x="3549398" y="5044362"/>
-            <a:ext cx="2281237" cy="347662"/>
-          </a:xfrm>
-        </p:spPr>
-        <p:txBody>
-          <a:bodyPr/>
-          <a:lstStyle/>
-          <a:p>
-            <a:r>
-              <a:rPr lang="en-US" dirty="0"/>
-              <a:t>Rowan Murphy</a:t>
-            </a:r>
-          </a:p>
-        </p:txBody>
-      </p:sp>
-      <p:sp>
-        <p:nvSpPr>
-          <p:cNvPr id="25" name="Text Placeholder 24">
-            <a:extLst>
-              <a:ext uri="{FF2B5EF4-FFF2-40B4-BE49-F238E27FC236}">
-                <a16:creationId xmlns:a16="http://schemas.microsoft.com/office/drawing/2014/main" id="{1D585144-668F-6141-B4A4-98C6E14ACA71}"/>
-              </a:ext>
-            </a:extLst>
-          </p:cNvPr>
-          <p:cNvSpPr>
-            <a:spLocks noGrp="1"/>
-          </p:cNvSpPr>
-          <p:nvPr>
-            <p:ph type="body" sz="quarter" idx="42"/>
-          </p:nvPr>
-        </p:nvSpPr>
-        <p:spPr>
-          <a:xfrm>
-            <a:off x="3549397" y="5429608"/>
-            <a:ext cx="2281237" cy="347662"/>
-          </a:xfrm>
-        </p:spPr>
-        <p:txBody>
-          <a:bodyPr/>
-          <a:lstStyle/>
-          <a:p>
-            <a:r>
-              <a:rPr lang="en-US" dirty="0"/>
-              <a:t>SEO Strategist</a:t>
-            </a:r>
-          </a:p>
-        </p:txBody>
-      </p:sp>
-      <p:pic>
-        <p:nvPicPr>
-          <p:cNvPr id="67" name="Picture Placeholder 52" descr="Team member headshot">
-            <a:extLst>
-              <a:ext uri="{FF2B5EF4-FFF2-40B4-BE49-F238E27FC236}">
-                <a16:creationId xmlns:a16="http://schemas.microsoft.com/office/drawing/2014/main" id="{25B94F1A-D947-AF4E-BC9D-9B02C4E4EB30}"/>
-              </a:ext>
-            </a:extLst>
-          </p:cNvPr>
-          <p:cNvPicPr>
-            <a:picLocks noGrp="1" noChangeAspect="1"/>
-          </p:cNvPicPr>
-          <p:nvPr>
-            <p:ph type="pic" sz="quarter" idx="43"/>
-          </p:nvPr>
-        </p:nvPicPr>
-        <p:blipFill rotWithShape="1">
-          <a:blip r:embed="rId8">
-            <a:extLst>
-              <a:ext uri="{28A0092B-C50C-407E-A947-70E740481C1C}">
-                <a14:useLocalDpi xmlns:a14="http://schemas.microsoft.com/office/drawing/2010/main" val="0"/>
-              </a:ext>
-            </a:extLst>
-          </a:blip>
-          <a:srcRect/>
-          <a:stretch/>
-        </p:blipFill>
-        <p:spPr>
-          <a:xfrm>
-            <a:off x="6348367" y="4118551"/>
-            <a:ext cx="904987" cy="905641"/>
-          </a:xfrm>
-        </p:spPr>
-      </p:pic>
-      <p:sp>
-        <p:nvSpPr>
-          <p:cNvPr id="27" name="Text Placeholder 26">
-            <a:extLst>
-              <a:ext uri="{FF2B5EF4-FFF2-40B4-BE49-F238E27FC236}">
-                <a16:creationId xmlns:a16="http://schemas.microsoft.com/office/drawing/2014/main" id="{C63E461E-3AFB-0843-B481-D906526D48B2}"/>
-              </a:ext>
-            </a:extLst>
-          </p:cNvPr>
-          <p:cNvSpPr>
-            <a:spLocks noGrp="1"/>
-          </p:cNvSpPr>
-          <p:nvPr>
-            <p:ph type="body" sz="quarter" idx="44"/>
-          </p:nvPr>
-        </p:nvSpPr>
-        <p:spPr>
-          <a:xfrm>
-            <a:off x="6348368" y="5044362"/>
-            <a:ext cx="2281237" cy="347662"/>
-          </a:xfrm>
-        </p:spPr>
-        <p:txBody>
-          <a:bodyPr/>
-          <a:lstStyle/>
-          <a:p>
-            <a:r>
-              <a:rPr lang="en-US" dirty="0"/>
-              <a:t>Elizabeth Moore</a:t>
-            </a:r>
-          </a:p>
-        </p:txBody>
-      </p:sp>
-      <p:sp>
-        <p:nvSpPr>
-          <p:cNvPr id="28" name="Text Placeholder 27">
-            <a:extLst>
-              <a:ext uri="{FF2B5EF4-FFF2-40B4-BE49-F238E27FC236}">
-                <a16:creationId xmlns:a16="http://schemas.microsoft.com/office/drawing/2014/main" id="{83F586E4-67FA-B94C-AF67-F2E5E6E54157}"/>
-              </a:ext>
-            </a:extLst>
-          </p:cNvPr>
-          <p:cNvSpPr>
-            <a:spLocks noGrp="1"/>
-          </p:cNvSpPr>
-          <p:nvPr>
-            <p:ph type="body" sz="quarter" idx="45"/>
-          </p:nvPr>
-        </p:nvSpPr>
-        <p:spPr>
-          <a:xfrm>
-            <a:off x="6348367" y="5429608"/>
-            <a:ext cx="2281237" cy="347662"/>
-          </a:xfrm>
-        </p:spPr>
-        <p:txBody>
-          <a:bodyPr/>
-          <a:lstStyle/>
-          <a:p>
-            <a:r>
-              <a:rPr lang="en-US" dirty="0"/>
-              <a:t>Product Designer</a:t>
-            </a:r>
-          </a:p>
-        </p:txBody>
-      </p:sp>
-      <p:pic>
-        <p:nvPicPr>
-          <p:cNvPr id="68" name="Picture Placeholder 54" descr="Team member headshot">
-            <a:extLst>
-              <a:ext uri="{FF2B5EF4-FFF2-40B4-BE49-F238E27FC236}">
-                <a16:creationId xmlns:a16="http://schemas.microsoft.com/office/drawing/2014/main" id="{7E3F00C5-0B4F-FE4F-9561-1EB505B31873}"/>
-              </a:ext>
-            </a:extLst>
-          </p:cNvPr>
-          <p:cNvPicPr>
-            <a:picLocks noGrp="1" noChangeAspect="1"/>
-          </p:cNvPicPr>
-          <p:nvPr>
-            <p:ph type="pic" sz="quarter" idx="46"/>
-          </p:nvPr>
-        </p:nvPicPr>
-        <p:blipFill rotWithShape="1">
-          <a:blip r:embed="rId9">
-            <a:extLst>
-              <a:ext uri="{28A0092B-C50C-407E-A947-70E740481C1C}">
-                <a14:useLocalDpi xmlns:a14="http://schemas.microsoft.com/office/drawing/2010/main" val="0"/>
-              </a:ext>
-            </a:extLst>
-          </a:blip>
-          <a:srcRect/>
-          <a:stretch/>
-        </p:blipFill>
-        <p:spPr>
-          <a:xfrm>
-            <a:off x="9147335" y="4118551"/>
-            <a:ext cx="904987" cy="905641"/>
-          </a:xfrm>
-        </p:spPr>
-      </p:pic>
-      <p:sp>
-        <p:nvSpPr>
-          <p:cNvPr id="36" name="Text Placeholder 35">
-            <a:extLst>
-              <a:ext uri="{FF2B5EF4-FFF2-40B4-BE49-F238E27FC236}">
-                <a16:creationId xmlns:a16="http://schemas.microsoft.com/office/drawing/2014/main" id="{875B85E2-950C-CB45-A7F7-DE257EA20BB3}"/>
-              </a:ext>
-            </a:extLst>
-          </p:cNvPr>
-          <p:cNvSpPr>
-            <a:spLocks noGrp="1"/>
-          </p:cNvSpPr>
-          <p:nvPr>
-            <p:ph type="body" sz="quarter" idx="47"/>
-          </p:nvPr>
-        </p:nvSpPr>
-        <p:spPr>
-          <a:xfrm>
-            <a:off x="9147336" y="5044362"/>
-            <a:ext cx="2281237" cy="347662"/>
-          </a:xfrm>
-        </p:spPr>
-        <p:txBody>
-          <a:bodyPr/>
-          <a:lstStyle/>
-          <a:p>
-            <a:r>
-              <a:rPr lang="en-US" dirty="0"/>
-              <a:t>Robin Kline</a:t>
-            </a:r>
-          </a:p>
-        </p:txBody>
-      </p:sp>
-      <p:sp>
-        <p:nvSpPr>
-          <p:cNvPr id="37" name="Text Placeholder 36">
-            <a:extLst>
-              <a:ext uri="{FF2B5EF4-FFF2-40B4-BE49-F238E27FC236}">
-                <a16:creationId xmlns:a16="http://schemas.microsoft.com/office/drawing/2014/main" id="{FC8EFF8B-CC40-9646-AAFC-092814DA02AD}"/>
-              </a:ext>
-            </a:extLst>
-          </p:cNvPr>
-          <p:cNvSpPr>
-            <a:spLocks noGrp="1"/>
-          </p:cNvSpPr>
-          <p:nvPr>
-            <p:ph type="body" sz="quarter" idx="48"/>
-          </p:nvPr>
-        </p:nvSpPr>
-        <p:spPr>
-          <a:xfrm>
-            <a:off x="9147335" y="5429608"/>
-            <a:ext cx="2281237" cy="347662"/>
-          </a:xfrm>
-        </p:spPr>
-        <p:txBody>
-          <a:bodyPr/>
-          <a:lstStyle/>
-          <a:p>
-            <a:r>
-              <a:rPr lang="en-US" dirty="0"/>
-              <a:t>Content Developer</a:t>
-            </a:r>
-          </a:p>
-        </p:txBody>
-      </p:sp>
-      <p:sp>
-        <p:nvSpPr>
-          <p:cNvPr id="3" name="Date Placeholder 2">
-            <a:extLst>
-              <a:ext uri="{FF2B5EF4-FFF2-40B4-BE49-F238E27FC236}">
-                <a16:creationId xmlns:a16="http://schemas.microsoft.com/office/drawing/2014/main" id="{DF3B501F-5E7A-5D46-8856-A27912A21D96}"/>
-              </a:ext>
-            </a:extLst>
-          </p:cNvPr>
-          <p:cNvSpPr>
-            <a:spLocks noGrp="1"/>
-          </p:cNvSpPr>
-          <p:nvPr>
-            <p:ph type="dt" sz="half" idx="25"/>
-          </p:nvPr>
-        </p:nvSpPr>
-        <p:spPr>
-          <a:xfrm>
-            <a:off x="381000" y="6356350"/>
-            <a:ext cx="2743200" cy="365125"/>
-          </a:xfrm>
-        </p:spPr>
-        <p:txBody>
-          <a:bodyPr/>
-          <a:lstStyle/>
-          <a:p>
-            <a:fld id="{52D104B6-D63E-FE41-98E2-AF7FB6EA6483}" type="datetime1">
-              <a:rPr lang="en-US" smtClean="0"/>
-              <a:pPr/>
-              <a:t>10/20/2022</a:t>
-            </a:fld>
-            <a:endParaRPr lang="en-US" dirty="0"/>
-          </a:p>
-        </p:txBody>
-      </p:sp>
-      <p:sp>
-        <p:nvSpPr>
-          <p:cNvPr id="4" name="Footer Placeholder 3">
-            <a:extLst>
-              <a:ext uri="{FF2B5EF4-FFF2-40B4-BE49-F238E27FC236}">
-                <a16:creationId xmlns:a16="http://schemas.microsoft.com/office/drawing/2014/main" id="{E9CE3E8F-3700-FE42-BA65-89071D20A786}"/>
-              </a:ext>
-            </a:extLst>
-          </p:cNvPr>
-          <p:cNvSpPr>
-            <a:spLocks noGrp="1"/>
-          </p:cNvSpPr>
-          <p:nvPr>
-            <p:ph type="ftr" sz="quarter" idx="26"/>
-          </p:nvPr>
-        </p:nvSpPr>
-        <p:spPr>
-          <a:xfrm>
-            <a:off x="4038600" y="6356350"/>
-            <a:ext cx="4114800" cy="365125"/>
-          </a:xfrm>
-        </p:spPr>
-        <p:txBody>
-          <a:bodyPr/>
-          <a:lstStyle/>
-          <a:p>
-            <a:r>
-              <a:rPr lang="en-US" dirty="0"/>
-              <a:t>PRESENTATION TITLE</a:t>
-            </a:r>
-          </a:p>
-        </p:txBody>
-      </p:sp>
-      <p:sp>
-        <p:nvSpPr>
-          <p:cNvPr id="5" name="Slide Number Placeholder 4">
-            <a:extLst>
-              <a:ext uri="{FF2B5EF4-FFF2-40B4-BE49-F238E27FC236}">
-                <a16:creationId xmlns:a16="http://schemas.microsoft.com/office/drawing/2014/main" id="{352A2850-23AF-A249-8907-5DAF2E2D2269}"/>
-              </a:ext>
-            </a:extLst>
-          </p:cNvPr>
-          <p:cNvSpPr>
-            <a:spLocks noGrp="1"/>
-          </p:cNvSpPr>
-          <p:nvPr>
-            <p:ph type="sldNum" sz="quarter" idx="27"/>
-          </p:nvPr>
-        </p:nvSpPr>
-        <p:spPr>
-          <a:xfrm>
-            <a:off x="9067800" y="6356350"/>
-            <a:ext cx="2743200" cy="365125"/>
-          </a:xfrm>
-        </p:spPr>
+        <p:spPr/>
         <p:txBody>
           <a:bodyPr/>
           <a:lstStyle/>
@@ -26661,7 +25174,7 @@
     </p:spTree>
     <p:extLst>
       <p:ext uri="{BB962C8B-B14F-4D97-AF65-F5344CB8AC3E}">
-        <p14:creationId xmlns:p14="http://schemas.microsoft.com/office/powerpoint/2010/main" val="3396266754"/>
+        <p14:creationId xmlns:p14="http://schemas.microsoft.com/office/powerpoint/2010/main" val="2639983765"/>
       </p:ext>
     </p:extLst>
   </p:cSld>
@@ -26693,7 +25206,7 @@
           <p:cNvPr id="2" name="Title 1">
             <a:extLst>
               <a:ext uri="{FF2B5EF4-FFF2-40B4-BE49-F238E27FC236}">
-                <a16:creationId xmlns:a16="http://schemas.microsoft.com/office/drawing/2014/main" id="{DD0B6389-2374-4677-B8BB-59410CCC32FD}"/>
+                <a16:creationId xmlns:a16="http://schemas.microsoft.com/office/drawing/2014/main" id="{27A6F7BB-30A8-4980-AD4A-2FB0B53FA6C9}"/>
               </a:ext>
             </a:extLst>
           </p:cNvPr>
@@ -26706,254 +25219,417 @@
         </p:nvSpPr>
         <p:spPr>
           <a:xfrm>
-            <a:off x="1167492" y="381000"/>
-            <a:ext cx="9779183" cy="1325563"/>
+            <a:off x="750430" y="381000"/>
+            <a:ext cx="8401624" cy="1325563"/>
           </a:xfrm>
         </p:spPr>
         <p:txBody>
-          <a:bodyPr>
-            <a:normAutofit/>
-          </a:bodyPr>
+          <a:bodyPr/>
           <a:lstStyle/>
           <a:p>
             <a:r>
               <a:rPr lang="en-US" dirty="0"/>
-              <a:t>Plan for product launch </a:t>
+              <a:t>Meet our team</a:t>
             </a:r>
           </a:p>
         </p:txBody>
       </p:sp>
-      <p:graphicFrame>
-        <p:nvGraphicFramePr>
-          <p:cNvPr id="6" name="Content Placeholder 3" descr="Timeline Placeholder ">
+      <p:pic>
+        <p:nvPicPr>
+          <p:cNvPr id="42" name="Picture Placeholder 15" descr="Team member headshot">
             <a:extLst>
               <a:ext uri="{FF2B5EF4-FFF2-40B4-BE49-F238E27FC236}">
-                <a16:creationId xmlns:a16="http://schemas.microsoft.com/office/drawing/2014/main" id="{85168BDF-A0D9-4916-A9F9-41D8175A703C}"/>
+                <a16:creationId xmlns:a16="http://schemas.microsoft.com/office/drawing/2014/main" id="{8BDB1906-FF07-4447-9C68-585F54C5EED2}"/>
               </a:ext>
             </a:extLst>
           </p:cNvPr>
-          <p:cNvGraphicFramePr>
-            <a:graphicFrameLocks noGrp="1" noChangeAspect="1"/>
-          </p:cNvGraphicFramePr>
+          <p:cNvPicPr>
+            <a:picLocks noGrp="1" noChangeAspect="1"/>
+          </p:cNvPicPr>
           <p:nvPr>
-            <p:extLst>
-              <p:ext uri="{D42A27DB-BD31-4B8C-83A1-F6EECF244321}">
-                <p14:modId xmlns:p14="http://schemas.microsoft.com/office/powerpoint/2010/main" val="2447468529"/>
-              </p:ext>
-            </p:extLst>
+            <p:ph type="pic" sz="quarter" idx="13"/>
           </p:nvPr>
-        </p:nvGraphicFramePr>
-        <p:xfrm>
-          <a:off x="1251312" y="2082555"/>
-          <a:ext cx="9689375" cy="3940870"/>
-        </p:xfrm>
-        <a:graphic>
-          <a:graphicData uri="http://schemas.openxmlformats.org/drawingml/2006/diagram">
-            <dgm:relIds xmlns:dgm="http://schemas.openxmlformats.org/drawingml/2006/diagram" xmlns:r="http://schemas.openxmlformats.org/officeDocument/2006/relationships" r:dm="rId2" r:lo="rId3" r:qs="rId4" r:cs="rId5"/>
-          </a:graphicData>
-        </a:graphic>
-      </p:graphicFrame>
+        </p:nvPicPr>
+        <p:blipFill rotWithShape="1">
+          <a:blip r:embed="rId2">
+            <a:extLst>
+              <a:ext uri="{28A0092B-C50C-407E-A947-70E740481C1C}">
+                <a14:useLocalDpi xmlns:a14="http://schemas.microsoft.com/office/drawing/2010/main" val="0"/>
+              </a:ext>
+            </a:extLst>
+          </a:blip>
+          <a:srcRect/>
+          <a:stretch/>
+        </p:blipFill>
+        <p:spPr>
+          <a:xfrm>
+            <a:off x="750429" y="2227758"/>
+            <a:ext cx="1200374" cy="1201242"/>
+          </a:xfrm>
+        </p:spPr>
+      </p:pic>
       <p:sp>
         <p:nvSpPr>
-          <p:cNvPr id="4" name="TextBox 3">
+          <p:cNvPr id="34" name="Text Placeholder 33">
             <a:extLst>
               <a:ext uri="{FF2B5EF4-FFF2-40B4-BE49-F238E27FC236}">
-                <a16:creationId xmlns:a16="http://schemas.microsoft.com/office/drawing/2014/main" id="{9C0179B5-0800-154F-80F6-614473C055BD}"/>
+                <a16:creationId xmlns:a16="http://schemas.microsoft.com/office/drawing/2014/main" id="{C1C92E27-D550-F44E-8491-927F819E72B8}"/>
               </a:ext>
             </a:extLst>
           </p:cNvPr>
-          <p:cNvSpPr txBox="1"/>
-          <p:nvPr/>
+          <p:cNvSpPr>
+            <a:spLocks noGrp="1"/>
+          </p:cNvSpPr>
+          <p:nvPr>
+            <p:ph type="body" sz="quarter" idx="17"/>
+          </p:nvPr>
         </p:nvSpPr>
         <p:spPr>
           <a:xfrm>
-            <a:off x="2042809" y="2674641"/>
-            <a:ext cx="350196" cy="646331"/>
+            <a:off x="2123351" y="2426400"/>
+            <a:ext cx="2281237" cy="347662"/>
           </a:xfrm>
-          <a:prstGeom prst="rect">
-            <a:avLst/>
-          </a:prstGeom>
-          <a:noFill/>
         </p:spPr>
         <p:txBody>
-          <a:bodyPr wrap="square" rtlCol="0">
-            <a:spAutoFit/>
-          </a:bodyPr>
+          <a:bodyPr/>
           <a:lstStyle/>
           <a:p>
-            <a:pPr algn="ctr"/>
             <a:r>
-              <a:rPr lang="en-US" sz="3600" b="1" dirty="0">
-                <a:solidFill>
-                  <a:schemeClr val="bg1"/>
-                </a:solidFill>
-                <a:latin typeface="Tenorite" pitchFamily="2" charset="0"/>
-              </a:rPr>
-              <a:t>1</a:t>
+              <a:rPr lang="en-US" dirty="0"/>
+              <a:t>Takuma Hayashi</a:t>
             </a:r>
           </a:p>
         </p:txBody>
       </p:sp>
       <p:sp>
         <p:nvSpPr>
-          <p:cNvPr id="7" name="TextBox 6">
+          <p:cNvPr id="35" name="Text Placeholder 34">
             <a:extLst>
               <a:ext uri="{FF2B5EF4-FFF2-40B4-BE49-F238E27FC236}">
-                <a16:creationId xmlns:a16="http://schemas.microsoft.com/office/drawing/2014/main" id="{B468C313-80C0-8840-8702-F1084174C592}"/>
+                <a16:creationId xmlns:a16="http://schemas.microsoft.com/office/drawing/2014/main" id="{7D722C50-45F7-D84B-B216-568F72D66349}"/>
               </a:ext>
             </a:extLst>
           </p:cNvPr>
-          <p:cNvSpPr txBox="1"/>
-          <p:nvPr/>
+          <p:cNvSpPr>
+            <a:spLocks noGrp="1"/>
+          </p:cNvSpPr>
+          <p:nvPr>
+            <p:ph type="body" sz="quarter" idx="18"/>
+          </p:nvPr>
         </p:nvSpPr>
         <p:spPr>
           <a:xfrm>
-            <a:off x="4002238" y="2674641"/>
-            <a:ext cx="350196" cy="646331"/>
+            <a:off x="2123350" y="2811646"/>
+            <a:ext cx="2281237" cy="347662"/>
           </a:xfrm>
-          <a:prstGeom prst="rect">
-            <a:avLst/>
-          </a:prstGeom>
-          <a:noFill/>
         </p:spPr>
         <p:txBody>
-          <a:bodyPr wrap="square" rtlCol="0">
-            <a:spAutoFit/>
-          </a:bodyPr>
+          <a:bodyPr/>
           <a:lstStyle/>
           <a:p>
-            <a:pPr algn="ctr"/>
             <a:r>
-              <a:rPr lang="en-US" sz="3600" b="1" dirty="0">
-                <a:solidFill>
-                  <a:schemeClr val="bg1"/>
-                </a:solidFill>
-                <a:latin typeface="Tenorite" pitchFamily="2" charset="0"/>
-              </a:rPr>
-              <a:t>2</a:t>
+              <a:rPr lang="en-US" dirty="0"/>
+              <a:t>President</a:t>
+            </a:r>
+          </a:p>
+        </p:txBody>
+      </p:sp>
+      <p:pic>
+        <p:nvPicPr>
+          <p:cNvPr id="43" name="Picture Placeholder 17" descr="Team member headshot">
+            <a:extLst>
+              <a:ext uri="{FF2B5EF4-FFF2-40B4-BE49-F238E27FC236}">
+                <a16:creationId xmlns:a16="http://schemas.microsoft.com/office/drawing/2014/main" id="{A82F6AEE-FCBF-0245-BB71-E76973B3A97D}"/>
+              </a:ext>
+            </a:extLst>
+          </p:cNvPr>
+          <p:cNvPicPr>
+            <a:picLocks noGrp="1" noChangeAspect="1"/>
+          </p:cNvPicPr>
+          <p:nvPr>
+            <p:ph type="pic" sz="quarter" idx="14"/>
+          </p:nvPr>
+        </p:nvPicPr>
+        <p:blipFill rotWithShape="1">
+          <a:blip r:embed="rId3">
+            <a:extLst>
+              <a:ext uri="{28A0092B-C50C-407E-A947-70E740481C1C}">
+                <a14:useLocalDpi xmlns:a14="http://schemas.microsoft.com/office/drawing/2010/main" val="0"/>
+              </a:ext>
+            </a:extLst>
+          </a:blip>
+          <a:srcRect/>
+          <a:stretch/>
+        </p:blipFill>
+        <p:spPr>
+          <a:xfrm>
+            <a:off x="5495813" y="2227758"/>
+            <a:ext cx="1200374" cy="1201242"/>
+          </a:xfrm>
+        </p:spPr>
+      </p:pic>
+      <p:sp>
+        <p:nvSpPr>
+          <p:cNvPr id="36" name="Text Placeholder 35">
+            <a:extLst>
+              <a:ext uri="{FF2B5EF4-FFF2-40B4-BE49-F238E27FC236}">
+                <a16:creationId xmlns:a16="http://schemas.microsoft.com/office/drawing/2014/main" id="{176187A9-3EBE-F64D-AE99-021BB3767F90}"/>
+              </a:ext>
+            </a:extLst>
+          </p:cNvPr>
+          <p:cNvSpPr>
+            <a:spLocks noGrp="1"/>
+          </p:cNvSpPr>
+          <p:nvPr>
+            <p:ph type="body" sz="quarter" idx="19"/>
+          </p:nvPr>
+        </p:nvSpPr>
+        <p:spPr>
+          <a:xfrm>
+            <a:off x="6870817" y="2422565"/>
+            <a:ext cx="2281237" cy="347662"/>
+          </a:xfrm>
+        </p:spPr>
+        <p:txBody>
+          <a:bodyPr/>
+          <a:lstStyle/>
+          <a:p>
+            <a:r>
+              <a:rPr lang="en-US" dirty="0"/>
+              <a:t>Mirjam Nilsson</a:t>
             </a:r>
           </a:p>
         </p:txBody>
       </p:sp>
       <p:sp>
         <p:nvSpPr>
-          <p:cNvPr id="8" name="TextBox 7">
+          <p:cNvPr id="37" name="Text Placeholder 36">
             <a:extLst>
               <a:ext uri="{FF2B5EF4-FFF2-40B4-BE49-F238E27FC236}">
-                <a16:creationId xmlns:a16="http://schemas.microsoft.com/office/drawing/2014/main" id="{4E863C6B-1856-BC43-A090-B182EAB34EB8}"/>
+                <a16:creationId xmlns:a16="http://schemas.microsoft.com/office/drawing/2014/main" id="{7990731F-95DE-4F44-8EA0-E275CEAFD8A2}"/>
               </a:ext>
             </a:extLst>
           </p:cNvPr>
-          <p:cNvSpPr txBox="1"/>
-          <p:nvPr/>
+          <p:cNvSpPr>
+            <a:spLocks noGrp="1"/>
+          </p:cNvSpPr>
+          <p:nvPr>
+            <p:ph type="body" sz="quarter" idx="20"/>
+          </p:nvPr>
         </p:nvSpPr>
         <p:spPr>
           <a:xfrm>
-            <a:off x="5932638" y="2674641"/>
-            <a:ext cx="350196" cy="646331"/>
+            <a:off x="6870816" y="2807811"/>
+            <a:ext cx="2281237" cy="347662"/>
           </a:xfrm>
-          <a:prstGeom prst="rect">
-            <a:avLst/>
-          </a:prstGeom>
-          <a:noFill/>
         </p:spPr>
         <p:txBody>
-          <a:bodyPr wrap="square" rtlCol="0">
-            <a:spAutoFit/>
-          </a:bodyPr>
+          <a:bodyPr/>
           <a:lstStyle/>
           <a:p>
-            <a:pPr algn="ctr"/>
             <a:r>
-              <a:rPr lang="en-US" sz="3600" b="1" dirty="0">
-                <a:solidFill>
-                  <a:schemeClr val="bg1"/>
-                </a:solidFill>
-                <a:latin typeface="Tenorite" pitchFamily="2" charset="0"/>
-              </a:rPr>
-              <a:t>3</a:t>
+              <a:rPr lang="en-US" dirty="0"/>
+              <a:t>Chief Executive Officer</a:t>
+            </a:r>
+          </a:p>
+        </p:txBody>
+      </p:sp>
+      <p:pic>
+        <p:nvPicPr>
+          <p:cNvPr id="44" name="Picture Placeholder 19" descr="Team member headshot">
+            <a:extLst>
+              <a:ext uri="{FF2B5EF4-FFF2-40B4-BE49-F238E27FC236}">
+                <a16:creationId xmlns:a16="http://schemas.microsoft.com/office/drawing/2014/main" id="{C99B7845-619A-9F40-A5C3-4C122626044D}"/>
+              </a:ext>
+            </a:extLst>
+          </p:cNvPr>
+          <p:cNvPicPr>
+            <a:picLocks noGrp="1" noChangeAspect="1"/>
+          </p:cNvPicPr>
+          <p:nvPr>
+            <p:ph type="pic" sz="quarter" idx="15"/>
+          </p:nvPr>
+        </p:nvPicPr>
+        <p:blipFill rotWithShape="1">
+          <a:blip r:embed="rId4">
+            <a:extLst>
+              <a:ext uri="{28A0092B-C50C-407E-A947-70E740481C1C}">
+                <a14:useLocalDpi xmlns:a14="http://schemas.microsoft.com/office/drawing/2010/main" val="0"/>
+              </a:ext>
+            </a:extLst>
+          </a:blip>
+          <a:srcRect/>
+          <a:stretch/>
+        </p:blipFill>
+        <p:spPr>
+          <a:xfrm>
+            <a:off x="750429" y="4254273"/>
+            <a:ext cx="1200374" cy="1201242"/>
+          </a:xfrm>
+        </p:spPr>
+      </p:pic>
+      <p:sp>
+        <p:nvSpPr>
+          <p:cNvPr id="38" name="Text Placeholder 37">
+            <a:extLst>
+              <a:ext uri="{FF2B5EF4-FFF2-40B4-BE49-F238E27FC236}">
+                <a16:creationId xmlns:a16="http://schemas.microsoft.com/office/drawing/2014/main" id="{5B19EE51-628F-CA4E-94B0-57E9ACA1446A}"/>
+              </a:ext>
+            </a:extLst>
+          </p:cNvPr>
+          <p:cNvSpPr>
+            <a:spLocks noGrp="1"/>
+          </p:cNvSpPr>
+          <p:nvPr>
+            <p:ph type="body" sz="quarter" idx="21"/>
+          </p:nvPr>
+        </p:nvSpPr>
+        <p:spPr>
+          <a:xfrm>
+            <a:off x="2123351" y="4498793"/>
+            <a:ext cx="2281237" cy="347662"/>
+          </a:xfrm>
+        </p:spPr>
+        <p:txBody>
+          <a:bodyPr/>
+          <a:lstStyle/>
+          <a:p>
+            <a:r>
+              <a:rPr lang="en-US" dirty="0"/>
+              <a:t>Flora Berggren</a:t>
             </a:r>
           </a:p>
         </p:txBody>
       </p:sp>
       <p:sp>
         <p:nvSpPr>
-          <p:cNvPr id="9" name="TextBox 8">
+          <p:cNvPr id="39" name="Text Placeholder 38">
             <a:extLst>
               <a:ext uri="{FF2B5EF4-FFF2-40B4-BE49-F238E27FC236}">
-                <a16:creationId xmlns:a16="http://schemas.microsoft.com/office/drawing/2014/main" id="{3AE770E3-D227-CD4E-83C4-44744E774884}"/>
+                <a16:creationId xmlns:a16="http://schemas.microsoft.com/office/drawing/2014/main" id="{2A6ACC78-74DF-604E-BD14-4BBE7B4EEF5B}"/>
               </a:ext>
             </a:extLst>
           </p:cNvPr>
-          <p:cNvSpPr txBox="1"/>
-          <p:nvPr/>
+          <p:cNvSpPr>
+            <a:spLocks noGrp="1"/>
+          </p:cNvSpPr>
+          <p:nvPr>
+            <p:ph type="body" sz="quarter" idx="22"/>
+          </p:nvPr>
         </p:nvSpPr>
         <p:spPr>
           <a:xfrm>
-            <a:off x="7863038" y="2674641"/>
-            <a:ext cx="350196" cy="646331"/>
+            <a:off x="2123350" y="4884039"/>
+            <a:ext cx="2281237" cy="347662"/>
           </a:xfrm>
-          <a:prstGeom prst="rect">
-            <a:avLst/>
-          </a:prstGeom>
-          <a:noFill/>
         </p:spPr>
         <p:txBody>
-          <a:bodyPr wrap="square" rtlCol="0">
-            <a:spAutoFit/>
-          </a:bodyPr>
+          <a:bodyPr/>
           <a:lstStyle/>
           <a:p>
-            <a:pPr algn="ctr"/>
             <a:r>
-              <a:rPr lang="en-US" sz="3600" b="1" dirty="0">
-                <a:solidFill>
-                  <a:schemeClr val="bg1"/>
-                </a:solidFill>
-                <a:latin typeface="Tenorite" pitchFamily="2" charset="0"/>
-              </a:rPr>
-              <a:t>4</a:t>
+              <a:rPr lang="en-US" dirty="0"/>
+              <a:t>Chief Operation Officer</a:t>
+            </a:r>
+          </a:p>
+        </p:txBody>
+      </p:sp>
+      <p:pic>
+        <p:nvPicPr>
+          <p:cNvPr id="45" name="Picture Placeholder 21" descr="Team member headshot">
+            <a:extLst>
+              <a:ext uri="{FF2B5EF4-FFF2-40B4-BE49-F238E27FC236}">
+                <a16:creationId xmlns:a16="http://schemas.microsoft.com/office/drawing/2014/main" id="{647F7FB2-8714-6449-A700-2E1B81F9DFB7}"/>
+              </a:ext>
+            </a:extLst>
+          </p:cNvPr>
+          <p:cNvPicPr>
+            <a:picLocks noGrp="1" noChangeAspect="1"/>
+          </p:cNvPicPr>
+          <p:nvPr>
+            <p:ph type="pic" sz="quarter" idx="16"/>
+          </p:nvPr>
+        </p:nvPicPr>
+        <p:blipFill rotWithShape="1">
+          <a:blip r:embed="rId5">
+            <a:extLst>
+              <a:ext uri="{28A0092B-C50C-407E-A947-70E740481C1C}">
+                <a14:useLocalDpi xmlns:a14="http://schemas.microsoft.com/office/drawing/2010/main" val="0"/>
+              </a:ext>
+            </a:extLst>
+          </a:blip>
+          <a:srcRect/>
+          <a:stretch/>
+        </p:blipFill>
+        <p:spPr>
+          <a:xfrm>
+            <a:off x="5495813" y="4254273"/>
+            <a:ext cx="1200374" cy="1201242"/>
+          </a:xfrm>
+        </p:spPr>
+      </p:pic>
+      <p:sp>
+        <p:nvSpPr>
+          <p:cNvPr id="40" name="Text Placeholder 39">
+            <a:extLst>
+              <a:ext uri="{FF2B5EF4-FFF2-40B4-BE49-F238E27FC236}">
+                <a16:creationId xmlns:a16="http://schemas.microsoft.com/office/drawing/2014/main" id="{9DC429C0-1DEB-1F4F-AE66-C503B31B7B48}"/>
+              </a:ext>
+            </a:extLst>
+          </p:cNvPr>
+          <p:cNvSpPr>
+            <a:spLocks noGrp="1"/>
+          </p:cNvSpPr>
+          <p:nvPr>
+            <p:ph type="body" sz="quarter" idx="23"/>
+          </p:nvPr>
+        </p:nvSpPr>
+        <p:spPr>
+          <a:xfrm>
+            <a:off x="6870817" y="4498793"/>
+            <a:ext cx="2281237" cy="347662"/>
+          </a:xfrm>
+        </p:spPr>
+        <p:txBody>
+          <a:bodyPr/>
+          <a:lstStyle/>
+          <a:p>
+            <a:r>
+              <a:rPr lang="en-US" dirty="0"/>
+              <a:t>Rajesh Santoshi</a:t>
             </a:r>
           </a:p>
         </p:txBody>
       </p:sp>
       <p:sp>
         <p:nvSpPr>
-          <p:cNvPr id="10" name="TextBox 9">
+          <p:cNvPr id="41" name="Text Placeholder 40">
             <a:extLst>
               <a:ext uri="{FF2B5EF4-FFF2-40B4-BE49-F238E27FC236}">
-                <a16:creationId xmlns:a16="http://schemas.microsoft.com/office/drawing/2014/main" id="{10C47546-62E7-304A-8631-60D9B8E543BE}"/>
+                <a16:creationId xmlns:a16="http://schemas.microsoft.com/office/drawing/2014/main" id="{31C0CCD4-2502-A14F-B520-7B57524EDF8E}"/>
               </a:ext>
             </a:extLst>
           </p:cNvPr>
-          <p:cNvSpPr txBox="1"/>
-          <p:nvPr/>
+          <p:cNvSpPr>
+            <a:spLocks noGrp="1"/>
+          </p:cNvSpPr>
+          <p:nvPr>
+            <p:ph type="body" sz="quarter" idx="24"/>
+          </p:nvPr>
         </p:nvSpPr>
         <p:spPr>
           <a:xfrm>
-            <a:off x="9807953" y="2674641"/>
-            <a:ext cx="350196" cy="646331"/>
+            <a:off x="6870816" y="4884039"/>
+            <a:ext cx="2281237" cy="347662"/>
           </a:xfrm>
-          <a:prstGeom prst="rect">
-            <a:avLst/>
-          </a:prstGeom>
-          <a:noFill/>
         </p:spPr>
         <p:txBody>
-          <a:bodyPr wrap="square" rtlCol="0">
-            <a:spAutoFit/>
-          </a:bodyPr>
+          <a:bodyPr/>
           <a:lstStyle/>
           <a:p>
-            <a:pPr algn="ctr"/>
             <a:r>
-              <a:rPr lang="en-US" sz="3600" b="1" dirty="0">
-                <a:solidFill>
-                  <a:schemeClr val="bg1"/>
-                </a:solidFill>
-                <a:latin typeface="Tenorite" pitchFamily="2" charset="0"/>
-              </a:rPr>
-              <a:t>5</a:t>
+              <a:rPr lang="en-US" dirty="0"/>
+              <a:t>VP Marketing</a:t>
             </a:r>
           </a:p>
         </p:txBody>
@@ -26963,7 +25639,7 @@
           <p:cNvPr id="3" name="Date Placeholder 2">
             <a:extLst>
               <a:ext uri="{FF2B5EF4-FFF2-40B4-BE49-F238E27FC236}">
-                <a16:creationId xmlns:a16="http://schemas.microsoft.com/office/drawing/2014/main" id="{3FE88D32-0135-7B4F-AD5F-EA1673D46765}"/>
+                <a16:creationId xmlns:a16="http://schemas.microsoft.com/office/drawing/2014/main" id="{7517F12A-7304-B447-BEB8-A99EA8009F15}"/>
               </a:ext>
             </a:extLst>
           </p:cNvPr>
@@ -26971,23 +25647,23 @@
             <a:spLocks noGrp="1"/>
           </p:cNvSpPr>
           <p:nvPr>
-            <p:ph type="dt" sz="half" idx="2"/>
+            <p:ph type="dt" sz="half" idx="10"/>
           </p:nvPr>
         </p:nvSpPr>
         <p:spPr>
           <a:xfrm>
             <a:off x="381000" y="6356350"/>
-            <a:ext cx="1701018" cy="365125"/>
+            <a:ext cx="1569803" cy="365125"/>
           </a:xfrm>
         </p:spPr>
         <p:txBody>
           <a:bodyPr/>
           <a:lstStyle/>
           <a:p>
-            <a:fld id="{D5E2F4D9-1A6B-894D-9E7D-8548C879BC04}" type="datetime1">
+            <a:fld id="{F742F39E-1B75-804F-BDAE-BCC03958AB94}" type="datetime1">
               <a:rPr lang="en-US" smtClean="0"/>
               <a:pPr/>
-              <a:t>10/20/2022</a:t>
+              <a:t>10/25/2022</a:t>
             </a:fld>
             <a:endParaRPr lang="en-US" dirty="0"/>
           </a:p>
@@ -26995,10 +25671,10 @@
       </p:sp>
       <p:sp>
         <p:nvSpPr>
-          <p:cNvPr id="11" name="Footer Placeholder 10">
+          <p:cNvPr id="4" name="Footer Placeholder 3">
             <a:extLst>
               <a:ext uri="{FF2B5EF4-FFF2-40B4-BE49-F238E27FC236}">
-                <a16:creationId xmlns:a16="http://schemas.microsoft.com/office/drawing/2014/main" id="{EBF4ECF3-F211-3447-AF95-22487182EEF2}"/>
+                <a16:creationId xmlns:a16="http://schemas.microsoft.com/office/drawing/2014/main" id="{BCF90246-DFB2-A340-AADC-E85D28C31B3E}"/>
               </a:ext>
             </a:extLst>
           </p:cNvPr>
@@ -27006,12 +25682,12 @@
             <a:spLocks noGrp="1"/>
           </p:cNvSpPr>
           <p:nvPr>
-            <p:ph type="ftr" sz="quarter" idx="3"/>
+            <p:ph type="ftr" sz="quarter" idx="11"/>
           </p:nvPr>
         </p:nvSpPr>
         <p:spPr>
           <a:xfrm>
-            <a:off x="4038600" y="6356350"/>
+            <a:off x="2871106" y="6356350"/>
             <a:ext cx="4114800" cy="365125"/>
           </a:xfrm>
         </p:spPr>
@@ -27028,10 +25704,10 @@
       </p:sp>
       <p:sp>
         <p:nvSpPr>
-          <p:cNvPr id="12" name="Slide Number Placeholder 11">
+          <p:cNvPr id="5" name="Slide Number Placeholder 4">
             <a:extLst>
               <a:ext uri="{FF2B5EF4-FFF2-40B4-BE49-F238E27FC236}">
-                <a16:creationId xmlns:a16="http://schemas.microsoft.com/office/drawing/2014/main" id="{6308D1AB-33EC-174A-AFF4-6B9718A863B4}"/>
+                <a16:creationId xmlns:a16="http://schemas.microsoft.com/office/drawing/2014/main" id="{987CCF58-9B83-4A4F-8CA9-3D9C9BB7A287}"/>
               </a:ext>
             </a:extLst>
           </p:cNvPr>
@@ -27039,13 +25715,13 @@
             <a:spLocks noGrp="1"/>
           </p:cNvSpPr>
           <p:nvPr>
-            <p:ph type="sldNum" sz="quarter" idx="4"/>
+            <p:ph type="sldNum" sz="quarter" idx="12"/>
           </p:nvPr>
         </p:nvSpPr>
         <p:spPr>
           <a:xfrm>
-            <a:off x="10153276" y="6356350"/>
-            <a:ext cx="1657723" cy="365125"/>
+            <a:off x="8332334" y="6356350"/>
+            <a:ext cx="1167495" cy="365125"/>
           </a:xfrm>
         </p:spPr>
         <p:txBody>
@@ -27064,7 +25740,7 @@
     </p:spTree>
     <p:extLst>
       <p:ext uri="{BB962C8B-B14F-4D97-AF65-F5344CB8AC3E}">
-        <p14:creationId xmlns:p14="http://schemas.microsoft.com/office/powerpoint/2010/main" val="700209266"/>
+        <p14:creationId xmlns:p14="http://schemas.microsoft.com/office/powerpoint/2010/main" val="3335690284"/>
       </p:ext>
     </p:extLst>
   </p:cSld>
@@ -27096,7 +25772,7 @@
           <p:cNvPr id="2" name="Title 1">
             <a:extLst>
               <a:ext uri="{FF2B5EF4-FFF2-40B4-BE49-F238E27FC236}">
-                <a16:creationId xmlns:a16="http://schemas.microsoft.com/office/drawing/2014/main" id="{19256B7E-1633-44AB-8584-82DF5B726834}"/>
+                <a16:creationId xmlns:a16="http://schemas.microsoft.com/office/drawing/2014/main" id="{27A6F7BB-30A8-4980-AD4A-2FB0B53FA6C9}"/>
               </a:ext>
             </a:extLst>
           </p:cNvPr>
@@ -27109,8 +25785,8 @@
         </p:nvSpPr>
         <p:spPr>
           <a:xfrm>
-            <a:off x="1167492" y="381000"/>
-            <a:ext cx="9779183" cy="1325563"/>
+            <a:off x="750430" y="381000"/>
+            <a:ext cx="10678142" cy="1325563"/>
           </a:xfrm>
         </p:spPr>
         <p:txBody>
@@ -27119,17 +25795,51 @@
           <a:p>
             <a:r>
               <a:rPr lang="en-US" dirty="0"/>
-              <a:t>Areas of focus</a:t>
+              <a:t>The full team</a:t>
             </a:r>
           </a:p>
         </p:txBody>
       </p:sp>
+      <p:pic>
+        <p:nvPicPr>
+          <p:cNvPr id="61" name="Picture Placeholder 21" descr="Team member headshot">
+            <a:extLst>
+              <a:ext uri="{FF2B5EF4-FFF2-40B4-BE49-F238E27FC236}">
+                <a16:creationId xmlns:a16="http://schemas.microsoft.com/office/drawing/2014/main" id="{E64AEA23-99EE-8546-A59A-590923ADA6CA}"/>
+              </a:ext>
+            </a:extLst>
+          </p:cNvPr>
+          <p:cNvPicPr>
+            <a:picLocks noGrp="1" noChangeAspect="1"/>
+          </p:cNvPicPr>
+          <p:nvPr>
+            <p:ph type="pic" sz="quarter" idx="13"/>
+          </p:nvPr>
+        </p:nvPicPr>
+        <p:blipFill rotWithShape="1">
+          <a:blip r:embed="rId2">
+            <a:extLst>
+              <a:ext uri="{28A0092B-C50C-407E-A947-70E740481C1C}">
+                <a14:useLocalDpi xmlns:a14="http://schemas.microsoft.com/office/drawing/2010/main" val="0"/>
+              </a:ext>
+            </a:extLst>
+          </a:blip>
+          <a:srcRect/>
+          <a:stretch/>
+        </p:blipFill>
+        <p:spPr>
+          <a:xfrm>
+            <a:off x="750429" y="2068734"/>
+            <a:ext cx="904987" cy="905641"/>
+          </a:xfrm>
+        </p:spPr>
+      </p:pic>
       <p:sp>
         <p:nvSpPr>
-          <p:cNvPr id="3" name="Text Placeholder 2">
+          <p:cNvPr id="7" name="Text Placeholder 6">
             <a:extLst>
               <a:ext uri="{FF2B5EF4-FFF2-40B4-BE49-F238E27FC236}">
-                <a16:creationId xmlns:a16="http://schemas.microsoft.com/office/drawing/2014/main" id="{EFB90AB4-D228-4548-B072-726498212362}"/>
+                <a16:creationId xmlns:a16="http://schemas.microsoft.com/office/drawing/2014/main" id="{ACC180CB-0C9D-0441-A2D3-F4EDC5DB9741}"/>
               </a:ext>
             </a:extLst>
           </p:cNvPr>
@@ -27137,13 +25847,13 @@
             <a:spLocks noGrp="1"/>
           </p:cNvSpPr>
           <p:nvPr>
-            <p:ph idx="11"/>
+            <p:ph type="body" sz="quarter" idx="17"/>
           </p:nvPr>
         </p:nvSpPr>
         <p:spPr>
           <a:xfrm>
-            <a:off x="1167493" y="2005689"/>
-            <a:ext cx="4663440" cy="522514"/>
+            <a:off x="750430" y="2994545"/>
+            <a:ext cx="2281237" cy="347662"/>
           </a:xfrm>
         </p:spPr>
         <p:txBody>
@@ -27152,17 +25862,17 @@
           <a:p>
             <a:r>
               <a:rPr lang="en-US" dirty="0"/>
-              <a:t>B2B market scenarios</a:t>
+              <a:t>Takuma Hayashi</a:t>
             </a:r>
           </a:p>
         </p:txBody>
       </p:sp>
       <p:sp>
         <p:nvSpPr>
-          <p:cNvPr id="4" name="Content Placeholder 3">
+          <p:cNvPr id="8" name="Text Placeholder 7">
             <a:extLst>
               <a:ext uri="{FF2B5EF4-FFF2-40B4-BE49-F238E27FC236}">
-                <a16:creationId xmlns:a16="http://schemas.microsoft.com/office/drawing/2014/main" id="{950677C9-3E42-427F-93B8-526692906471}"/>
+                <a16:creationId xmlns:a16="http://schemas.microsoft.com/office/drawing/2014/main" id="{44627161-B78C-7646-8E85-99BD47FE64E0}"/>
               </a:ext>
             </a:extLst>
           </p:cNvPr>
@@ -27170,46 +25880,66 @@
             <a:spLocks noGrp="1"/>
           </p:cNvSpPr>
           <p:nvPr>
-            <p:ph idx="1"/>
+            <p:ph type="body" sz="quarter" idx="18"/>
           </p:nvPr>
         </p:nvSpPr>
         <p:spPr>
           <a:xfrm>
-            <a:off x="1167493" y="2528203"/>
-            <a:ext cx="4663440" cy="2828613"/>
+            <a:off x="750429" y="3379791"/>
+            <a:ext cx="2281237" cy="347662"/>
           </a:xfrm>
         </p:spPr>
         <p:txBody>
-          <a:bodyPr vert="horz" lIns="91440" tIns="45720" rIns="91440" bIns="45720" rtlCol="0" anchor="t">
-            <a:normAutofit/>
-          </a:bodyPr>
+          <a:bodyPr/>
           <a:lstStyle/>
           <a:p>
             <a:r>
               <a:rPr lang="en-US" dirty="0"/>
-              <a:t>Develop winning strategies to keep ahead of the competition</a:t>
-            </a:r>
-          </a:p>
-          <a:p>
-            <a:r>
-              <a:rPr lang="en-US" dirty="0"/>
-              <a:t>Capitalize on low-hanging fruit to identify a ballpark value</a:t>
-            </a:r>
-          </a:p>
-          <a:p>
-            <a:r>
-              <a:rPr lang="en-US" dirty="0"/>
-              <a:t>Visualize customer directed convergence</a:t>
+              <a:t>President</a:t>
             </a:r>
           </a:p>
         </p:txBody>
       </p:sp>
+      <p:pic>
+        <p:nvPicPr>
+          <p:cNvPr id="62" name="Picture Placeholder 50" descr="Team member headshot">
+            <a:extLst>
+              <a:ext uri="{FF2B5EF4-FFF2-40B4-BE49-F238E27FC236}">
+                <a16:creationId xmlns:a16="http://schemas.microsoft.com/office/drawing/2014/main" id="{C17F05A5-CE13-1545-943B-E3644258662F}"/>
+              </a:ext>
+            </a:extLst>
+          </p:cNvPr>
+          <p:cNvPicPr>
+            <a:picLocks noGrp="1" noChangeAspect="1"/>
+          </p:cNvPicPr>
+          <p:nvPr>
+            <p:ph type="pic" sz="quarter" idx="28"/>
+          </p:nvPr>
+        </p:nvPicPr>
+        <p:blipFill rotWithShape="1">
+          <a:blip r:embed="rId3">
+            <a:extLst>
+              <a:ext uri="{28A0092B-C50C-407E-A947-70E740481C1C}">
+                <a14:useLocalDpi xmlns:a14="http://schemas.microsoft.com/office/drawing/2010/main" val="0"/>
+              </a:ext>
+            </a:extLst>
+          </a:blip>
+          <a:srcRect/>
+          <a:stretch/>
+        </p:blipFill>
+        <p:spPr>
+          <a:xfrm>
+            <a:off x="3549397" y="2068734"/>
+            <a:ext cx="904987" cy="905641"/>
+          </a:xfrm>
+        </p:spPr>
+      </p:pic>
       <p:sp>
         <p:nvSpPr>
-          <p:cNvPr id="6" name="Text Placeholder 5">
+          <p:cNvPr id="12" name="Text Placeholder 11">
             <a:extLst>
               <a:ext uri="{FF2B5EF4-FFF2-40B4-BE49-F238E27FC236}">
-                <a16:creationId xmlns:a16="http://schemas.microsoft.com/office/drawing/2014/main" id="{F5018B6D-E395-49AD-92AD-AD69E3AB40C3}"/>
+                <a16:creationId xmlns:a16="http://schemas.microsoft.com/office/drawing/2014/main" id="{E88BDBE3-DBB3-9040-95AC-86789B700450}"/>
               </a:ext>
             </a:extLst>
           </p:cNvPr>
@@ -27217,13 +25947,13 @@
             <a:spLocks noGrp="1"/>
           </p:cNvSpPr>
           <p:nvPr>
-            <p:ph idx="12"/>
+            <p:ph type="body" sz="quarter" idx="29"/>
           </p:nvPr>
         </p:nvSpPr>
         <p:spPr>
           <a:xfrm>
-            <a:off x="6283235" y="2005689"/>
-            <a:ext cx="4663440" cy="522514"/>
+            <a:off x="3549398" y="2994545"/>
+            <a:ext cx="2281237" cy="347662"/>
           </a:xfrm>
         </p:spPr>
         <p:txBody>
@@ -27232,17 +25962,17 @@
           <a:p>
             <a:r>
               <a:rPr lang="en-US" dirty="0"/>
-              <a:t>Cloud-based opportunities</a:t>
+              <a:t>Mirjam Nilsson</a:t>
             </a:r>
           </a:p>
         </p:txBody>
       </p:sp>
       <p:sp>
         <p:nvSpPr>
-          <p:cNvPr id="5" name="Content Placeholder 4">
+          <p:cNvPr id="13" name="Text Placeholder 12">
             <a:extLst>
               <a:ext uri="{FF2B5EF4-FFF2-40B4-BE49-F238E27FC236}">
-                <a16:creationId xmlns:a16="http://schemas.microsoft.com/office/drawing/2014/main" id="{BDB9D020-1E25-453D-83DF-1420ACD3968D}"/>
+                <a16:creationId xmlns:a16="http://schemas.microsoft.com/office/drawing/2014/main" id="{D0969AD2-8004-9B40-90B0-0EBD95268B5A}"/>
               </a:ext>
             </a:extLst>
           </p:cNvPr>
@@ -27250,40 +25980,66 @@
             <a:spLocks noGrp="1"/>
           </p:cNvSpPr>
           <p:nvPr>
-            <p:ph idx="10"/>
+            <p:ph type="body" sz="quarter" idx="30"/>
           </p:nvPr>
         </p:nvSpPr>
         <p:spPr>
           <a:xfrm>
-            <a:off x="6283235" y="2528203"/>
-            <a:ext cx="4663440" cy="2828613"/>
+            <a:off x="3549397" y="3379791"/>
+            <a:ext cx="2281237" cy="347662"/>
           </a:xfrm>
         </p:spPr>
         <p:txBody>
-          <a:bodyPr vert="horz" lIns="91440" tIns="45720" rIns="91440" bIns="45720" rtlCol="0" anchor="t">
-            <a:normAutofit/>
-          </a:bodyPr>
+          <a:bodyPr/>
           <a:lstStyle/>
           <a:p>
             <a:r>
               <a:rPr lang="en-US" dirty="0"/>
-              <a:t>Iterative approaches to corporate strategy</a:t>
-            </a:r>
-          </a:p>
-          <a:p>
-            <a:r>
-              <a:rPr lang="en-US" dirty="0"/>
-              <a:t>Establish a management framework from the inside</a:t>
+              <a:t>Chief Executive Officer</a:t>
             </a:r>
           </a:p>
         </p:txBody>
       </p:sp>
+      <p:pic>
+        <p:nvPicPr>
+          <p:cNvPr id="63" name="Picture Placeholder 17" descr="Team member headshot">
+            <a:extLst>
+              <a:ext uri="{FF2B5EF4-FFF2-40B4-BE49-F238E27FC236}">
+                <a16:creationId xmlns:a16="http://schemas.microsoft.com/office/drawing/2014/main" id="{F3C0B2AF-2268-AE4E-BACC-9FF64E86564C}"/>
+              </a:ext>
+            </a:extLst>
+          </p:cNvPr>
+          <p:cNvPicPr>
+            <a:picLocks noGrp="1" noChangeAspect="1"/>
+          </p:cNvPicPr>
+          <p:nvPr>
+            <p:ph type="pic" sz="quarter" idx="31"/>
+          </p:nvPr>
+        </p:nvPicPr>
+        <p:blipFill rotWithShape="1">
+          <a:blip r:embed="rId4">
+            <a:extLst>
+              <a:ext uri="{28A0092B-C50C-407E-A947-70E740481C1C}">
+                <a14:useLocalDpi xmlns:a14="http://schemas.microsoft.com/office/drawing/2010/main" val="0"/>
+              </a:ext>
+            </a:extLst>
+          </a:blip>
+          <a:srcRect/>
+          <a:stretch/>
+        </p:blipFill>
+        <p:spPr>
+          <a:xfrm>
+            <a:off x="6348367" y="2068734"/>
+            <a:ext cx="904987" cy="905641"/>
+          </a:xfrm>
+        </p:spPr>
+      </p:pic>
       <p:sp>
         <p:nvSpPr>
-          <p:cNvPr id="7" name="Date Placeholder 6">
+          <p:cNvPr id="15" name="Text Placeholder 14">
             <a:extLst>
               <a:ext uri="{FF2B5EF4-FFF2-40B4-BE49-F238E27FC236}">
-                <a16:creationId xmlns:a16="http://schemas.microsoft.com/office/drawing/2014/main" id="{1EB64BEF-8367-144A-9F53-7A1282A32569}"/>
+                <a16:creationId xmlns:a16="http://schemas.microsoft.com/office/drawing/2014/main" id="{02C30DA5-B4D3-C343-8FEC-D62948BDA920}"/>
               </a:ext>
             </a:extLst>
           </p:cNvPr>
@@ -27291,7 +26047,573 @@
             <a:spLocks noGrp="1"/>
           </p:cNvSpPr>
           <p:nvPr>
-            <p:ph type="dt" sz="half" idx="2"/>
+            <p:ph type="body" sz="quarter" idx="32"/>
+          </p:nvPr>
+        </p:nvSpPr>
+        <p:spPr>
+          <a:xfrm>
+            <a:off x="6348368" y="2994545"/>
+            <a:ext cx="2281237" cy="347662"/>
+          </a:xfrm>
+        </p:spPr>
+        <p:txBody>
+          <a:bodyPr/>
+          <a:lstStyle/>
+          <a:p>
+            <a:r>
+              <a:rPr lang="en-US" dirty="0"/>
+              <a:t>Flora Berggren</a:t>
+            </a:r>
+          </a:p>
+        </p:txBody>
+      </p:sp>
+      <p:sp>
+        <p:nvSpPr>
+          <p:cNvPr id="16" name="Text Placeholder 15">
+            <a:extLst>
+              <a:ext uri="{FF2B5EF4-FFF2-40B4-BE49-F238E27FC236}">
+                <a16:creationId xmlns:a16="http://schemas.microsoft.com/office/drawing/2014/main" id="{CD202676-78EE-3240-950B-84A1520E27EE}"/>
+              </a:ext>
+            </a:extLst>
+          </p:cNvPr>
+          <p:cNvSpPr>
+            <a:spLocks noGrp="1"/>
+          </p:cNvSpPr>
+          <p:nvPr>
+            <p:ph type="body" sz="quarter" idx="33"/>
+          </p:nvPr>
+        </p:nvSpPr>
+        <p:spPr>
+          <a:xfrm>
+            <a:off x="6348367" y="3379791"/>
+            <a:ext cx="2281237" cy="347662"/>
+          </a:xfrm>
+        </p:spPr>
+        <p:txBody>
+          <a:bodyPr/>
+          <a:lstStyle/>
+          <a:p>
+            <a:r>
+              <a:rPr lang="en-US" dirty="0"/>
+              <a:t>Chief Operations Manager</a:t>
+            </a:r>
+          </a:p>
+        </p:txBody>
+      </p:sp>
+      <p:pic>
+        <p:nvPicPr>
+          <p:cNvPr id="64" name="Picture Placeholder 19" descr="Team member headshot">
+            <a:extLst>
+              <a:ext uri="{FF2B5EF4-FFF2-40B4-BE49-F238E27FC236}">
+                <a16:creationId xmlns:a16="http://schemas.microsoft.com/office/drawing/2014/main" id="{F2FCDCCE-6383-4047-9485-41AA1E24E8E2}"/>
+              </a:ext>
+            </a:extLst>
+          </p:cNvPr>
+          <p:cNvPicPr>
+            <a:picLocks noGrp="1" noChangeAspect="1"/>
+          </p:cNvPicPr>
+          <p:nvPr>
+            <p:ph type="pic" sz="quarter" idx="34"/>
+          </p:nvPr>
+        </p:nvPicPr>
+        <p:blipFill rotWithShape="1">
+          <a:blip r:embed="rId5">
+            <a:extLst>
+              <a:ext uri="{28A0092B-C50C-407E-A947-70E740481C1C}">
+                <a14:useLocalDpi xmlns:a14="http://schemas.microsoft.com/office/drawing/2010/main" val="0"/>
+              </a:ext>
+            </a:extLst>
+          </a:blip>
+          <a:srcRect/>
+          <a:stretch/>
+        </p:blipFill>
+        <p:spPr>
+          <a:xfrm>
+            <a:off x="9147335" y="2068734"/>
+            <a:ext cx="904987" cy="905641"/>
+          </a:xfrm>
+        </p:spPr>
+      </p:pic>
+      <p:sp>
+        <p:nvSpPr>
+          <p:cNvPr id="18" name="Text Placeholder 17">
+            <a:extLst>
+              <a:ext uri="{FF2B5EF4-FFF2-40B4-BE49-F238E27FC236}">
+                <a16:creationId xmlns:a16="http://schemas.microsoft.com/office/drawing/2014/main" id="{7C503641-A7D5-AD48-A486-CD57C1620326}"/>
+              </a:ext>
+            </a:extLst>
+          </p:cNvPr>
+          <p:cNvSpPr>
+            <a:spLocks noGrp="1"/>
+          </p:cNvSpPr>
+          <p:nvPr>
+            <p:ph type="body" sz="quarter" idx="35"/>
+          </p:nvPr>
+        </p:nvSpPr>
+        <p:spPr>
+          <a:xfrm>
+            <a:off x="9147336" y="2994545"/>
+            <a:ext cx="2281237" cy="347662"/>
+          </a:xfrm>
+        </p:spPr>
+        <p:txBody>
+          <a:bodyPr/>
+          <a:lstStyle/>
+          <a:p>
+            <a:r>
+              <a:rPr lang="en-US" dirty="0"/>
+              <a:t>Rajesh Santoshi</a:t>
+            </a:r>
+          </a:p>
+        </p:txBody>
+      </p:sp>
+      <p:sp>
+        <p:nvSpPr>
+          <p:cNvPr id="19" name="Text Placeholder 18">
+            <a:extLst>
+              <a:ext uri="{FF2B5EF4-FFF2-40B4-BE49-F238E27FC236}">
+                <a16:creationId xmlns:a16="http://schemas.microsoft.com/office/drawing/2014/main" id="{BBEE7C7B-4D43-1342-88B5-B6F833D51AE8}"/>
+              </a:ext>
+            </a:extLst>
+          </p:cNvPr>
+          <p:cNvSpPr>
+            <a:spLocks noGrp="1"/>
+          </p:cNvSpPr>
+          <p:nvPr>
+            <p:ph type="body" sz="quarter" idx="36"/>
+          </p:nvPr>
+        </p:nvSpPr>
+        <p:spPr>
+          <a:xfrm>
+            <a:off x="9147335" y="3379791"/>
+            <a:ext cx="2281237" cy="347662"/>
+          </a:xfrm>
+        </p:spPr>
+        <p:txBody>
+          <a:bodyPr/>
+          <a:lstStyle/>
+          <a:p>
+            <a:r>
+              <a:rPr lang="en-US" dirty="0"/>
+              <a:t>VP Marketing</a:t>
+            </a:r>
+          </a:p>
+        </p:txBody>
+      </p:sp>
+      <p:pic>
+        <p:nvPicPr>
+          <p:cNvPr id="65" name="Picture Placeholder 15" descr="Team member headshot">
+            <a:extLst>
+              <a:ext uri="{FF2B5EF4-FFF2-40B4-BE49-F238E27FC236}">
+                <a16:creationId xmlns:a16="http://schemas.microsoft.com/office/drawing/2014/main" id="{1A89579F-2EA4-E049-9B78-D2237993CDAB}"/>
+              </a:ext>
+            </a:extLst>
+          </p:cNvPr>
+          <p:cNvPicPr>
+            <a:picLocks noGrp="1" noChangeAspect="1"/>
+          </p:cNvPicPr>
+          <p:nvPr>
+            <p:ph type="pic" sz="quarter" idx="37"/>
+          </p:nvPr>
+        </p:nvPicPr>
+        <p:blipFill rotWithShape="1">
+          <a:blip r:embed="rId6">
+            <a:extLst>
+              <a:ext uri="{28A0092B-C50C-407E-A947-70E740481C1C}">
+                <a14:useLocalDpi xmlns:a14="http://schemas.microsoft.com/office/drawing/2010/main" val="0"/>
+              </a:ext>
+            </a:extLst>
+          </a:blip>
+          <a:srcRect/>
+          <a:stretch/>
+        </p:blipFill>
+        <p:spPr>
+          <a:xfrm>
+            <a:off x="750429" y="4118551"/>
+            <a:ext cx="904987" cy="905641"/>
+          </a:xfrm>
+        </p:spPr>
+      </p:pic>
+      <p:sp>
+        <p:nvSpPr>
+          <p:cNvPr id="21" name="Text Placeholder 20">
+            <a:extLst>
+              <a:ext uri="{FF2B5EF4-FFF2-40B4-BE49-F238E27FC236}">
+                <a16:creationId xmlns:a16="http://schemas.microsoft.com/office/drawing/2014/main" id="{F8C89E42-8364-1040-9DF6-7305561F98D7}"/>
+              </a:ext>
+            </a:extLst>
+          </p:cNvPr>
+          <p:cNvSpPr>
+            <a:spLocks noGrp="1"/>
+          </p:cNvSpPr>
+          <p:nvPr>
+            <p:ph type="body" sz="quarter" idx="38"/>
+          </p:nvPr>
+        </p:nvSpPr>
+        <p:spPr>
+          <a:xfrm>
+            <a:off x="750430" y="5044362"/>
+            <a:ext cx="2281237" cy="347662"/>
+          </a:xfrm>
+        </p:spPr>
+        <p:txBody>
+          <a:bodyPr/>
+          <a:lstStyle/>
+          <a:p>
+            <a:r>
+              <a:rPr lang="en-US" dirty="0"/>
+              <a:t>Graham Barnes</a:t>
+            </a:r>
+          </a:p>
+        </p:txBody>
+      </p:sp>
+      <p:sp>
+        <p:nvSpPr>
+          <p:cNvPr id="22" name="Text Placeholder 21">
+            <a:extLst>
+              <a:ext uri="{FF2B5EF4-FFF2-40B4-BE49-F238E27FC236}">
+                <a16:creationId xmlns:a16="http://schemas.microsoft.com/office/drawing/2014/main" id="{B05EDAD8-33DD-0B49-9FA0-360E67ED9B6A}"/>
+              </a:ext>
+            </a:extLst>
+          </p:cNvPr>
+          <p:cNvSpPr>
+            <a:spLocks noGrp="1"/>
+          </p:cNvSpPr>
+          <p:nvPr>
+            <p:ph type="body" sz="quarter" idx="39"/>
+          </p:nvPr>
+        </p:nvSpPr>
+        <p:spPr>
+          <a:xfrm>
+            <a:off x="750429" y="5429608"/>
+            <a:ext cx="2281237" cy="347662"/>
+          </a:xfrm>
+        </p:spPr>
+        <p:txBody>
+          <a:bodyPr/>
+          <a:lstStyle/>
+          <a:p>
+            <a:r>
+              <a:rPr lang="en-US" dirty="0"/>
+              <a:t>VP Product</a:t>
+            </a:r>
+          </a:p>
+        </p:txBody>
+      </p:sp>
+      <p:pic>
+        <p:nvPicPr>
+          <p:cNvPr id="66" name="Picture Placeholder 48" descr="Team member headshot">
+            <a:extLst>
+              <a:ext uri="{FF2B5EF4-FFF2-40B4-BE49-F238E27FC236}">
+                <a16:creationId xmlns:a16="http://schemas.microsoft.com/office/drawing/2014/main" id="{4E145096-B7BF-9C4C-97FA-308F61FE406A}"/>
+              </a:ext>
+            </a:extLst>
+          </p:cNvPr>
+          <p:cNvPicPr>
+            <a:picLocks noGrp="1" noChangeAspect="1"/>
+          </p:cNvPicPr>
+          <p:nvPr>
+            <p:ph type="pic" sz="quarter" idx="40"/>
+          </p:nvPr>
+        </p:nvPicPr>
+        <p:blipFill rotWithShape="1">
+          <a:blip r:embed="rId7">
+            <a:extLst>
+              <a:ext uri="{28A0092B-C50C-407E-A947-70E740481C1C}">
+                <a14:useLocalDpi xmlns:a14="http://schemas.microsoft.com/office/drawing/2010/main" val="0"/>
+              </a:ext>
+            </a:extLst>
+          </a:blip>
+          <a:srcRect/>
+          <a:stretch/>
+        </p:blipFill>
+        <p:spPr>
+          <a:xfrm>
+            <a:off x="3549397" y="4118551"/>
+            <a:ext cx="904987" cy="905641"/>
+          </a:xfrm>
+        </p:spPr>
+      </p:pic>
+      <p:sp>
+        <p:nvSpPr>
+          <p:cNvPr id="24" name="Text Placeholder 23">
+            <a:extLst>
+              <a:ext uri="{FF2B5EF4-FFF2-40B4-BE49-F238E27FC236}">
+                <a16:creationId xmlns:a16="http://schemas.microsoft.com/office/drawing/2014/main" id="{9B1711A4-C7D5-8D4D-82CD-4FBE8CC7FFE7}"/>
+              </a:ext>
+            </a:extLst>
+          </p:cNvPr>
+          <p:cNvSpPr>
+            <a:spLocks noGrp="1"/>
+          </p:cNvSpPr>
+          <p:nvPr>
+            <p:ph type="body" sz="quarter" idx="41"/>
+          </p:nvPr>
+        </p:nvSpPr>
+        <p:spPr>
+          <a:xfrm>
+            <a:off x="3549398" y="5044362"/>
+            <a:ext cx="2281237" cy="347662"/>
+          </a:xfrm>
+        </p:spPr>
+        <p:txBody>
+          <a:bodyPr/>
+          <a:lstStyle/>
+          <a:p>
+            <a:r>
+              <a:rPr lang="en-US" dirty="0"/>
+              <a:t>Rowan Murphy</a:t>
+            </a:r>
+          </a:p>
+        </p:txBody>
+      </p:sp>
+      <p:sp>
+        <p:nvSpPr>
+          <p:cNvPr id="25" name="Text Placeholder 24">
+            <a:extLst>
+              <a:ext uri="{FF2B5EF4-FFF2-40B4-BE49-F238E27FC236}">
+                <a16:creationId xmlns:a16="http://schemas.microsoft.com/office/drawing/2014/main" id="{1D585144-668F-6141-B4A4-98C6E14ACA71}"/>
+              </a:ext>
+            </a:extLst>
+          </p:cNvPr>
+          <p:cNvSpPr>
+            <a:spLocks noGrp="1"/>
+          </p:cNvSpPr>
+          <p:nvPr>
+            <p:ph type="body" sz="quarter" idx="42"/>
+          </p:nvPr>
+        </p:nvSpPr>
+        <p:spPr>
+          <a:xfrm>
+            <a:off x="3549397" y="5429608"/>
+            <a:ext cx="2281237" cy="347662"/>
+          </a:xfrm>
+        </p:spPr>
+        <p:txBody>
+          <a:bodyPr/>
+          <a:lstStyle/>
+          <a:p>
+            <a:r>
+              <a:rPr lang="en-US" dirty="0"/>
+              <a:t>SEO Strategist</a:t>
+            </a:r>
+          </a:p>
+        </p:txBody>
+      </p:sp>
+      <p:pic>
+        <p:nvPicPr>
+          <p:cNvPr id="67" name="Picture Placeholder 52" descr="Team member headshot">
+            <a:extLst>
+              <a:ext uri="{FF2B5EF4-FFF2-40B4-BE49-F238E27FC236}">
+                <a16:creationId xmlns:a16="http://schemas.microsoft.com/office/drawing/2014/main" id="{25B94F1A-D947-AF4E-BC9D-9B02C4E4EB30}"/>
+              </a:ext>
+            </a:extLst>
+          </p:cNvPr>
+          <p:cNvPicPr>
+            <a:picLocks noGrp="1" noChangeAspect="1"/>
+          </p:cNvPicPr>
+          <p:nvPr>
+            <p:ph type="pic" sz="quarter" idx="43"/>
+          </p:nvPr>
+        </p:nvPicPr>
+        <p:blipFill rotWithShape="1">
+          <a:blip r:embed="rId8">
+            <a:extLst>
+              <a:ext uri="{28A0092B-C50C-407E-A947-70E740481C1C}">
+                <a14:useLocalDpi xmlns:a14="http://schemas.microsoft.com/office/drawing/2010/main" val="0"/>
+              </a:ext>
+            </a:extLst>
+          </a:blip>
+          <a:srcRect/>
+          <a:stretch/>
+        </p:blipFill>
+        <p:spPr>
+          <a:xfrm>
+            <a:off x="6348367" y="4118551"/>
+            <a:ext cx="904987" cy="905641"/>
+          </a:xfrm>
+        </p:spPr>
+      </p:pic>
+      <p:sp>
+        <p:nvSpPr>
+          <p:cNvPr id="27" name="Text Placeholder 26">
+            <a:extLst>
+              <a:ext uri="{FF2B5EF4-FFF2-40B4-BE49-F238E27FC236}">
+                <a16:creationId xmlns:a16="http://schemas.microsoft.com/office/drawing/2014/main" id="{C63E461E-3AFB-0843-B481-D906526D48B2}"/>
+              </a:ext>
+            </a:extLst>
+          </p:cNvPr>
+          <p:cNvSpPr>
+            <a:spLocks noGrp="1"/>
+          </p:cNvSpPr>
+          <p:nvPr>
+            <p:ph type="body" sz="quarter" idx="44"/>
+          </p:nvPr>
+        </p:nvSpPr>
+        <p:spPr>
+          <a:xfrm>
+            <a:off x="6348368" y="5044362"/>
+            <a:ext cx="2281237" cy="347662"/>
+          </a:xfrm>
+        </p:spPr>
+        <p:txBody>
+          <a:bodyPr/>
+          <a:lstStyle/>
+          <a:p>
+            <a:r>
+              <a:rPr lang="en-US" dirty="0"/>
+              <a:t>Elizabeth Moore</a:t>
+            </a:r>
+          </a:p>
+        </p:txBody>
+      </p:sp>
+      <p:sp>
+        <p:nvSpPr>
+          <p:cNvPr id="28" name="Text Placeholder 27">
+            <a:extLst>
+              <a:ext uri="{FF2B5EF4-FFF2-40B4-BE49-F238E27FC236}">
+                <a16:creationId xmlns:a16="http://schemas.microsoft.com/office/drawing/2014/main" id="{83F586E4-67FA-B94C-AF67-F2E5E6E54157}"/>
+              </a:ext>
+            </a:extLst>
+          </p:cNvPr>
+          <p:cNvSpPr>
+            <a:spLocks noGrp="1"/>
+          </p:cNvSpPr>
+          <p:nvPr>
+            <p:ph type="body" sz="quarter" idx="45"/>
+          </p:nvPr>
+        </p:nvSpPr>
+        <p:spPr>
+          <a:xfrm>
+            <a:off x="6348367" y="5429608"/>
+            <a:ext cx="2281237" cy="347662"/>
+          </a:xfrm>
+        </p:spPr>
+        <p:txBody>
+          <a:bodyPr/>
+          <a:lstStyle/>
+          <a:p>
+            <a:r>
+              <a:rPr lang="en-US" dirty="0"/>
+              <a:t>Product Designer</a:t>
+            </a:r>
+          </a:p>
+        </p:txBody>
+      </p:sp>
+      <p:pic>
+        <p:nvPicPr>
+          <p:cNvPr id="68" name="Picture Placeholder 54" descr="Team member headshot">
+            <a:extLst>
+              <a:ext uri="{FF2B5EF4-FFF2-40B4-BE49-F238E27FC236}">
+                <a16:creationId xmlns:a16="http://schemas.microsoft.com/office/drawing/2014/main" id="{7E3F00C5-0B4F-FE4F-9561-1EB505B31873}"/>
+              </a:ext>
+            </a:extLst>
+          </p:cNvPr>
+          <p:cNvPicPr>
+            <a:picLocks noGrp="1" noChangeAspect="1"/>
+          </p:cNvPicPr>
+          <p:nvPr>
+            <p:ph type="pic" sz="quarter" idx="46"/>
+          </p:nvPr>
+        </p:nvPicPr>
+        <p:blipFill rotWithShape="1">
+          <a:blip r:embed="rId9">
+            <a:extLst>
+              <a:ext uri="{28A0092B-C50C-407E-A947-70E740481C1C}">
+                <a14:useLocalDpi xmlns:a14="http://schemas.microsoft.com/office/drawing/2010/main" val="0"/>
+              </a:ext>
+            </a:extLst>
+          </a:blip>
+          <a:srcRect/>
+          <a:stretch/>
+        </p:blipFill>
+        <p:spPr>
+          <a:xfrm>
+            <a:off x="9147335" y="4118551"/>
+            <a:ext cx="904987" cy="905641"/>
+          </a:xfrm>
+        </p:spPr>
+      </p:pic>
+      <p:sp>
+        <p:nvSpPr>
+          <p:cNvPr id="36" name="Text Placeholder 35">
+            <a:extLst>
+              <a:ext uri="{FF2B5EF4-FFF2-40B4-BE49-F238E27FC236}">
+                <a16:creationId xmlns:a16="http://schemas.microsoft.com/office/drawing/2014/main" id="{875B85E2-950C-CB45-A7F7-DE257EA20BB3}"/>
+              </a:ext>
+            </a:extLst>
+          </p:cNvPr>
+          <p:cNvSpPr>
+            <a:spLocks noGrp="1"/>
+          </p:cNvSpPr>
+          <p:nvPr>
+            <p:ph type="body" sz="quarter" idx="47"/>
+          </p:nvPr>
+        </p:nvSpPr>
+        <p:spPr>
+          <a:xfrm>
+            <a:off x="9147336" y="5044362"/>
+            <a:ext cx="2281237" cy="347662"/>
+          </a:xfrm>
+        </p:spPr>
+        <p:txBody>
+          <a:bodyPr/>
+          <a:lstStyle/>
+          <a:p>
+            <a:r>
+              <a:rPr lang="en-US" dirty="0"/>
+              <a:t>Robin Kline</a:t>
+            </a:r>
+          </a:p>
+        </p:txBody>
+      </p:sp>
+      <p:sp>
+        <p:nvSpPr>
+          <p:cNvPr id="37" name="Text Placeholder 36">
+            <a:extLst>
+              <a:ext uri="{FF2B5EF4-FFF2-40B4-BE49-F238E27FC236}">
+                <a16:creationId xmlns:a16="http://schemas.microsoft.com/office/drawing/2014/main" id="{FC8EFF8B-CC40-9646-AAFC-092814DA02AD}"/>
+              </a:ext>
+            </a:extLst>
+          </p:cNvPr>
+          <p:cNvSpPr>
+            <a:spLocks noGrp="1"/>
+          </p:cNvSpPr>
+          <p:nvPr>
+            <p:ph type="body" sz="quarter" idx="48"/>
+          </p:nvPr>
+        </p:nvSpPr>
+        <p:spPr>
+          <a:xfrm>
+            <a:off x="9147335" y="5429608"/>
+            <a:ext cx="2281237" cy="347662"/>
+          </a:xfrm>
+        </p:spPr>
+        <p:txBody>
+          <a:bodyPr/>
+          <a:lstStyle/>
+          <a:p>
+            <a:r>
+              <a:rPr lang="en-US" dirty="0"/>
+              <a:t>Content Developer</a:t>
+            </a:r>
+          </a:p>
+        </p:txBody>
+      </p:sp>
+      <p:sp>
+        <p:nvSpPr>
+          <p:cNvPr id="3" name="Date Placeholder 2">
+            <a:extLst>
+              <a:ext uri="{FF2B5EF4-FFF2-40B4-BE49-F238E27FC236}">
+                <a16:creationId xmlns:a16="http://schemas.microsoft.com/office/drawing/2014/main" id="{DF3B501F-5E7A-5D46-8856-A27912A21D96}"/>
+              </a:ext>
+            </a:extLst>
+          </p:cNvPr>
+          <p:cNvSpPr>
+            <a:spLocks noGrp="1"/>
+          </p:cNvSpPr>
+          <p:nvPr>
+            <p:ph type="dt" sz="half" idx="25"/>
           </p:nvPr>
         </p:nvSpPr>
         <p:spPr>
@@ -27304,10 +26626,10 @@
           <a:bodyPr/>
           <a:lstStyle/>
           <a:p>
-            <a:fld id="{0B931EDA-BCF8-BB4B-B4D1-2CFE062FA080}" type="datetime1">
+            <a:fld id="{52D104B6-D63E-FE41-98E2-AF7FB6EA6483}" type="datetime1">
               <a:rPr lang="en-US" smtClean="0"/>
               <a:pPr/>
-              <a:t>10/20/2022</a:t>
+              <a:t>10/25/2022</a:t>
             </a:fld>
             <a:endParaRPr lang="en-US" dirty="0"/>
           </a:p>
@@ -27315,10 +26637,10 @@
       </p:sp>
       <p:sp>
         <p:nvSpPr>
-          <p:cNvPr id="8" name="Footer Placeholder 7">
+          <p:cNvPr id="4" name="Footer Placeholder 3">
             <a:extLst>
               <a:ext uri="{FF2B5EF4-FFF2-40B4-BE49-F238E27FC236}">
-                <a16:creationId xmlns:a16="http://schemas.microsoft.com/office/drawing/2014/main" id="{0DD1986A-9AF9-5C45-BE85-20D5AA267AE1}"/>
+                <a16:creationId xmlns:a16="http://schemas.microsoft.com/office/drawing/2014/main" id="{E9CE3E8F-3700-FE42-BA65-89071D20A786}"/>
               </a:ext>
             </a:extLst>
           </p:cNvPr>
@@ -27326,7 +26648,7 @@
             <a:spLocks noGrp="1"/>
           </p:cNvSpPr>
           <p:nvPr>
-            <p:ph type="ftr" sz="quarter" idx="3"/>
+            <p:ph type="ftr" sz="quarter" idx="26"/>
           </p:nvPr>
         </p:nvSpPr>
         <p:spPr>
@@ -27348,10 +26670,10 @@
       </p:sp>
       <p:sp>
         <p:nvSpPr>
-          <p:cNvPr id="9" name="Slide Number Placeholder 8">
+          <p:cNvPr id="5" name="Slide Number Placeholder 4">
             <a:extLst>
               <a:ext uri="{FF2B5EF4-FFF2-40B4-BE49-F238E27FC236}">
-                <a16:creationId xmlns:a16="http://schemas.microsoft.com/office/drawing/2014/main" id="{6FD448B0-743E-0045-8131-69B4EEC58365}"/>
+                <a16:creationId xmlns:a16="http://schemas.microsoft.com/office/drawing/2014/main" id="{352A2850-23AF-A249-8907-5DAF2E2D2269}"/>
               </a:ext>
             </a:extLst>
           </p:cNvPr>
@@ -27359,13 +26681,13 @@
             <a:spLocks noGrp="1"/>
           </p:cNvSpPr>
           <p:nvPr>
-            <p:ph type="sldNum" sz="quarter" idx="4"/>
+            <p:ph type="sldNum" sz="quarter" idx="27"/>
           </p:nvPr>
         </p:nvSpPr>
         <p:spPr>
           <a:xfrm>
-            <a:off x="10153276" y="6356350"/>
-            <a:ext cx="1657723" cy="365125"/>
+            <a:off x="9067800" y="6356350"/>
+            <a:ext cx="2743200" cy="365125"/>
           </a:xfrm>
         </p:spPr>
         <p:txBody>
@@ -27384,7 +26706,7 @@
     </p:spTree>
     <p:extLst>
       <p:ext uri="{BB962C8B-B14F-4D97-AF65-F5344CB8AC3E}">
-        <p14:creationId xmlns:p14="http://schemas.microsoft.com/office/powerpoint/2010/main" val="2563119616"/>
+        <p14:creationId xmlns:p14="http://schemas.microsoft.com/office/powerpoint/2010/main" val="3396266754"/>
       </p:ext>
     </p:extLst>
   </p:cSld>
@@ -27416,7 +26738,7 @@
           <p:cNvPr id="2" name="Title 1">
             <a:extLst>
               <a:ext uri="{FF2B5EF4-FFF2-40B4-BE49-F238E27FC236}">
-                <a16:creationId xmlns:a16="http://schemas.microsoft.com/office/drawing/2014/main" id="{E5F191A4-7839-4F63-B17C-7C366C59488C}"/>
+                <a16:creationId xmlns:a16="http://schemas.microsoft.com/office/drawing/2014/main" id="{DD0B6389-2374-4677-B8BB-59410CCC32FD}"/>
               </a:ext>
             </a:extLst>
           </p:cNvPr>
@@ -27434,250 +26756,249 @@
           </a:xfrm>
         </p:spPr>
         <p:txBody>
-          <a:bodyPr/>
+          <a:bodyPr>
+            <a:normAutofit/>
+          </a:bodyPr>
           <a:lstStyle/>
           <a:p>
             <a:r>
               <a:rPr lang="en-US" dirty="0"/>
-              <a:t>How we get there</a:t>
+              <a:t>Plan for product launch </a:t>
+            </a:r>
+          </a:p>
+        </p:txBody>
+      </p:sp>
+      <p:graphicFrame>
+        <p:nvGraphicFramePr>
+          <p:cNvPr id="6" name="Content Placeholder 3" descr="Timeline Placeholder ">
+            <a:extLst>
+              <a:ext uri="{FF2B5EF4-FFF2-40B4-BE49-F238E27FC236}">
+                <a16:creationId xmlns:a16="http://schemas.microsoft.com/office/drawing/2014/main" id="{85168BDF-A0D9-4916-A9F9-41D8175A703C}"/>
+              </a:ext>
+            </a:extLst>
+          </p:cNvPr>
+          <p:cNvGraphicFramePr>
+            <a:graphicFrameLocks noGrp="1" noChangeAspect="1"/>
+          </p:cNvGraphicFramePr>
+          <p:nvPr>
+            <p:extLst>
+              <p:ext uri="{D42A27DB-BD31-4B8C-83A1-F6EECF244321}">
+                <p14:modId xmlns:p14="http://schemas.microsoft.com/office/powerpoint/2010/main" val="2447468529"/>
+              </p:ext>
+            </p:extLst>
+          </p:nvPr>
+        </p:nvGraphicFramePr>
+        <p:xfrm>
+          <a:off x="1251312" y="2082555"/>
+          <a:ext cx="9689375" cy="3940870"/>
+        </p:xfrm>
+        <a:graphic>
+          <a:graphicData uri="http://schemas.openxmlformats.org/drawingml/2006/diagram">
+            <dgm:relIds xmlns:dgm="http://schemas.openxmlformats.org/drawingml/2006/diagram" xmlns:r="http://schemas.openxmlformats.org/officeDocument/2006/relationships" r:dm="rId2" r:lo="rId3" r:qs="rId4" r:cs="rId5"/>
+          </a:graphicData>
+        </a:graphic>
+      </p:graphicFrame>
+      <p:sp>
+        <p:nvSpPr>
+          <p:cNvPr id="4" name="TextBox 3">
+            <a:extLst>
+              <a:ext uri="{FF2B5EF4-FFF2-40B4-BE49-F238E27FC236}">
+                <a16:creationId xmlns:a16="http://schemas.microsoft.com/office/drawing/2014/main" id="{9C0179B5-0800-154F-80F6-614473C055BD}"/>
+              </a:ext>
+            </a:extLst>
+          </p:cNvPr>
+          <p:cNvSpPr txBox="1"/>
+          <p:nvPr/>
+        </p:nvSpPr>
+        <p:spPr>
+          <a:xfrm>
+            <a:off x="2042809" y="2674641"/>
+            <a:ext cx="350196" cy="646331"/>
+          </a:xfrm>
+          <a:prstGeom prst="rect">
+            <a:avLst/>
+          </a:prstGeom>
+          <a:noFill/>
+        </p:spPr>
+        <p:txBody>
+          <a:bodyPr wrap="square" rtlCol="0">
+            <a:spAutoFit/>
+          </a:bodyPr>
+          <a:lstStyle/>
+          <a:p>
+            <a:pPr algn="ctr"/>
+            <a:r>
+              <a:rPr lang="en-US" sz="3600" b="1" dirty="0">
+                <a:solidFill>
+                  <a:schemeClr val="bg1"/>
+                </a:solidFill>
+                <a:latin typeface="Tenorite" pitchFamily="2" charset="0"/>
+              </a:rPr>
+              <a:t>1</a:t>
             </a:r>
           </a:p>
         </p:txBody>
       </p:sp>
       <p:sp>
         <p:nvSpPr>
-          <p:cNvPr id="9" name="Content Placeholder 8">
+          <p:cNvPr id="7" name="TextBox 6">
             <a:extLst>
               <a:ext uri="{FF2B5EF4-FFF2-40B4-BE49-F238E27FC236}">
-                <a16:creationId xmlns:a16="http://schemas.microsoft.com/office/drawing/2014/main" id="{472FA7B1-CD7F-3646-B44C-91A107A0CBEE}"/>
+                <a16:creationId xmlns:a16="http://schemas.microsoft.com/office/drawing/2014/main" id="{B468C313-80C0-8840-8702-F1084174C592}"/>
               </a:ext>
             </a:extLst>
           </p:cNvPr>
-          <p:cNvSpPr>
-            <a:spLocks noGrp="1"/>
-          </p:cNvSpPr>
-          <p:nvPr>
-            <p:ph idx="11"/>
-          </p:nvPr>
+          <p:cNvSpPr txBox="1"/>
+          <p:nvPr/>
         </p:nvSpPr>
         <p:spPr>
           <a:xfrm>
-            <a:off x="1167493" y="2003804"/>
-            <a:ext cx="3173278" cy="522514"/>
+            <a:off x="4002238" y="2674641"/>
+            <a:ext cx="350196" cy="646331"/>
           </a:xfrm>
+          <a:prstGeom prst="rect">
+            <a:avLst/>
+          </a:prstGeom>
+          <a:noFill/>
         </p:spPr>
         <p:txBody>
-          <a:bodyPr/>
+          <a:bodyPr wrap="square" rtlCol="0">
+            <a:spAutoFit/>
+          </a:bodyPr>
           <a:lstStyle/>
           <a:p>
+            <a:pPr algn="ctr"/>
             <a:r>
-              <a:rPr lang="en-US" dirty="0"/>
-              <a:t>ROI</a:t>
+              <a:rPr lang="en-US" sz="3600" b="1" dirty="0">
+                <a:solidFill>
+                  <a:schemeClr val="bg1"/>
+                </a:solidFill>
+                <a:latin typeface="Tenorite" pitchFamily="2" charset="0"/>
+              </a:rPr>
+              <a:t>2</a:t>
             </a:r>
           </a:p>
         </p:txBody>
       </p:sp>
       <p:sp>
         <p:nvSpPr>
-          <p:cNvPr id="4" name="Content Placeholder 3">
+          <p:cNvPr id="8" name="TextBox 7">
             <a:extLst>
               <a:ext uri="{FF2B5EF4-FFF2-40B4-BE49-F238E27FC236}">
-                <a16:creationId xmlns:a16="http://schemas.microsoft.com/office/drawing/2014/main" id="{9B9ED227-95A7-4B08-91FE-5E0EF0D41D20}"/>
+                <a16:creationId xmlns:a16="http://schemas.microsoft.com/office/drawing/2014/main" id="{4E863C6B-1856-BC43-A090-B182EAB34EB8}"/>
               </a:ext>
             </a:extLst>
           </p:cNvPr>
-          <p:cNvSpPr>
-            <a:spLocks noGrp="1"/>
-          </p:cNvSpPr>
-          <p:nvPr>
-            <p:ph idx="1"/>
-          </p:nvPr>
+          <p:cNvSpPr txBox="1"/>
+          <p:nvPr/>
         </p:nvSpPr>
         <p:spPr>
           <a:xfrm>
-            <a:off x="1167491" y="2526318"/>
-            <a:ext cx="3218688" cy="2828613"/>
+            <a:off x="5932638" y="2674641"/>
+            <a:ext cx="350196" cy="646331"/>
           </a:xfrm>
+          <a:prstGeom prst="rect">
+            <a:avLst/>
+          </a:prstGeom>
+          <a:noFill/>
         </p:spPr>
         <p:txBody>
-          <a:bodyPr vert="horz" lIns="91440" tIns="45720" rIns="91440" bIns="45720" rtlCol="0" anchor="t">
-            <a:noAutofit/>
+          <a:bodyPr wrap="square" rtlCol="0">
+            <a:spAutoFit/>
           </a:bodyPr>
           <a:lstStyle/>
           <a:p>
+            <a:pPr algn="ctr"/>
             <a:r>
-              <a:rPr lang="en-US" dirty="0"/>
-              <a:t>Envision multimedia-based expertise and cross-media growth strategies</a:t>
+              <a:rPr lang="en-US" sz="3600" b="1" dirty="0">
+                <a:solidFill>
+                  <a:schemeClr val="bg1"/>
+                </a:solidFill>
+                <a:latin typeface="Tenorite" pitchFamily="2" charset="0"/>
+              </a:rPr>
+              <a:t>3</a:t>
             </a:r>
-          </a:p>
-          <a:p>
-            <a:r>
-              <a:rPr lang="en-US" dirty="0"/>
-              <a:t>Visualize quality intellectual capital</a:t>
-            </a:r>
-          </a:p>
-          <a:p>
-            <a:r>
-              <a:rPr lang="en-US" dirty="0"/>
-              <a:t>Engage worldwide methodologies with web-enabled technologies</a:t>
-            </a:r>
-          </a:p>
-          <a:p>
-            <a:endParaRPr lang="en-US" dirty="0"/>
-          </a:p>
-          <a:p>
-            <a:endParaRPr lang="en-US" dirty="0"/>
           </a:p>
         </p:txBody>
       </p:sp>
       <p:sp>
         <p:nvSpPr>
-          <p:cNvPr id="10" name="Content Placeholder 9">
+          <p:cNvPr id="9" name="TextBox 8">
             <a:extLst>
               <a:ext uri="{FF2B5EF4-FFF2-40B4-BE49-F238E27FC236}">
-                <a16:creationId xmlns:a16="http://schemas.microsoft.com/office/drawing/2014/main" id="{585697B7-EBBB-0E4B-AA02-0D3F94821C6E}"/>
+                <a16:creationId xmlns:a16="http://schemas.microsoft.com/office/drawing/2014/main" id="{3AE770E3-D227-CD4E-83C4-44744E774884}"/>
               </a:ext>
             </a:extLst>
           </p:cNvPr>
-          <p:cNvSpPr>
-            <a:spLocks noGrp="1"/>
-          </p:cNvSpPr>
-          <p:nvPr>
-            <p:ph idx="12"/>
-          </p:nvPr>
+          <p:cNvSpPr txBox="1"/>
+          <p:nvPr/>
         </p:nvSpPr>
         <p:spPr>
           <a:xfrm>
-            <a:off x="4683788" y="2003804"/>
-            <a:ext cx="3173278" cy="522514"/>
+            <a:off x="7863038" y="2674641"/>
+            <a:ext cx="350196" cy="646331"/>
           </a:xfrm>
+          <a:prstGeom prst="rect">
+            <a:avLst/>
+          </a:prstGeom>
+          <a:noFill/>
         </p:spPr>
         <p:txBody>
-          <a:bodyPr/>
+          <a:bodyPr wrap="square" rtlCol="0">
+            <a:spAutoFit/>
+          </a:bodyPr>
           <a:lstStyle/>
           <a:p>
+            <a:pPr algn="ctr"/>
             <a:r>
-              <a:rPr lang="en-US" dirty="0"/>
-              <a:t>Niche Markets</a:t>
+              <a:rPr lang="en-US" sz="3600" b="1" dirty="0">
+                <a:solidFill>
+                  <a:schemeClr val="bg1"/>
+                </a:solidFill>
+                <a:latin typeface="Tenorite" pitchFamily="2" charset="0"/>
+              </a:rPr>
+              <a:t>4</a:t>
             </a:r>
           </a:p>
         </p:txBody>
       </p:sp>
       <p:sp>
         <p:nvSpPr>
-          <p:cNvPr id="5" name="Content Placeholder 4">
+          <p:cNvPr id="10" name="TextBox 9">
             <a:extLst>
               <a:ext uri="{FF2B5EF4-FFF2-40B4-BE49-F238E27FC236}">
-                <a16:creationId xmlns:a16="http://schemas.microsoft.com/office/drawing/2014/main" id="{9C2ECAAA-1E9C-4845-8EA9-E11A76F08150}"/>
+                <a16:creationId xmlns:a16="http://schemas.microsoft.com/office/drawing/2014/main" id="{10C47546-62E7-304A-8631-60D9B8E543BE}"/>
               </a:ext>
             </a:extLst>
           </p:cNvPr>
-          <p:cNvSpPr>
-            <a:spLocks noGrp="1"/>
-          </p:cNvSpPr>
-          <p:nvPr>
-            <p:ph idx="10"/>
-          </p:nvPr>
+          <p:cNvSpPr txBox="1"/>
+          <p:nvPr/>
         </p:nvSpPr>
         <p:spPr>
           <a:xfrm>
-            <a:off x="4683787" y="2526318"/>
-            <a:ext cx="3173279" cy="2828613"/>
+            <a:off x="9807953" y="2674641"/>
+            <a:ext cx="350196" cy="646331"/>
           </a:xfrm>
+          <a:prstGeom prst="rect">
+            <a:avLst/>
+          </a:prstGeom>
+          <a:noFill/>
         </p:spPr>
         <p:txBody>
-          <a:bodyPr vert="horz" lIns="91440" tIns="45720" rIns="91440" bIns="45720" rtlCol="0" anchor="t">
-            <a:normAutofit/>
+          <a:bodyPr wrap="square" rtlCol="0">
+            <a:spAutoFit/>
           </a:bodyPr>
           <a:lstStyle/>
           <a:p>
+            <a:pPr algn="ctr"/>
             <a:r>
-              <a:rPr lang="en-US" dirty="0"/>
-              <a:t>Pursue scalable customer service through sustainable strategies</a:t>
-            </a:r>
-          </a:p>
-          <a:p>
-            <a:r>
-              <a:rPr lang="en-US" dirty="0"/>
-              <a:t>Engage top-line web services with cutting-edge deliverables</a:t>
-            </a:r>
-          </a:p>
-          <a:p>
-            <a:endParaRPr lang="en-US" dirty="0"/>
-          </a:p>
-          <a:p>
-            <a:endParaRPr lang="en-US" dirty="0"/>
-          </a:p>
-        </p:txBody>
-      </p:sp>
-      <p:sp>
-        <p:nvSpPr>
-          <p:cNvPr id="13" name="Content Placeholder 12">
-            <a:extLst>
-              <a:ext uri="{FF2B5EF4-FFF2-40B4-BE49-F238E27FC236}">
-                <a16:creationId xmlns:a16="http://schemas.microsoft.com/office/drawing/2014/main" id="{EB1FFBC5-1733-5E4A-BF11-2C157D9917CC}"/>
-              </a:ext>
-            </a:extLst>
-          </p:cNvPr>
-          <p:cNvSpPr>
-            <a:spLocks noGrp="1"/>
-          </p:cNvSpPr>
-          <p:nvPr>
-            <p:ph idx="14"/>
-          </p:nvPr>
-        </p:nvSpPr>
-        <p:spPr>
-          <a:xfrm>
-            <a:off x="8200083" y="2003804"/>
-            <a:ext cx="3173278" cy="522514"/>
-          </a:xfrm>
-        </p:spPr>
-        <p:txBody>
-          <a:bodyPr/>
-          <a:lstStyle/>
-          <a:p>
-            <a:r>
-              <a:rPr lang="en-US" dirty="0"/>
-              <a:t>Supply chains</a:t>
-            </a:r>
-          </a:p>
-        </p:txBody>
-      </p:sp>
-      <p:sp>
-        <p:nvSpPr>
-          <p:cNvPr id="11" name="Content Placeholder 10">
-            <a:extLst>
-              <a:ext uri="{FF2B5EF4-FFF2-40B4-BE49-F238E27FC236}">
-                <a16:creationId xmlns:a16="http://schemas.microsoft.com/office/drawing/2014/main" id="{48A12450-9474-8A49-BAEB-20C6F51540D5}"/>
-              </a:ext>
-            </a:extLst>
-          </p:cNvPr>
-          <p:cNvSpPr>
-            <a:spLocks noGrp="1"/>
-          </p:cNvSpPr>
-          <p:nvPr>
-            <p:ph idx="13"/>
-          </p:nvPr>
-        </p:nvSpPr>
-        <p:spPr>
-          <a:xfrm>
-            <a:off x="8200082" y="2526318"/>
-            <a:ext cx="3173279" cy="2828613"/>
-          </a:xfrm>
-        </p:spPr>
-        <p:txBody>
-          <a:bodyPr/>
-          <a:lstStyle/>
-          <a:p>
-            <a:r>
-              <a:rPr lang="en-US" dirty="0"/>
-              <a:t>Cultivate one-to-one customer service with robust ideas</a:t>
-            </a:r>
-          </a:p>
-          <a:p>
-            <a:r>
-              <a:rPr lang="en-US" dirty="0"/>
-              <a:t>Maximize timely deliverables for real-time schemas</a:t>
+              <a:rPr lang="en-US" sz="3600" b="1" dirty="0">
+                <a:solidFill>
+                  <a:schemeClr val="bg1"/>
+                </a:solidFill>
+                <a:latin typeface="Tenorite" pitchFamily="2" charset="0"/>
+              </a:rPr>
+              <a:t>5</a:t>
             </a:r>
           </a:p>
         </p:txBody>
@@ -27687,7 +27008,7 @@
           <p:cNvPr id="3" name="Date Placeholder 2">
             <a:extLst>
               <a:ext uri="{FF2B5EF4-FFF2-40B4-BE49-F238E27FC236}">
-                <a16:creationId xmlns:a16="http://schemas.microsoft.com/office/drawing/2014/main" id="{75202033-17DD-3E4F-BB90-ADC6A1F0C66F}"/>
+                <a16:creationId xmlns:a16="http://schemas.microsoft.com/office/drawing/2014/main" id="{3FE88D32-0135-7B4F-AD5F-EA1673D46765}"/>
               </a:ext>
             </a:extLst>
           </p:cNvPr>
@@ -27701,17 +27022,17 @@
         <p:spPr>
           <a:xfrm>
             <a:off x="381000" y="6356350"/>
-            <a:ext cx="1767114" cy="365125"/>
+            <a:ext cx="1701018" cy="365125"/>
           </a:xfrm>
         </p:spPr>
         <p:txBody>
           <a:bodyPr/>
           <a:lstStyle/>
           <a:p>
-            <a:fld id="{A42FF1E2-60E5-C540-AA54-7072D5406B0B}" type="datetime1">
+            <a:fld id="{D5E2F4D9-1A6B-894D-9E7D-8548C879BC04}" type="datetime1">
               <a:rPr lang="en-US" smtClean="0"/>
               <a:pPr/>
-              <a:t>10/20/2022</a:t>
+              <a:t>10/25/2022</a:t>
             </a:fld>
             <a:endParaRPr lang="en-US" dirty="0"/>
           </a:p>
@@ -27719,10 +27040,10 @@
       </p:sp>
       <p:sp>
         <p:nvSpPr>
-          <p:cNvPr id="7" name="Footer Placeholder 6">
+          <p:cNvPr id="11" name="Footer Placeholder 10">
             <a:extLst>
               <a:ext uri="{FF2B5EF4-FFF2-40B4-BE49-F238E27FC236}">
-                <a16:creationId xmlns:a16="http://schemas.microsoft.com/office/drawing/2014/main" id="{B42ACFC2-B54A-8244-B5D9-4B1EC2EED59D}"/>
+                <a16:creationId xmlns:a16="http://schemas.microsoft.com/office/drawing/2014/main" id="{EBF4ECF3-F211-3447-AF95-22487182EEF2}"/>
               </a:ext>
             </a:extLst>
           </p:cNvPr>
@@ -27752,10 +27073,10 @@
       </p:sp>
       <p:sp>
         <p:nvSpPr>
-          <p:cNvPr id="8" name="Slide Number Placeholder 7">
+          <p:cNvPr id="12" name="Slide Number Placeholder 11">
             <a:extLst>
               <a:ext uri="{FF2B5EF4-FFF2-40B4-BE49-F238E27FC236}">
-                <a16:creationId xmlns:a16="http://schemas.microsoft.com/office/drawing/2014/main" id="{B609FC03-B5BE-D846-993A-8E351C9509F3}"/>
+                <a16:creationId xmlns:a16="http://schemas.microsoft.com/office/drawing/2014/main" id="{6308D1AB-33EC-174A-AFF4-6B9718A863B4}"/>
               </a:ext>
             </a:extLst>
           </p:cNvPr>
@@ -27788,7 +27109,7 @@
     </p:spTree>
     <p:extLst>
       <p:ext uri="{BB962C8B-B14F-4D97-AF65-F5344CB8AC3E}">
-        <p14:creationId xmlns:p14="http://schemas.microsoft.com/office/powerpoint/2010/main" val="2721508595"/>
+        <p14:creationId xmlns:p14="http://schemas.microsoft.com/office/powerpoint/2010/main" val="700209266"/>
       </p:ext>
     </p:extLst>
   </p:cSld>
@@ -27820,7 +27141,7 @@
           <p:cNvPr id="2" name="Title 1">
             <a:extLst>
               <a:ext uri="{FF2B5EF4-FFF2-40B4-BE49-F238E27FC236}">
-                <a16:creationId xmlns:a16="http://schemas.microsoft.com/office/drawing/2014/main" id="{42D1A202-23A3-4F3A-AA92-0172C8D2DA06}"/>
+                <a16:creationId xmlns:a16="http://schemas.microsoft.com/office/drawing/2014/main" id="{19256B7E-1633-44AB-8584-82DF5B726834}"/>
               </a:ext>
             </a:extLst>
           </p:cNvPr>
@@ -27843,17 +27164,17 @@
           <a:p>
             <a:r>
               <a:rPr lang="en-US" dirty="0"/>
-              <a:t>Summary </a:t>
+              <a:t>Areas of focus</a:t>
             </a:r>
           </a:p>
         </p:txBody>
       </p:sp>
       <p:sp>
         <p:nvSpPr>
-          <p:cNvPr id="3" name="Content Placeholder 2">
+          <p:cNvPr id="3" name="Text Placeholder 2">
             <a:extLst>
               <a:ext uri="{FF2B5EF4-FFF2-40B4-BE49-F238E27FC236}">
-                <a16:creationId xmlns:a16="http://schemas.microsoft.com/office/drawing/2014/main" id="{7B943E7C-A74D-4CB3-844B-51917C88C95F}"/>
+                <a16:creationId xmlns:a16="http://schemas.microsoft.com/office/drawing/2014/main" id="{EFB90AB4-D228-4548-B072-726498212362}"/>
               </a:ext>
             </a:extLst>
           </p:cNvPr>
@@ -27861,13 +27182,46 @@
             <a:spLocks noGrp="1"/>
           </p:cNvSpPr>
           <p:nvPr>
-            <p:ph type="body" idx="1"/>
+            <p:ph idx="11"/>
           </p:nvPr>
         </p:nvSpPr>
         <p:spPr>
           <a:xfrm>
-            <a:off x="1167492" y="2653167"/>
-            <a:ext cx="9779183" cy="3436483"/>
+            <a:off x="1167493" y="2005689"/>
+            <a:ext cx="4663440" cy="522514"/>
+          </a:xfrm>
+        </p:spPr>
+        <p:txBody>
+          <a:bodyPr/>
+          <a:lstStyle/>
+          <a:p>
+            <a:r>
+              <a:rPr lang="en-US" dirty="0"/>
+              <a:t>B2B market scenarios</a:t>
+            </a:r>
+          </a:p>
+        </p:txBody>
+      </p:sp>
+      <p:sp>
+        <p:nvSpPr>
+          <p:cNvPr id="4" name="Content Placeholder 3">
+            <a:extLst>
+              <a:ext uri="{FF2B5EF4-FFF2-40B4-BE49-F238E27FC236}">
+                <a16:creationId xmlns:a16="http://schemas.microsoft.com/office/drawing/2014/main" id="{950677C9-3E42-427F-93B8-526692906471}"/>
+              </a:ext>
+            </a:extLst>
+          </p:cNvPr>
+          <p:cNvSpPr>
+            <a:spLocks noGrp="1"/>
+          </p:cNvSpPr>
+          <p:nvPr>
+            <p:ph idx="1"/>
+          </p:nvPr>
+        </p:nvSpPr>
+        <p:spPr>
+          <a:xfrm>
+            <a:off x="1167493" y="2528203"/>
+            <a:ext cx="4663440" cy="2828613"/>
           </a:xfrm>
         </p:spPr>
         <p:txBody>
@@ -27878,20 +27232,29 @@
           <a:p>
             <a:r>
               <a:rPr lang="en-US" dirty="0"/>
-              <a:t>At Contoso, we believe in giving 110%. By using our next-generation data architecture, we help organizations virtually manage agile workflows. We thrive because of our market knowledge and great team behind our product. As our CEO says, "Efficiencies will come from proactively transforming how we do business."</a:t>
+              <a:t>Develop winning strategies to keep ahead of the competition</a:t>
             </a:r>
           </a:p>
           <a:p>
-            <a:endParaRPr lang="en-US" dirty="0"/>
+            <a:r>
+              <a:rPr lang="en-US" dirty="0"/>
+              <a:t>Capitalize on low-hanging fruit to identify a ballpark value</a:t>
+            </a:r>
+          </a:p>
+          <a:p>
+            <a:r>
+              <a:rPr lang="en-US" dirty="0"/>
+              <a:t>Visualize customer directed convergence</a:t>
+            </a:r>
           </a:p>
         </p:txBody>
       </p:sp>
       <p:sp>
         <p:nvSpPr>
-          <p:cNvPr id="4" name="Date Placeholder 3">
+          <p:cNvPr id="6" name="Text Placeholder 5">
             <a:extLst>
               <a:ext uri="{FF2B5EF4-FFF2-40B4-BE49-F238E27FC236}">
-                <a16:creationId xmlns:a16="http://schemas.microsoft.com/office/drawing/2014/main" id="{3A738329-E174-7440-8FD5-179A15324C63}"/>
+                <a16:creationId xmlns:a16="http://schemas.microsoft.com/office/drawing/2014/main" id="{F5018B6D-E395-49AD-92AD-AD69E3AB40C3}"/>
               </a:ext>
             </a:extLst>
           </p:cNvPr>
@@ -27899,7 +27262,81 @@
             <a:spLocks noGrp="1"/>
           </p:cNvSpPr>
           <p:nvPr>
-            <p:ph type="dt" sz="half" idx="10"/>
+            <p:ph idx="12"/>
+          </p:nvPr>
+        </p:nvSpPr>
+        <p:spPr>
+          <a:xfrm>
+            <a:off x="6283235" y="2005689"/>
+            <a:ext cx="4663440" cy="522514"/>
+          </a:xfrm>
+        </p:spPr>
+        <p:txBody>
+          <a:bodyPr/>
+          <a:lstStyle/>
+          <a:p>
+            <a:r>
+              <a:rPr lang="en-US" dirty="0"/>
+              <a:t>Cloud-based opportunities</a:t>
+            </a:r>
+          </a:p>
+        </p:txBody>
+      </p:sp>
+      <p:sp>
+        <p:nvSpPr>
+          <p:cNvPr id="5" name="Content Placeholder 4">
+            <a:extLst>
+              <a:ext uri="{FF2B5EF4-FFF2-40B4-BE49-F238E27FC236}">
+                <a16:creationId xmlns:a16="http://schemas.microsoft.com/office/drawing/2014/main" id="{BDB9D020-1E25-453D-83DF-1420ACD3968D}"/>
+              </a:ext>
+            </a:extLst>
+          </p:cNvPr>
+          <p:cNvSpPr>
+            <a:spLocks noGrp="1"/>
+          </p:cNvSpPr>
+          <p:nvPr>
+            <p:ph idx="10"/>
+          </p:nvPr>
+        </p:nvSpPr>
+        <p:spPr>
+          <a:xfrm>
+            <a:off x="6283235" y="2528203"/>
+            <a:ext cx="4663440" cy="2828613"/>
+          </a:xfrm>
+        </p:spPr>
+        <p:txBody>
+          <a:bodyPr vert="horz" lIns="91440" tIns="45720" rIns="91440" bIns="45720" rtlCol="0" anchor="t">
+            <a:normAutofit/>
+          </a:bodyPr>
+          <a:lstStyle/>
+          <a:p>
+            <a:r>
+              <a:rPr lang="en-US" dirty="0"/>
+              <a:t>Iterative approaches to corporate strategy</a:t>
+            </a:r>
+          </a:p>
+          <a:p>
+            <a:r>
+              <a:rPr lang="en-US" dirty="0"/>
+              <a:t>Establish a management framework from the inside</a:t>
+            </a:r>
+          </a:p>
+        </p:txBody>
+      </p:sp>
+      <p:sp>
+        <p:nvSpPr>
+          <p:cNvPr id="7" name="Date Placeholder 6">
+            <a:extLst>
+              <a:ext uri="{FF2B5EF4-FFF2-40B4-BE49-F238E27FC236}">
+                <a16:creationId xmlns:a16="http://schemas.microsoft.com/office/drawing/2014/main" id="{1EB64BEF-8367-144A-9F53-7A1282A32569}"/>
+              </a:ext>
+            </a:extLst>
+          </p:cNvPr>
+          <p:cNvSpPr>
+            <a:spLocks noGrp="1"/>
+          </p:cNvSpPr>
+          <p:nvPr>
+            <p:ph type="dt" sz="half" idx="2"/>
           </p:nvPr>
         </p:nvSpPr>
         <p:spPr>
@@ -27912,10 +27349,10 @@
           <a:bodyPr/>
           <a:lstStyle/>
           <a:p>
-            <a:fld id="{7FA0C2EE-8499-394A-A22C-DABDB4752AEE}" type="datetime1">
+            <a:fld id="{0B931EDA-BCF8-BB4B-B4D1-2CFE062FA080}" type="datetime1">
               <a:rPr lang="en-US" smtClean="0"/>
               <a:pPr/>
-              <a:t>10/20/2022</a:t>
+              <a:t>10/25/2022</a:t>
             </a:fld>
             <a:endParaRPr lang="en-US" dirty="0"/>
           </a:p>
@@ -27923,10 +27360,10 @@
       </p:sp>
       <p:sp>
         <p:nvSpPr>
-          <p:cNvPr id="5" name="Footer Placeholder 4">
+          <p:cNvPr id="8" name="Footer Placeholder 7">
             <a:extLst>
               <a:ext uri="{FF2B5EF4-FFF2-40B4-BE49-F238E27FC236}">
-                <a16:creationId xmlns:a16="http://schemas.microsoft.com/office/drawing/2014/main" id="{03FD8152-D9C3-204A-9444-45CD4F180EB4}"/>
+                <a16:creationId xmlns:a16="http://schemas.microsoft.com/office/drawing/2014/main" id="{0DD1986A-9AF9-5C45-BE85-20D5AA267AE1}"/>
               </a:ext>
             </a:extLst>
           </p:cNvPr>
@@ -27934,7 +27371,7 @@
             <a:spLocks noGrp="1"/>
           </p:cNvSpPr>
           <p:nvPr>
-            <p:ph type="ftr" sz="quarter" idx="11"/>
+            <p:ph type="ftr" sz="quarter" idx="3"/>
           </p:nvPr>
         </p:nvSpPr>
         <p:spPr>
@@ -27956,10 +27393,10 @@
       </p:sp>
       <p:sp>
         <p:nvSpPr>
-          <p:cNvPr id="6" name="Slide Number Placeholder 5">
+          <p:cNvPr id="9" name="Slide Number Placeholder 8">
             <a:extLst>
               <a:ext uri="{FF2B5EF4-FFF2-40B4-BE49-F238E27FC236}">
-                <a16:creationId xmlns:a16="http://schemas.microsoft.com/office/drawing/2014/main" id="{B25B7362-01DC-0E4C-9B34-0DF3FD449CAD}"/>
+                <a16:creationId xmlns:a16="http://schemas.microsoft.com/office/drawing/2014/main" id="{6FD448B0-743E-0045-8131-69B4EEC58365}"/>
               </a:ext>
             </a:extLst>
           </p:cNvPr>
@@ -27967,13 +27404,13 @@
             <a:spLocks noGrp="1"/>
           </p:cNvSpPr>
           <p:nvPr>
-            <p:ph type="sldNum" sz="quarter" idx="12"/>
+            <p:ph type="sldNum" sz="quarter" idx="4"/>
           </p:nvPr>
         </p:nvSpPr>
         <p:spPr>
           <a:xfrm>
-            <a:off x="10206318" y="6356350"/>
-            <a:ext cx="1604682" cy="365125"/>
+            <a:off x="10153276" y="6356350"/>
+            <a:ext cx="1657723" cy="365125"/>
           </a:xfrm>
         </p:spPr>
         <p:txBody>
@@ -27992,7 +27429,7 @@
     </p:spTree>
     <p:extLst>
       <p:ext uri="{BB962C8B-B14F-4D97-AF65-F5344CB8AC3E}">
-        <p14:creationId xmlns:p14="http://schemas.microsoft.com/office/powerpoint/2010/main" val="445070695"/>
+        <p14:creationId xmlns:p14="http://schemas.microsoft.com/office/powerpoint/2010/main" val="2563119616"/>
       </p:ext>
     </p:extLst>
   </p:cSld>
@@ -28024,7 +27461,7 @@
           <p:cNvPr id="2" name="Title 1">
             <a:extLst>
               <a:ext uri="{FF2B5EF4-FFF2-40B4-BE49-F238E27FC236}">
-                <a16:creationId xmlns:a16="http://schemas.microsoft.com/office/drawing/2014/main" id="{69FAE308-3076-43DB-B834-DA0B0AE19AF9}"/>
+                <a16:creationId xmlns:a16="http://schemas.microsoft.com/office/drawing/2014/main" id="{E5F191A4-7839-4F63-B17C-7C366C59488C}"/>
               </a:ext>
             </a:extLst>
           </p:cNvPr>
@@ -28032,13 +27469,13 @@
             <a:spLocks noGrp="1"/>
           </p:cNvSpPr>
           <p:nvPr>
-            <p:ph type="ctrTitle"/>
+            <p:ph type="title"/>
           </p:nvPr>
         </p:nvSpPr>
         <p:spPr>
           <a:xfrm>
-            <a:off x="1167494" y="1122363"/>
-            <a:ext cx="6220278" cy="2387600"/>
+            <a:off x="1167492" y="381000"/>
+            <a:ext cx="9779183" cy="1325563"/>
           </a:xfrm>
         </p:spPr>
         <p:txBody>
@@ -28047,7 +27484,411 @@
           <a:p>
             <a:r>
               <a:rPr lang="en-US" dirty="0"/>
-              <a:t>Thank you</a:t>
+              <a:t>How we get there</a:t>
+            </a:r>
+          </a:p>
+        </p:txBody>
+      </p:sp>
+      <p:sp>
+        <p:nvSpPr>
+          <p:cNvPr id="9" name="Content Placeholder 8">
+            <a:extLst>
+              <a:ext uri="{FF2B5EF4-FFF2-40B4-BE49-F238E27FC236}">
+                <a16:creationId xmlns:a16="http://schemas.microsoft.com/office/drawing/2014/main" id="{472FA7B1-CD7F-3646-B44C-91A107A0CBEE}"/>
+              </a:ext>
+            </a:extLst>
+          </p:cNvPr>
+          <p:cNvSpPr>
+            <a:spLocks noGrp="1"/>
+          </p:cNvSpPr>
+          <p:nvPr>
+            <p:ph idx="11"/>
+          </p:nvPr>
+        </p:nvSpPr>
+        <p:spPr>
+          <a:xfrm>
+            <a:off x="1167493" y="2003804"/>
+            <a:ext cx="3173278" cy="522514"/>
+          </a:xfrm>
+        </p:spPr>
+        <p:txBody>
+          <a:bodyPr/>
+          <a:lstStyle/>
+          <a:p>
+            <a:r>
+              <a:rPr lang="en-US" dirty="0"/>
+              <a:t>ROI</a:t>
+            </a:r>
+          </a:p>
+        </p:txBody>
+      </p:sp>
+      <p:sp>
+        <p:nvSpPr>
+          <p:cNvPr id="4" name="Content Placeholder 3">
+            <a:extLst>
+              <a:ext uri="{FF2B5EF4-FFF2-40B4-BE49-F238E27FC236}">
+                <a16:creationId xmlns:a16="http://schemas.microsoft.com/office/drawing/2014/main" id="{9B9ED227-95A7-4B08-91FE-5E0EF0D41D20}"/>
+              </a:ext>
+            </a:extLst>
+          </p:cNvPr>
+          <p:cNvSpPr>
+            <a:spLocks noGrp="1"/>
+          </p:cNvSpPr>
+          <p:nvPr>
+            <p:ph idx="1"/>
+          </p:nvPr>
+        </p:nvSpPr>
+        <p:spPr>
+          <a:xfrm>
+            <a:off x="1167491" y="2526318"/>
+            <a:ext cx="3218688" cy="2828613"/>
+          </a:xfrm>
+        </p:spPr>
+        <p:txBody>
+          <a:bodyPr vert="horz" lIns="91440" tIns="45720" rIns="91440" bIns="45720" rtlCol="0" anchor="t">
+            <a:noAutofit/>
+          </a:bodyPr>
+          <a:lstStyle/>
+          <a:p>
+            <a:r>
+              <a:rPr lang="en-US" dirty="0"/>
+              <a:t>Envision multimedia-based expertise and cross-media growth strategies</a:t>
+            </a:r>
+          </a:p>
+          <a:p>
+            <a:r>
+              <a:rPr lang="en-US" dirty="0"/>
+              <a:t>Visualize quality intellectual capital</a:t>
+            </a:r>
+          </a:p>
+          <a:p>
+            <a:r>
+              <a:rPr lang="en-US" dirty="0"/>
+              <a:t>Engage worldwide methodologies with web-enabled technologies</a:t>
+            </a:r>
+          </a:p>
+          <a:p>
+            <a:endParaRPr lang="en-US" dirty="0"/>
+          </a:p>
+          <a:p>
+            <a:endParaRPr lang="en-US" dirty="0"/>
+          </a:p>
+        </p:txBody>
+      </p:sp>
+      <p:sp>
+        <p:nvSpPr>
+          <p:cNvPr id="10" name="Content Placeholder 9">
+            <a:extLst>
+              <a:ext uri="{FF2B5EF4-FFF2-40B4-BE49-F238E27FC236}">
+                <a16:creationId xmlns:a16="http://schemas.microsoft.com/office/drawing/2014/main" id="{585697B7-EBBB-0E4B-AA02-0D3F94821C6E}"/>
+              </a:ext>
+            </a:extLst>
+          </p:cNvPr>
+          <p:cNvSpPr>
+            <a:spLocks noGrp="1"/>
+          </p:cNvSpPr>
+          <p:nvPr>
+            <p:ph idx="12"/>
+          </p:nvPr>
+        </p:nvSpPr>
+        <p:spPr>
+          <a:xfrm>
+            <a:off x="4683788" y="2003804"/>
+            <a:ext cx="3173278" cy="522514"/>
+          </a:xfrm>
+        </p:spPr>
+        <p:txBody>
+          <a:bodyPr/>
+          <a:lstStyle/>
+          <a:p>
+            <a:r>
+              <a:rPr lang="en-US" dirty="0"/>
+              <a:t>Niche Markets</a:t>
+            </a:r>
+          </a:p>
+        </p:txBody>
+      </p:sp>
+      <p:sp>
+        <p:nvSpPr>
+          <p:cNvPr id="5" name="Content Placeholder 4">
+            <a:extLst>
+              <a:ext uri="{FF2B5EF4-FFF2-40B4-BE49-F238E27FC236}">
+                <a16:creationId xmlns:a16="http://schemas.microsoft.com/office/drawing/2014/main" id="{9C2ECAAA-1E9C-4845-8EA9-E11A76F08150}"/>
+              </a:ext>
+            </a:extLst>
+          </p:cNvPr>
+          <p:cNvSpPr>
+            <a:spLocks noGrp="1"/>
+          </p:cNvSpPr>
+          <p:nvPr>
+            <p:ph idx="10"/>
+          </p:nvPr>
+        </p:nvSpPr>
+        <p:spPr>
+          <a:xfrm>
+            <a:off x="4683787" y="2526318"/>
+            <a:ext cx="3173279" cy="2828613"/>
+          </a:xfrm>
+        </p:spPr>
+        <p:txBody>
+          <a:bodyPr vert="horz" lIns="91440" tIns="45720" rIns="91440" bIns="45720" rtlCol="0" anchor="t">
+            <a:normAutofit/>
+          </a:bodyPr>
+          <a:lstStyle/>
+          <a:p>
+            <a:r>
+              <a:rPr lang="en-US" dirty="0"/>
+              <a:t>Pursue scalable customer service through sustainable strategies</a:t>
+            </a:r>
+          </a:p>
+          <a:p>
+            <a:r>
+              <a:rPr lang="en-US" dirty="0"/>
+              <a:t>Engage top-line web services with cutting-edge deliverables</a:t>
+            </a:r>
+          </a:p>
+          <a:p>
+            <a:endParaRPr lang="en-US" dirty="0"/>
+          </a:p>
+          <a:p>
+            <a:endParaRPr lang="en-US" dirty="0"/>
+          </a:p>
+        </p:txBody>
+      </p:sp>
+      <p:sp>
+        <p:nvSpPr>
+          <p:cNvPr id="13" name="Content Placeholder 12">
+            <a:extLst>
+              <a:ext uri="{FF2B5EF4-FFF2-40B4-BE49-F238E27FC236}">
+                <a16:creationId xmlns:a16="http://schemas.microsoft.com/office/drawing/2014/main" id="{EB1FFBC5-1733-5E4A-BF11-2C157D9917CC}"/>
+              </a:ext>
+            </a:extLst>
+          </p:cNvPr>
+          <p:cNvSpPr>
+            <a:spLocks noGrp="1"/>
+          </p:cNvSpPr>
+          <p:nvPr>
+            <p:ph idx="14"/>
+          </p:nvPr>
+        </p:nvSpPr>
+        <p:spPr>
+          <a:xfrm>
+            <a:off x="8200083" y="2003804"/>
+            <a:ext cx="3173278" cy="522514"/>
+          </a:xfrm>
+        </p:spPr>
+        <p:txBody>
+          <a:bodyPr/>
+          <a:lstStyle/>
+          <a:p>
+            <a:r>
+              <a:rPr lang="en-US" dirty="0"/>
+              <a:t>Supply chains</a:t>
+            </a:r>
+          </a:p>
+        </p:txBody>
+      </p:sp>
+      <p:sp>
+        <p:nvSpPr>
+          <p:cNvPr id="11" name="Content Placeholder 10">
+            <a:extLst>
+              <a:ext uri="{FF2B5EF4-FFF2-40B4-BE49-F238E27FC236}">
+                <a16:creationId xmlns:a16="http://schemas.microsoft.com/office/drawing/2014/main" id="{48A12450-9474-8A49-BAEB-20C6F51540D5}"/>
+              </a:ext>
+            </a:extLst>
+          </p:cNvPr>
+          <p:cNvSpPr>
+            <a:spLocks noGrp="1"/>
+          </p:cNvSpPr>
+          <p:nvPr>
+            <p:ph idx="13"/>
+          </p:nvPr>
+        </p:nvSpPr>
+        <p:spPr>
+          <a:xfrm>
+            <a:off x="8200082" y="2526318"/>
+            <a:ext cx="3173279" cy="2828613"/>
+          </a:xfrm>
+        </p:spPr>
+        <p:txBody>
+          <a:bodyPr/>
+          <a:lstStyle/>
+          <a:p>
+            <a:r>
+              <a:rPr lang="en-US" dirty="0"/>
+              <a:t>Cultivate one-to-one customer service with robust ideas</a:t>
+            </a:r>
+          </a:p>
+          <a:p>
+            <a:r>
+              <a:rPr lang="en-US" dirty="0"/>
+              <a:t>Maximize timely deliverables for real-time schemas</a:t>
+            </a:r>
+          </a:p>
+        </p:txBody>
+      </p:sp>
+      <p:sp>
+        <p:nvSpPr>
+          <p:cNvPr id="3" name="Date Placeholder 2">
+            <a:extLst>
+              <a:ext uri="{FF2B5EF4-FFF2-40B4-BE49-F238E27FC236}">
+                <a16:creationId xmlns:a16="http://schemas.microsoft.com/office/drawing/2014/main" id="{75202033-17DD-3E4F-BB90-ADC6A1F0C66F}"/>
+              </a:ext>
+            </a:extLst>
+          </p:cNvPr>
+          <p:cNvSpPr>
+            <a:spLocks noGrp="1"/>
+          </p:cNvSpPr>
+          <p:nvPr>
+            <p:ph type="dt" sz="half" idx="2"/>
+          </p:nvPr>
+        </p:nvSpPr>
+        <p:spPr>
+          <a:xfrm>
+            <a:off x="381000" y="6356350"/>
+            <a:ext cx="1767114" cy="365125"/>
+          </a:xfrm>
+        </p:spPr>
+        <p:txBody>
+          <a:bodyPr/>
+          <a:lstStyle/>
+          <a:p>
+            <a:fld id="{A42FF1E2-60E5-C540-AA54-7072D5406B0B}" type="datetime1">
+              <a:rPr lang="en-US" smtClean="0"/>
+              <a:pPr/>
+              <a:t>10/25/2022</a:t>
+            </a:fld>
+            <a:endParaRPr lang="en-US" dirty="0"/>
+          </a:p>
+        </p:txBody>
+      </p:sp>
+      <p:sp>
+        <p:nvSpPr>
+          <p:cNvPr id="7" name="Footer Placeholder 6">
+            <a:extLst>
+              <a:ext uri="{FF2B5EF4-FFF2-40B4-BE49-F238E27FC236}">
+                <a16:creationId xmlns:a16="http://schemas.microsoft.com/office/drawing/2014/main" id="{B42ACFC2-B54A-8244-B5D9-4B1EC2EED59D}"/>
+              </a:ext>
+            </a:extLst>
+          </p:cNvPr>
+          <p:cNvSpPr>
+            <a:spLocks noGrp="1"/>
+          </p:cNvSpPr>
+          <p:nvPr>
+            <p:ph type="ftr" sz="quarter" idx="3"/>
+          </p:nvPr>
+        </p:nvSpPr>
+        <p:spPr>
+          <a:xfrm>
+            <a:off x="4038600" y="6356350"/>
+            <a:ext cx="4114800" cy="365125"/>
+          </a:xfrm>
+        </p:spPr>
+        <p:txBody>
+          <a:bodyPr/>
+          <a:lstStyle/>
+          <a:p>
+            <a:r>
+              <a:rPr lang="en-US" dirty="0"/>
+              <a:t>PRESENTATION TITLE</a:t>
+            </a:r>
+          </a:p>
+        </p:txBody>
+      </p:sp>
+      <p:sp>
+        <p:nvSpPr>
+          <p:cNvPr id="8" name="Slide Number Placeholder 7">
+            <a:extLst>
+              <a:ext uri="{FF2B5EF4-FFF2-40B4-BE49-F238E27FC236}">
+                <a16:creationId xmlns:a16="http://schemas.microsoft.com/office/drawing/2014/main" id="{B609FC03-B5BE-D846-993A-8E351C9509F3}"/>
+              </a:ext>
+            </a:extLst>
+          </p:cNvPr>
+          <p:cNvSpPr>
+            <a:spLocks noGrp="1"/>
+          </p:cNvSpPr>
+          <p:nvPr>
+            <p:ph type="sldNum" sz="quarter" idx="4"/>
+          </p:nvPr>
+        </p:nvSpPr>
+        <p:spPr>
+          <a:xfrm>
+            <a:off x="10153276" y="6356350"/>
+            <a:ext cx="1657723" cy="365125"/>
+          </a:xfrm>
+        </p:spPr>
+        <p:txBody>
+          <a:bodyPr/>
+          <a:lstStyle/>
+          <a:p>
+            <a:fld id="{294A09A9-5501-47C1-A89A-A340965A2BE2}" type="slidenum">
+              <a:rPr lang="en-US" smtClean="0"/>
+              <a:pPr/>
+              <a:t>18</a:t>
+            </a:fld>
+            <a:endParaRPr lang="en-US" dirty="0"/>
+          </a:p>
+        </p:txBody>
+      </p:sp>
+    </p:spTree>
+    <p:extLst>
+      <p:ext uri="{BB962C8B-B14F-4D97-AF65-F5344CB8AC3E}">
+        <p14:creationId xmlns:p14="http://schemas.microsoft.com/office/powerpoint/2010/main" val="2721508595"/>
+      </p:ext>
+    </p:extLst>
+  </p:cSld>
+  <p:clrMapOvr>
+    <a:masterClrMapping/>
+  </p:clrMapOvr>
+</p:sld>
+</file>
+
+<file path=ppt/slides/slide19.xml><?xml version="1.0" encoding="utf-8"?>
+<p:sld xmlns:a="http://schemas.openxmlformats.org/drawingml/2006/main" xmlns:r="http://schemas.openxmlformats.org/officeDocument/2006/relationships" xmlns:p="http://schemas.openxmlformats.org/presentationml/2006/main" show="0">
+  <p:cSld>
+    <p:spTree>
+      <p:nvGrpSpPr>
+        <p:cNvPr id="1" name=""/>
+        <p:cNvGrpSpPr/>
+        <p:nvPr/>
+      </p:nvGrpSpPr>
+      <p:grpSpPr>
+        <a:xfrm>
+          <a:off x="0" y="0"/>
+          <a:ext cx="0" cy="0"/>
+          <a:chOff x="0" y="0"/>
+          <a:chExt cx="0" cy="0"/>
+        </a:xfrm>
+      </p:grpSpPr>
+      <p:sp>
+        <p:nvSpPr>
+          <p:cNvPr id="2" name="Title 1">
+            <a:extLst>
+              <a:ext uri="{FF2B5EF4-FFF2-40B4-BE49-F238E27FC236}">
+                <a16:creationId xmlns:a16="http://schemas.microsoft.com/office/drawing/2014/main" id="{42D1A202-23A3-4F3A-AA92-0172C8D2DA06}"/>
+              </a:ext>
+            </a:extLst>
+          </p:cNvPr>
+          <p:cNvSpPr>
+            <a:spLocks noGrp="1"/>
+          </p:cNvSpPr>
+          <p:nvPr>
+            <p:ph type="title"/>
+          </p:nvPr>
+        </p:nvSpPr>
+        <p:spPr>
+          <a:xfrm>
+            <a:off x="1167492" y="381000"/>
+            <a:ext cx="9779183" cy="1325563"/>
+          </a:xfrm>
+        </p:spPr>
+        <p:txBody>
+          <a:bodyPr/>
+          <a:lstStyle/>
+          <a:p>
+            <a:r>
+              <a:rPr lang="en-US" dirty="0"/>
+              <a:t>Summary </a:t>
             </a:r>
           </a:p>
         </p:txBody>
@@ -28057,7 +27898,7 @@
           <p:cNvPr id="3" name="Content Placeholder 2">
             <a:extLst>
               <a:ext uri="{FF2B5EF4-FFF2-40B4-BE49-F238E27FC236}">
-                <a16:creationId xmlns:a16="http://schemas.microsoft.com/office/drawing/2014/main" id="{BABC2CE0-8806-4B2A-A10A-32984D317434}"/>
+                <a16:creationId xmlns:a16="http://schemas.microsoft.com/office/drawing/2014/main" id="{7B943E7C-A74D-4CB3-844B-51917C88C95F}"/>
               </a:ext>
             </a:extLst>
           </p:cNvPr>
@@ -28065,44 +27906,138 @@
             <a:spLocks noGrp="1"/>
           </p:cNvSpPr>
           <p:nvPr>
-            <p:ph type="subTitle" idx="1"/>
+            <p:ph type="body" idx="1"/>
           </p:nvPr>
         </p:nvSpPr>
         <p:spPr>
           <a:xfrm>
-            <a:off x="1167493" y="3602038"/>
-            <a:ext cx="6220277" cy="2247219"/>
+            <a:off x="1167492" y="2653167"/>
+            <a:ext cx="9779183" cy="3436483"/>
           </a:xfrm>
         </p:spPr>
         <p:txBody>
-          <a:bodyPr>
+          <a:bodyPr vert="horz" lIns="91440" tIns="45720" rIns="91440" bIns="45720" rtlCol="0" anchor="t">
             <a:normAutofit/>
           </a:bodyPr>
           <a:lstStyle/>
           <a:p>
             <a:r>
               <a:rPr lang="en-US" dirty="0"/>
-              <a:t>Mirjam Nilsson​</a:t>
+              <a:t>At Contoso, we believe in giving 110%. By using our next-generation data architecture, we help organizations virtually manage agile workflows. We thrive because of our market knowledge and great team behind our product. As our CEO says, "Efficiencies will come from proactively transforming how we do business."</a:t>
             </a:r>
           </a:p>
+          <a:p>
+            <a:endParaRPr lang="en-US" dirty="0"/>
+          </a:p>
+        </p:txBody>
+      </p:sp>
+      <p:sp>
+        <p:nvSpPr>
+          <p:cNvPr id="4" name="Date Placeholder 3">
+            <a:extLst>
+              <a:ext uri="{FF2B5EF4-FFF2-40B4-BE49-F238E27FC236}">
+                <a16:creationId xmlns:a16="http://schemas.microsoft.com/office/drawing/2014/main" id="{3A738329-E174-7440-8FD5-179A15324C63}"/>
+              </a:ext>
+            </a:extLst>
+          </p:cNvPr>
+          <p:cNvSpPr>
+            <a:spLocks noGrp="1"/>
+          </p:cNvSpPr>
+          <p:nvPr>
+            <p:ph type="dt" sz="half" idx="10"/>
+          </p:nvPr>
+        </p:nvSpPr>
+        <p:spPr>
+          <a:xfrm>
+            <a:off x="381000" y="6356350"/>
+            <a:ext cx="2743200" cy="365125"/>
+          </a:xfrm>
+        </p:spPr>
+        <p:txBody>
+          <a:bodyPr/>
+          <a:lstStyle/>
+          <a:p>
+            <a:fld id="{7FA0C2EE-8499-394A-A22C-DABDB4752AEE}" type="datetime1">
+              <a:rPr lang="en-US" smtClean="0"/>
+              <a:pPr/>
+              <a:t>10/25/2022</a:t>
+            </a:fld>
+            <a:endParaRPr lang="en-US" dirty="0"/>
+          </a:p>
+        </p:txBody>
+      </p:sp>
+      <p:sp>
+        <p:nvSpPr>
+          <p:cNvPr id="5" name="Footer Placeholder 4">
+            <a:extLst>
+              <a:ext uri="{FF2B5EF4-FFF2-40B4-BE49-F238E27FC236}">
+                <a16:creationId xmlns:a16="http://schemas.microsoft.com/office/drawing/2014/main" id="{03FD8152-D9C3-204A-9444-45CD4F180EB4}"/>
+              </a:ext>
+            </a:extLst>
+          </p:cNvPr>
+          <p:cNvSpPr>
+            <a:spLocks noGrp="1"/>
+          </p:cNvSpPr>
+          <p:nvPr>
+            <p:ph type="ftr" sz="quarter" idx="11"/>
+          </p:nvPr>
+        </p:nvSpPr>
+        <p:spPr>
+          <a:xfrm>
+            <a:off x="4038600" y="6356350"/>
+            <a:ext cx="4114800" cy="365125"/>
+          </a:xfrm>
+        </p:spPr>
+        <p:txBody>
+          <a:bodyPr/>
+          <a:lstStyle/>
           <a:p>
             <a:r>
               <a:rPr lang="en-US" dirty="0"/>
-              <a:t>mirjam@contoso.com</a:t>
+              <a:t>PRESENTATION TITLE</a:t>
             </a:r>
           </a:p>
-          <a:p>
-            <a:r>
-              <a:rPr lang="en-US" dirty="0"/>
-              <a:t>www.contoso.com</a:t>
-            </a:r>
+        </p:txBody>
+      </p:sp>
+      <p:sp>
+        <p:nvSpPr>
+          <p:cNvPr id="6" name="Slide Number Placeholder 5">
+            <a:extLst>
+              <a:ext uri="{FF2B5EF4-FFF2-40B4-BE49-F238E27FC236}">
+                <a16:creationId xmlns:a16="http://schemas.microsoft.com/office/drawing/2014/main" id="{B25B7362-01DC-0E4C-9B34-0DF3FD449CAD}"/>
+              </a:ext>
+            </a:extLst>
+          </p:cNvPr>
+          <p:cNvSpPr>
+            <a:spLocks noGrp="1"/>
+          </p:cNvSpPr>
+          <p:nvPr>
+            <p:ph type="sldNum" sz="quarter" idx="12"/>
+          </p:nvPr>
+        </p:nvSpPr>
+        <p:spPr>
+          <a:xfrm>
+            <a:off x="10206318" y="6356350"/>
+            <a:ext cx="1604682" cy="365125"/>
+          </a:xfrm>
+        </p:spPr>
+        <p:txBody>
+          <a:bodyPr/>
+          <a:lstStyle/>
+          <a:p>
+            <a:fld id="{294A09A9-5501-47C1-A89A-A340965A2BE2}" type="slidenum">
+              <a:rPr lang="en-US" smtClean="0"/>
+              <a:pPr/>
+              <a:t>19</a:t>
+            </a:fld>
+            <a:endParaRPr lang="en-US" dirty="0"/>
           </a:p>
         </p:txBody>
       </p:sp>
     </p:spTree>
     <p:extLst>
       <p:ext uri="{BB962C8B-B14F-4D97-AF65-F5344CB8AC3E}">
-        <p14:creationId xmlns:p14="http://schemas.microsoft.com/office/powerpoint/2010/main" val="926184573"/>
+        <p14:creationId xmlns:p14="http://schemas.microsoft.com/office/powerpoint/2010/main" val="445070695"/>
       </p:ext>
     </p:extLst>
   </p:cSld>
@@ -28170,7 +28105,7 @@
           <p:nvPr>
             <p:extLst>
               <p:ext uri="{D42A27DB-BD31-4B8C-83A1-F6EECF244321}">
-                <p14:modId xmlns:p14="http://schemas.microsoft.com/office/powerpoint/2010/main" val="2126500872"/>
+                <p14:modId xmlns:p14="http://schemas.microsoft.com/office/powerpoint/2010/main" val="1102620649"/>
               </p:ext>
             </p:extLst>
           </p:nvPr>
@@ -28208,7 +28143,7 @@
           <a:p>
             <a:fld id="{79C497D8-AFA6-424B-9876-402B886244CF}" type="datetime1">
               <a:rPr lang="en-US" smtClean="0"/>
-              <a:t>10/20/2022</a:t>
+              <a:t>10/25/2022</a:t>
             </a:fld>
             <a:endParaRPr lang="en-US" dirty="0"/>
           </a:p>
@@ -28358,7 +28293,7 @@
         </p:spPr>
         <p:txBody>
           <a:bodyPr vert="horz" lIns="91440" tIns="45720" rIns="91440" bIns="45720" rtlCol="0" anchor="t">
-            <a:normAutofit fontScale="92500" lnSpcReduction="20000"/>
+            <a:normAutofit lnSpcReduction="10000"/>
           </a:bodyPr>
           <a:lstStyle/>
           <a:p>
@@ -28389,12 +28324,6 @@
             <a:r>
               <a:rPr lang="en-US" dirty="0"/>
               <a:t>Transactional</a:t>
-            </a:r>
-          </a:p>
-          <a:p>
-            <a:r>
-              <a:rPr lang="en-US" dirty="0"/>
-              <a:t>Unit Testing</a:t>
             </a:r>
           </a:p>
           <a:p>
@@ -28440,7 +28369,7 @@
             <a:fld id="{495D8227-9DE4-4D42-8C1B-E10C828BC634}" type="datetime1">
               <a:rPr lang="en-US" smtClean="0"/>
               <a:pPr/>
-              <a:t>10/20/2022</a:t>
+              <a:t>10/25/2022</a:t>
             </a:fld>
             <a:endParaRPr lang="en-US" dirty="0"/>
           </a:p>
@@ -29337,7 +29266,7 @@
           <p:cNvPr id="2" name="Title 1">
             <a:extLst>
               <a:ext uri="{FF2B5EF4-FFF2-40B4-BE49-F238E27FC236}">
-                <a16:creationId xmlns:a16="http://schemas.microsoft.com/office/drawing/2014/main" id="{8460295B-54B9-4937-90E3-BAB9CE69E30B}"/>
+                <a16:creationId xmlns:a16="http://schemas.microsoft.com/office/drawing/2014/main" id="{B2DABF9A-B317-9CA3-12DB-1EBBBB9319C0}"/>
               </a:ext>
             </a:extLst>
           </p:cNvPr>
@@ -29348,29 +29277,25 @@
             <p:ph type="ctrTitle"/>
           </p:nvPr>
         </p:nvSpPr>
-        <p:spPr>
-          <a:xfrm>
-            <a:off x="468246" y="0"/>
-            <a:ext cx="6245912" cy="712765"/>
-          </a:xfrm>
-        </p:spPr>
+        <p:spPr/>
         <p:txBody>
           <a:bodyPr/>
           <a:lstStyle/>
           <a:p>
             <a:r>
-              <a:rPr lang="en-US" sz="4000" dirty="0"/>
-              <a:t>Documentation API</a:t>
+              <a:rPr lang="en-US" dirty="0"/>
+              <a:t>Demo App</a:t>
             </a:r>
+            <a:endParaRPr lang="id-ID" dirty="0"/>
           </a:p>
         </p:txBody>
       </p:sp>
       <p:sp>
         <p:nvSpPr>
-          <p:cNvPr id="4" name="Text Placeholder 3">
+          <p:cNvPr id="3" name="Subtitle 2">
             <a:extLst>
               <a:ext uri="{FF2B5EF4-FFF2-40B4-BE49-F238E27FC236}">
-                <a16:creationId xmlns:a16="http://schemas.microsoft.com/office/drawing/2014/main" id="{D51A6D85-3837-435F-A342-5A3F98172B12}"/>
+                <a16:creationId xmlns:a16="http://schemas.microsoft.com/office/drawing/2014/main" id="{31256689-E65E-CFD3-4DFB-3395D6BCBC96}"/>
               </a:ext>
             </a:extLst>
           </p:cNvPr>
@@ -29381,58 +29306,23 @@
             <p:ph type="subTitle" idx="1"/>
           </p:nvPr>
         </p:nvSpPr>
-        <p:spPr>
-          <a:xfrm>
-            <a:off x="468246" y="831613"/>
-            <a:ext cx="7160718" cy="1406101"/>
-          </a:xfrm>
-        </p:spPr>
+        <p:spPr/>
         <p:txBody>
-          <a:bodyPr vert="horz" lIns="91440" tIns="45720" rIns="91440" bIns="45720" rtlCol="0" anchor="t">
-            <a:normAutofit/>
-          </a:bodyPr>
+          <a:bodyPr/>
           <a:lstStyle/>
           <a:p>
             <a:r>
               <a:rPr lang="en-US" dirty="0"/>
-              <a:t>Localhost:8181/swagger/index.html</a:t>
+              <a:t>Localhost:8181</a:t>
             </a:r>
+            <a:endParaRPr lang="id-ID" dirty="0"/>
           </a:p>
         </p:txBody>
       </p:sp>
-      <p:pic>
-        <p:nvPicPr>
-          <p:cNvPr id="3" name="Picture 2">
-            <a:extLst>
-              <a:ext uri="{FF2B5EF4-FFF2-40B4-BE49-F238E27FC236}">
-                <a16:creationId xmlns:a16="http://schemas.microsoft.com/office/drawing/2014/main" id="{12EDB49A-A87A-743B-CE5C-4EE647543B01}"/>
-              </a:ext>
-            </a:extLst>
-          </p:cNvPr>
-          <p:cNvPicPr>
-            <a:picLocks noChangeAspect="1"/>
-          </p:cNvPicPr>
-          <p:nvPr/>
-        </p:nvPicPr>
-        <p:blipFill rotWithShape="1">
-          <a:blip r:embed="rId2"/>
-          <a:srcRect r="28" b="21485"/>
-          <a:stretch/>
-        </p:blipFill>
-        <p:spPr>
-          <a:xfrm>
-            <a:off x="378600" y="1474356"/>
-            <a:ext cx="11436882" cy="5052529"/>
-          </a:xfrm>
-          <a:prstGeom prst="rect">
-            <a:avLst/>
-          </a:prstGeom>
-        </p:spPr>
-      </p:pic>
     </p:spTree>
     <p:extLst>
       <p:ext uri="{BB962C8B-B14F-4D97-AF65-F5344CB8AC3E}">
-        <p14:creationId xmlns:p14="http://schemas.microsoft.com/office/powerpoint/2010/main" val="3446797337"/>
+        <p14:creationId xmlns:p14="http://schemas.microsoft.com/office/powerpoint/2010/main" val="144771930"/>
       </p:ext>
     </p:extLst>
   </p:cSld>
@@ -29464,7 +29354,7 @@
           <p:cNvPr id="2" name="Title 1">
             <a:extLst>
               <a:ext uri="{FF2B5EF4-FFF2-40B4-BE49-F238E27FC236}">
-                <a16:creationId xmlns:a16="http://schemas.microsoft.com/office/drawing/2014/main" id="{EFB85265-CA38-8B55-62A1-4F3002B2353E}"/>
+                <a16:creationId xmlns:a16="http://schemas.microsoft.com/office/drawing/2014/main" id="{8460295B-54B9-4937-90E3-BAB9CE69E30B}"/>
               </a:ext>
             </a:extLst>
           </p:cNvPr>
@@ -29472,28 +29362,32 @@
             <a:spLocks noGrp="1"/>
           </p:cNvSpPr>
           <p:nvPr>
-            <p:ph type="title"/>
+            <p:ph type="ctrTitle"/>
           </p:nvPr>
         </p:nvSpPr>
-        <p:spPr/>
+        <p:spPr>
+          <a:xfrm>
+            <a:off x="468246" y="0"/>
+            <a:ext cx="6245912" cy="712765"/>
+          </a:xfrm>
+        </p:spPr>
         <p:txBody>
           <a:bodyPr/>
           <a:lstStyle/>
           <a:p>
             <a:r>
-              <a:rPr lang="en-US" dirty="0"/>
-              <a:t>Deployment</a:t>
+              <a:rPr lang="en-US" sz="4000" dirty="0"/>
+              <a:t>Documentation API</a:t>
             </a:r>
-            <a:endParaRPr lang="id-ID" dirty="0"/>
           </a:p>
         </p:txBody>
       </p:sp>
       <p:sp>
         <p:nvSpPr>
-          <p:cNvPr id="3" name="Picture Placeholder 2">
+          <p:cNvPr id="4" name="Text Placeholder 3">
             <a:extLst>
               <a:ext uri="{FF2B5EF4-FFF2-40B4-BE49-F238E27FC236}">
-                <a16:creationId xmlns:a16="http://schemas.microsoft.com/office/drawing/2014/main" id="{ABD188A3-008B-A571-087F-9FEAC93F4F54}"/>
+                <a16:creationId xmlns:a16="http://schemas.microsoft.com/office/drawing/2014/main" id="{D51A6D85-3837-435F-A342-5A3F98172B12}"/>
               </a:ext>
             </a:extLst>
           </p:cNvPr>
@@ -29501,360 +29395,34 @@
             <a:spLocks noGrp="1"/>
           </p:cNvSpPr>
           <p:nvPr>
-            <p:ph type="pic" sz="quarter" idx="13"/>
+            <p:ph type="subTitle" idx="1"/>
           </p:nvPr>
         </p:nvSpPr>
-        <p:spPr/>
-      </p:sp>
-      <p:sp>
-        <p:nvSpPr>
-          <p:cNvPr id="4" name="Text Placeholder 3">
-            <a:extLst>
-              <a:ext uri="{FF2B5EF4-FFF2-40B4-BE49-F238E27FC236}">
-                <a16:creationId xmlns:a16="http://schemas.microsoft.com/office/drawing/2014/main" id="{1B4EF043-E704-1E5B-0AB6-A270911FD277}"/>
-              </a:ext>
-            </a:extLst>
-          </p:cNvPr>
-          <p:cNvSpPr>
-            <a:spLocks noGrp="1"/>
-          </p:cNvSpPr>
-          <p:nvPr>
-            <p:ph type="body" sz="quarter" idx="17"/>
-          </p:nvPr>
-        </p:nvSpPr>
-        <p:spPr/>
+        <p:spPr>
+          <a:xfrm>
+            <a:off x="468246" y="831613"/>
+            <a:ext cx="7160718" cy="1406101"/>
+          </a:xfrm>
+        </p:spPr>
         <p:txBody>
-          <a:bodyPr/>
+          <a:bodyPr vert="horz" lIns="91440" tIns="45720" rIns="91440" bIns="45720" rtlCol="0" anchor="t">
+            <a:normAutofit/>
+          </a:bodyPr>
           <a:lstStyle/>
           <a:p>
-            <a:endParaRPr lang="id-ID"/>
-          </a:p>
-        </p:txBody>
-      </p:sp>
-      <p:sp>
-        <p:nvSpPr>
-          <p:cNvPr id="5" name="Text Placeholder 4">
-            <a:extLst>
-              <a:ext uri="{FF2B5EF4-FFF2-40B4-BE49-F238E27FC236}">
-                <a16:creationId xmlns:a16="http://schemas.microsoft.com/office/drawing/2014/main" id="{F8F749A1-8F04-DB7F-3C6F-5D8CE9FB1C1E}"/>
-              </a:ext>
-            </a:extLst>
-          </p:cNvPr>
-          <p:cNvSpPr>
-            <a:spLocks noGrp="1"/>
-          </p:cNvSpPr>
-          <p:nvPr>
-            <p:ph type="body" sz="quarter" idx="18"/>
-          </p:nvPr>
-        </p:nvSpPr>
-        <p:spPr/>
-        <p:txBody>
-          <a:bodyPr/>
-          <a:lstStyle/>
-          <a:p>
-            <a:endParaRPr lang="id-ID"/>
-          </a:p>
-        </p:txBody>
-      </p:sp>
-      <p:sp>
-        <p:nvSpPr>
-          <p:cNvPr id="6" name="Picture Placeholder 5">
-            <a:extLst>
-              <a:ext uri="{FF2B5EF4-FFF2-40B4-BE49-F238E27FC236}">
-                <a16:creationId xmlns:a16="http://schemas.microsoft.com/office/drawing/2014/main" id="{91D4A166-EF2D-E959-5C55-32DBCA59DDE1}"/>
-              </a:ext>
-            </a:extLst>
-          </p:cNvPr>
-          <p:cNvSpPr>
-            <a:spLocks noGrp="1"/>
-          </p:cNvSpPr>
-          <p:nvPr>
-            <p:ph type="pic" sz="quarter" idx="14"/>
-          </p:nvPr>
-        </p:nvSpPr>
-        <p:spPr/>
-      </p:sp>
-      <p:sp>
-        <p:nvSpPr>
-          <p:cNvPr id="7" name="Text Placeholder 6">
-            <a:extLst>
-              <a:ext uri="{FF2B5EF4-FFF2-40B4-BE49-F238E27FC236}">
-                <a16:creationId xmlns:a16="http://schemas.microsoft.com/office/drawing/2014/main" id="{0D310807-E304-F9AA-F917-222718EEB9D7}"/>
-              </a:ext>
-            </a:extLst>
-          </p:cNvPr>
-          <p:cNvSpPr>
-            <a:spLocks noGrp="1"/>
-          </p:cNvSpPr>
-          <p:nvPr>
-            <p:ph type="body" sz="quarter" idx="19"/>
-          </p:nvPr>
-        </p:nvSpPr>
-        <p:spPr/>
-        <p:txBody>
-          <a:bodyPr/>
-          <a:lstStyle/>
-          <a:p>
-            <a:endParaRPr lang="id-ID"/>
-          </a:p>
-        </p:txBody>
-      </p:sp>
-      <p:sp>
-        <p:nvSpPr>
-          <p:cNvPr id="8" name="Text Placeholder 7">
-            <a:extLst>
-              <a:ext uri="{FF2B5EF4-FFF2-40B4-BE49-F238E27FC236}">
-                <a16:creationId xmlns:a16="http://schemas.microsoft.com/office/drawing/2014/main" id="{A886A81F-2C08-05EB-9850-1A17417080E2}"/>
-              </a:ext>
-            </a:extLst>
-          </p:cNvPr>
-          <p:cNvSpPr>
-            <a:spLocks noGrp="1"/>
-          </p:cNvSpPr>
-          <p:nvPr>
-            <p:ph type="body" sz="quarter" idx="20"/>
-          </p:nvPr>
-        </p:nvSpPr>
-        <p:spPr/>
-        <p:txBody>
-          <a:bodyPr/>
-          <a:lstStyle/>
-          <a:p>
-            <a:endParaRPr lang="id-ID"/>
-          </a:p>
-        </p:txBody>
-      </p:sp>
-      <p:sp>
-        <p:nvSpPr>
-          <p:cNvPr id="9" name="Picture Placeholder 8">
-            <a:extLst>
-              <a:ext uri="{FF2B5EF4-FFF2-40B4-BE49-F238E27FC236}">
-                <a16:creationId xmlns:a16="http://schemas.microsoft.com/office/drawing/2014/main" id="{3A2E048C-160D-2527-3F9D-39068BF7C408}"/>
-              </a:ext>
-            </a:extLst>
-          </p:cNvPr>
-          <p:cNvSpPr>
-            <a:spLocks noGrp="1"/>
-          </p:cNvSpPr>
-          <p:nvPr>
-            <p:ph type="pic" sz="quarter" idx="15"/>
-          </p:nvPr>
-        </p:nvSpPr>
-        <p:spPr/>
-      </p:sp>
-      <p:sp>
-        <p:nvSpPr>
-          <p:cNvPr id="10" name="Text Placeholder 9">
-            <a:extLst>
-              <a:ext uri="{FF2B5EF4-FFF2-40B4-BE49-F238E27FC236}">
-                <a16:creationId xmlns:a16="http://schemas.microsoft.com/office/drawing/2014/main" id="{6B0338AD-D31F-7B95-DB33-5C5ED6A121A2}"/>
-              </a:ext>
-            </a:extLst>
-          </p:cNvPr>
-          <p:cNvSpPr>
-            <a:spLocks noGrp="1"/>
-          </p:cNvSpPr>
-          <p:nvPr>
-            <p:ph type="body" sz="quarter" idx="21"/>
-          </p:nvPr>
-        </p:nvSpPr>
-        <p:spPr/>
-        <p:txBody>
-          <a:bodyPr/>
-          <a:lstStyle/>
-          <a:p>
-            <a:endParaRPr lang="id-ID"/>
-          </a:p>
-        </p:txBody>
-      </p:sp>
-      <p:sp>
-        <p:nvSpPr>
-          <p:cNvPr id="11" name="Text Placeholder 10">
-            <a:extLst>
-              <a:ext uri="{FF2B5EF4-FFF2-40B4-BE49-F238E27FC236}">
-                <a16:creationId xmlns:a16="http://schemas.microsoft.com/office/drawing/2014/main" id="{9DA81A53-1AE5-BC50-8BD8-6FB052CA6DC9}"/>
-              </a:ext>
-            </a:extLst>
-          </p:cNvPr>
-          <p:cNvSpPr>
-            <a:spLocks noGrp="1"/>
-          </p:cNvSpPr>
-          <p:nvPr>
-            <p:ph type="body" sz="quarter" idx="22"/>
-          </p:nvPr>
-        </p:nvSpPr>
-        <p:spPr/>
-        <p:txBody>
-          <a:bodyPr/>
-          <a:lstStyle/>
-          <a:p>
-            <a:endParaRPr lang="id-ID"/>
-          </a:p>
-        </p:txBody>
-      </p:sp>
-      <p:sp>
-        <p:nvSpPr>
-          <p:cNvPr id="12" name="Picture Placeholder 11">
-            <a:extLst>
-              <a:ext uri="{FF2B5EF4-FFF2-40B4-BE49-F238E27FC236}">
-                <a16:creationId xmlns:a16="http://schemas.microsoft.com/office/drawing/2014/main" id="{2B4B4EAA-FF02-9A47-EC9C-0C0BE59FFA3A}"/>
-              </a:ext>
-            </a:extLst>
-          </p:cNvPr>
-          <p:cNvSpPr>
-            <a:spLocks noGrp="1"/>
-          </p:cNvSpPr>
-          <p:nvPr>
-            <p:ph type="pic" sz="quarter" idx="16"/>
-          </p:nvPr>
-        </p:nvSpPr>
-        <p:spPr/>
-      </p:sp>
-      <p:sp>
-        <p:nvSpPr>
-          <p:cNvPr id="13" name="Text Placeholder 12">
-            <a:extLst>
-              <a:ext uri="{FF2B5EF4-FFF2-40B4-BE49-F238E27FC236}">
-                <a16:creationId xmlns:a16="http://schemas.microsoft.com/office/drawing/2014/main" id="{AC72444B-1523-F956-208F-7870B577E122}"/>
-              </a:ext>
-            </a:extLst>
-          </p:cNvPr>
-          <p:cNvSpPr>
-            <a:spLocks noGrp="1"/>
-          </p:cNvSpPr>
-          <p:nvPr>
-            <p:ph type="body" sz="quarter" idx="23"/>
-          </p:nvPr>
-        </p:nvSpPr>
-        <p:spPr/>
-        <p:txBody>
-          <a:bodyPr/>
-          <a:lstStyle/>
-          <a:p>
-            <a:endParaRPr lang="id-ID"/>
-          </a:p>
-        </p:txBody>
-      </p:sp>
-      <p:sp>
-        <p:nvSpPr>
-          <p:cNvPr id="14" name="Text Placeholder 13">
-            <a:extLst>
-              <a:ext uri="{FF2B5EF4-FFF2-40B4-BE49-F238E27FC236}">
-                <a16:creationId xmlns:a16="http://schemas.microsoft.com/office/drawing/2014/main" id="{99743DC6-E0C3-DD78-AEE5-DBA80AED9957}"/>
-              </a:ext>
-            </a:extLst>
-          </p:cNvPr>
-          <p:cNvSpPr>
-            <a:spLocks noGrp="1"/>
-          </p:cNvSpPr>
-          <p:nvPr>
-            <p:ph type="body" sz="quarter" idx="24"/>
-          </p:nvPr>
-        </p:nvSpPr>
-        <p:spPr/>
-        <p:txBody>
-          <a:bodyPr/>
-          <a:lstStyle/>
-          <a:p>
-            <a:endParaRPr lang="id-ID"/>
-          </a:p>
-        </p:txBody>
-      </p:sp>
-      <p:sp>
-        <p:nvSpPr>
-          <p:cNvPr id="15" name="Date Placeholder 14">
-            <a:extLst>
-              <a:ext uri="{FF2B5EF4-FFF2-40B4-BE49-F238E27FC236}">
-                <a16:creationId xmlns:a16="http://schemas.microsoft.com/office/drawing/2014/main" id="{9649B312-5055-A28C-DF06-EE7FB6D7CA28}"/>
-              </a:ext>
-            </a:extLst>
-          </p:cNvPr>
-          <p:cNvSpPr>
-            <a:spLocks noGrp="1"/>
-          </p:cNvSpPr>
-          <p:nvPr>
-            <p:ph type="dt" sz="half" idx="10"/>
-          </p:nvPr>
-        </p:nvSpPr>
-        <p:spPr/>
-        <p:txBody>
-          <a:bodyPr/>
-          <a:lstStyle/>
-          <a:p>
-            <a:fld id="{9A85C5CA-AE29-AB4C-8F85-0373C72001D8}" type="datetime1">
-              <a:rPr lang="en-US" smtClean="0"/>
-              <a:pPr/>
-              <a:t>10/20/2022</a:t>
-            </a:fld>
-            <a:endParaRPr lang="en-US" dirty="0"/>
-          </a:p>
-        </p:txBody>
-      </p:sp>
-      <p:sp>
-        <p:nvSpPr>
-          <p:cNvPr id="16" name="Footer Placeholder 15">
-            <a:extLst>
-              <a:ext uri="{FF2B5EF4-FFF2-40B4-BE49-F238E27FC236}">
-                <a16:creationId xmlns:a16="http://schemas.microsoft.com/office/drawing/2014/main" id="{E65B05B5-D183-CD51-8E73-B10F215422A2}"/>
-              </a:ext>
-            </a:extLst>
-          </p:cNvPr>
-          <p:cNvSpPr>
-            <a:spLocks noGrp="1"/>
-          </p:cNvSpPr>
-          <p:nvPr>
-            <p:ph type="ftr" sz="quarter" idx="11"/>
-          </p:nvPr>
-        </p:nvSpPr>
-        <p:spPr/>
-        <p:txBody>
-          <a:bodyPr/>
-          <a:lstStyle/>
-          <a:p>
             <a:r>
-              <a:rPr lang="en-US"/>
-              <a:t>PRESENTATION TITLE</a:t>
+              <a:rPr lang="en-US" dirty="0"/>
+              <a:t>Localhost:8181/swagger/index.html</a:t>
             </a:r>
-            <a:endParaRPr lang="en-US" dirty="0"/>
-          </a:p>
-        </p:txBody>
-      </p:sp>
-      <p:sp>
-        <p:nvSpPr>
-          <p:cNvPr id="17" name="Slide Number Placeholder 16">
-            <a:extLst>
-              <a:ext uri="{FF2B5EF4-FFF2-40B4-BE49-F238E27FC236}">
-                <a16:creationId xmlns:a16="http://schemas.microsoft.com/office/drawing/2014/main" id="{335F2009-781A-119A-F29A-C3A3A15CA0EC}"/>
-              </a:ext>
-            </a:extLst>
-          </p:cNvPr>
-          <p:cNvSpPr>
-            <a:spLocks noGrp="1"/>
-          </p:cNvSpPr>
-          <p:nvPr>
-            <p:ph type="sldNum" sz="quarter" idx="12"/>
-          </p:nvPr>
-        </p:nvSpPr>
-        <p:spPr/>
-        <p:txBody>
-          <a:bodyPr/>
-          <a:lstStyle/>
-          <a:p>
-            <a:fld id="{294A09A9-5501-47C1-A89A-A340965A2BE2}" type="slidenum">
-              <a:rPr lang="en-US" smtClean="0"/>
-              <a:pPr/>
-              <a:t>9</a:t>
-            </a:fld>
-            <a:endParaRPr lang="en-US" dirty="0"/>
           </a:p>
         </p:txBody>
       </p:sp>
       <p:pic>
         <p:nvPicPr>
-          <p:cNvPr id="21" name="Picture 20">
+          <p:cNvPr id="3" name="Picture 2">
             <a:extLst>
               <a:ext uri="{FF2B5EF4-FFF2-40B4-BE49-F238E27FC236}">
-                <a16:creationId xmlns:a16="http://schemas.microsoft.com/office/drawing/2014/main" id="{93EF951C-4BE7-42DF-7465-7ED7F466F0F9}"/>
+                <a16:creationId xmlns:a16="http://schemas.microsoft.com/office/drawing/2014/main" id="{12EDB49A-A87A-743B-CE5C-4EE647543B01}"/>
               </a:ext>
             </a:extLst>
           </p:cNvPr>
@@ -29863,16 +29431,15 @@
           </p:cNvPicPr>
           <p:nvPr/>
         </p:nvPicPr>
-        <p:blipFill>
+        <p:blipFill rotWithShape="1">
           <a:blip r:embed="rId2"/>
-          <a:stretch>
-            <a:fillRect/>
-          </a:stretch>
+          <a:srcRect r="28" b="21485"/>
+          <a:stretch/>
         </p:blipFill>
         <p:spPr>
           <a:xfrm>
-            <a:off x="750429" y="1973961"/>
-            <a:ext cx="6651311" cy="4087292"/>
+            <a:off x="378600" y="1474356"/>
+            <a:ext cx="11436882" cy="5052529"/>
           </a:xfrm>
           <a:prstGeom prst="rect">
             <a:avLst/>
@@ -29882,7 +29449,7 @@
     </p:spTree>
     <p:extLst>
       <p:ext uri="{BB962C8B-B14F-4D97-AF65-F5344CB8AC3E}">
-        <p14:creationId xmlns:p14="http://schemas.microsoft.com/office/powerpoint/2010/main" val="3052797972"/>
+        <p14:creationId xmlns:p14="http://schemas.microsoft.com/office/powerpoint/2010/main" val="3446797337"/>
       </p:ext>
     </p:extLst>
   </p:cSld>
@@ -30389,15 +29956,6 @@
 </file>
 
 <file path=customXml/item1.xml><?xml version="1.0" encoding="utf-8"?>
-<?mso-contentType ?>
-<FormTemplates xmlns="http://schemas.microsoft.com/sharepoint/v3/contenttype/forms">
-  <Display>DocumentLibraryForm</Display>
-  <Edit>DocumentLibraryForm</Edit>
-  <New>DocumentLibraryForm</New>
-</FormTemplates>
-</file>
-
-<file path=customXml/item2.xml><?xml version="1.0" encoding="utf-8"?>
 <p:properties xmlns:p="http://schemas.microsoft.com/office/2006/metadata/properties" xmlns:xsi="http://www.w3.org/2001/XMLSchema-instance" xmlns:pc="http://schemas.microsoft.com/office/infopath/2007/PartnerControls">
   <documentManagement>
     <_ip_UnifiedCompliancePolicyUIAction xmlns="http://schemas.microsoft.com/sharepoint/v3" xsi:nil="true"/>
@@ -30414,6 +29972,15 @@
     <MediaServiceKeyPoints xmlns="71af3243-3dd4-4a8d-8c0d-dd76da1f02a5" xsi:nil="true"/>
   </documentManagement>
 </p:properties>
+</file>
+
+<file path=customXml/item2.xml><?xml version="1.0" encoding="utf-8"?>
+<?mso-contentType ?>
+<FormTemplates xmlns="http://schemas.microsoft.com/sharepoint/v3/contenttype/forms">
+  <Display>DocumentLibraryForm</Display>
+  <Edit>DocumentLibraryForm</Edit>
+  <New>DocumentLibraryForm</New>
+</FormTemplates>
 </file>
 
 <file path=customXml/item3.xml><?xml version="1.0" encoding="utf-8"?>
@@ -30699,14 +30266,6 @@
 </file>
 
 <file path=customXml/itemProps1.xml><?xml version="1.0" encoding="utf-8"?>
-<ds:datastoreItem xmlns:ds="http://schemas.openxmlformats.org/officeDocument/2006/customXml" ds:itemID="{85334180-0405-413B-834A-44FA9E05ADB7}">
-  <ds:schemaRefs>
-    <ds:schemaRef ds:uri="http://schemas.microsoft.com/sharepoint/v3/contenttype/forms"/>
-  </ds:schemaRefs>
-</ds:datastoreItem>
-</file>
-
-<file path=customXml/itemProps2.xml><?xml version="1.0" encoding="utf-8"?>
 <ds:datastoreItem xmlns:ds="http://schemas.openxmlformats.org/officeDocument/2006/customXml" ds:itemID="{4D5BAB77-79E1-4739-AA51-10C9079186D6}">
   <ds:schemaRefs>
     <ds:schemaRef ds:uri="http://schemas.microsoft.com/office/2006/metadata/properties"/>
@@ -30714,6 +30273,14 @@
     <ds:schemaRef ds:uri="http://schemas.microsoft.com/sharepoint/v3"/>
     <ds:schemaRef ds:uri="71af3243-3dd4-4a8d-8c0d-dd76da1f02a5"/>
     <ds:schemaRef ds:uri="230e9df3-be65-4c73-a93b-d1236ebd677e"/>
+  </ds:schemaRefs>
+</ds:datastoreItem>
+</file>
+
+<file path=customXml/itemProps2.xml><?xml version="1.0" encoding="utf-8"?>
+<ds:datastoreItem xmlns:ds="http://schemas.openxmlformats.org/officeDocument/2006/customXml" ds:itemID="{85334180-0405-413B-834A-44FA9E05ADB7}">
+  <ds:schemaRefs>
+    <ds:schemaRef ds:uri="http://schemas.microsoft.com/sharepoint/v3/contenttype/forms"/>
   </ds:schemaRefs>
 </ds:datastoreItem>
 </file>
